--- a/up and running with tensorflow.pptx
+++ b/up and running with tensorflow.pptx
@@ -5,7 +5,7 @@
     <p:sldMasterId id="2147483648" r:id="rId1"/>
   </p:sldMasterIdLst>
   <p:notesMasterIdLst>
-    <p:notesMasterId r:id="rId21"/>
+    <p:notesMasterId r:id="rId27"/>
   </p:notesMasterIdLst>
   <p:sldIdLst>
     <p:sldId id="256" r:id="rId2"/>
@@ -15,33 +15,39 @@
     <p:sldId id="257" r:id="rId6"/>
     <p:sldId id="258" r:id="rId7"/>
     <p:sldId id="259" r:id="rId8"/>
-    <p:sldId id="260" r:id="rId9"/>
-    <p:sldId id="269" r:id="rId10"/>
-    <p:sldId id="270" r:id="rId11"/>
-    <p:sldId id="261" r:id="rId12"/>
-    <p:sldId id="262" r:id="rId13"/>
-    <p:sldId id="271" r:id="rId14"/>
-    <p:sldId id="264" r:id="rId15"/>
-    <p:sldId id="272" r:id="rId16"/>
-    <p:sldId id="265" r:id="rId17"/>
-    <p:sldId id="266" r:id="rId18"/>
-    <p:sldId id="273" r:id="rId19"/>
-    <p:sldId id="275" r:id="rId20"/>
+    <p:sldId id="281" r:id="rId9"/>
+    <p:sldId id="260" r:id="rId10"/>
+    <p:sldId id="269" r:id="rId11"/>
+    <p:sldId id="270" r:id="rId12"/>
+    <p:sldId id="261" r:id="rId13"/>
+    <p:sldId id="282" r:id="rId14"/>
+    <p:sldId id="262" r:id="rId15"/>
+    <p:sldId id="271" r:id="rId16"/>
+    <p:sldId id="283" r:id="rId17"/>
+    <p:sldId id="264" r:id="rId18"/>
+    <p:sldId id="272" r:id="rId19"/>
+    <p:sldId id="265" r:id="rId20"/>
+    <p:sldId id="266" r:id="rId21"/>
+    <p:sldId id="284" r:id="rId22"/>
+    <p:sldId id="273" r:id="rId23"/>
+    <p:sldId id="285" r:id="rId24"/>
+    <p:sldId id="286" r:id="rId25"/>
+    <p:sldId id="275" r:id="rId26"/>
   </p:sldIdLst>
   <p:sldSz cx="12192000" cy="6858000"/>
   <p:notesSz cx="6858000" cy="9144000"/>
   <p:embeddedFontLst>
     <p:embeddedFont>
       <p:font typeface="맑은 고딕" panose="020B0503020000020004" pitchFamily="50" charset="-127"/>
-      <p:regular r:id="rId22"/>
-      <p:bold r:id="rId23"/>
+      <p:regular r:id="rId28"/>
+      <p:bold r:id="rId29"/>
     </p:embeddedFont>
     <p:embeddedFont>
       <p:font typeface="Ubuntu Mono" panose="020B0509030602030204" pitchFamily="49" charset="0"/>
-      <p:regular r:id="rId24"/>
-      <p:bold r:id="rId25"/>
-      <p:italic r:id="rId26"/>
-      <p:boldItalic r:id="rId27"/>
+      <p:regular r:id="rId30"/>
+      <p:bold r:id="rId31"/>
+      <p:italic r:id="rId32"/>
+      <p:boldItalic r:id="rId33"/>
     </p:embeddedFont>
   </p:embeddedFontLst>
   <p:defaultTextStyle>
@@ -229,7 +235,7 @@
           <a:p>
             <a:fld id="{C682342D-C57A-4D59-9272-F1A47A7E84E9}" type="datetimeFigureOut">
               <a:rPr lang="ko-KR" altLang="en-US" smtClean="0"/>
-              <a:t>2017-02-16</a:t>
+              <a:t>2017-02-17</a:t>
             </a:fld>
             <a:endParaRPr lang="ko-KR" altLang="en-US"/>
           </a:p>
@@ -730,7 +736,7 @@
           <a:p>
             <a:fld id="{92E09050-C3A1-4669-9F9E-A3665DF09B0D}" type="slidenum">
               <a:rPr lang="ko-KR" altLang="en-US" smtClean="0"/>
-              <a:t>18</a:t>
+              <a:t>22</a:t>
             </a:fld>
             <a:endParaRPr lang="ko-KR" altLang="en-US"/>
           </a:p>
@@ -814,7 +820,91 @@
           <a:p>
             <a:fld id="{92E09050-C3A1-4669-9F9E-A3665DF09B0D}" type="slidenum">
               <a:rPr lang="ko-KR" altLang="en-US" smtClean="0"/>
-              <a:t>19</a:t>
+              <a:t>24</a:t>
+            </a:fld>
+            <a:endParaRPr lang="ko-KR" altLang="en-US"/>
+          </a:p>
+        </p:txBody>
+      </p:sp>
+    </p:spTree>
+    <p:extLst>
+      <p:ext uri="{BB962C8B-B14F-4D97-AF65-F5344CB8AC3E}">
+        <p14:creationId xmlns:p14="http://schemas.microsoft.com/office/powerpoint/2010/main" val="3269018817"/>
+      </p:ext>
+    </p:extLst>
+  </p:cSld>
+  <p:clrMapOvr>
+    <a:masterClrMapping/>
+  </p:clrMapOvr>
+</p:notes>
+</file>
+
+<file path=ppt/notesSlides/notesSlide5.xml><?xml version="1.0" encoding="utf-8"?>
+<p:notes xmlns:a="http://schemas.openxmlformats.org/drawingml/2006/main" xmlns:r="http://schemas.openxmlformats.org/officeDocument/2006/relationships" xmlns:p="http://schemas.openxmlformats.org/presentationml/2006/main">
+  <p:cSld>
+    <p:spTree>
+      <p:nvGrpSpPr>
+        <p:cNvPr id="1" name=""/>
+        <p:cNvGrpSpPr/>
+        <p:nvPr/>
+      </p:nvGrpSpPr>
+      <p:grpSpPr>
+        <a:xfrm>
+          <a:off x="0" y="0"/>
+          <a:ext cx="0" cy="0"/>
+          <a:chOff x="0" y="0"/>
+          <a:chExt cx="0" cy="0"/>
+        </a:xfrm>
+      </p:grpSpPr>
+      <p:sp>
+        <p:nvSpPr>
+          <p:cNvPr id="2" name="슬라이드 이미지 개체 틀 1"/>
+          <p:cNvSpPr>
+            <a:spLocks noGrp="1" noRot="1" noChangeAspect="1"/>
+          </p:cNvSpPr>
+          <p:nvPr>
+            <p:ph type="sldImg"/>
+          </p:nvPr>
+        </p:nvSpPr>
+        <p:spPr/>
+      </p:sp>
+      <p:sp>
+        <p:nvSpPr>
+          <p:cNvPr id="3" name="슬라이드 노트 개체 틀 2"/>
+          <p:cNvSpPr>
+            <a:spLocks noGrp="1"/>
+          </p:cNvSpPr>
+          <p:nvPr>
+            <p:ph type="body" idx="1"/>
+          </p:nvPr>
+        </p:nvSpPr>
+        <p:spPr/>
+        <p:txBody>
+          <a:bodyPr/>
+          <a:lstStyle/>
+          <a:p>
+            <a:endParaRPr lang="ko-KR" altLang="en-US"/>
+          </a:p>
+        </p:txBody>
+      </p:sp>
+      <p:sp>
+        <p:nvSpPr>
+          <p:cNvPr id="4" name="슬라이드 번호 개체 틀 3"/>
+          <p:cNvSpPr>
+            <a:spLocks noGrp="1"/>
+          </p:cNvSpPr>
+          <p:nvPr>
+            <p:ph type="sldNum" sz="quarter" idx="10"/>
+          </p:nvPr>
+        </p:nvSpPr>
+        <p:spPr/>
+        <p:txBody>
+          <a:bodyPr/>
+          <a:lstStyle/>
+          <a:p>
+            <a:fld id="{92E09050-C3A1-4669-9F9E-A3665DF09B0D}" type="slidenum">
+              <a:rPr lang="ko-KR" altLang="en-US" smtClean="0"/>
+              <a:t>25</a:t>
             </a:fld>
             <a:endParaRPr lang="ko-KR" altLang="en-US"/>
           </a:p>
@@ -967,7 +1057,7 @@
           <a:p>
             <a:fld id="{BCC5EE03-2BC4-4202-A414-6DB487F35ECF}" type="datetime1">
               <a:rPr lang="ko-KR" altLang="en-US" smtClean="0"/>
-              <a:t>2017-02-16</a:t>
+              <a:t>2017-02-17</a:t>
             </a:fld>
             <a:endParaRPr lang="ko-KR" altLang="en-US"/>
           </a:p>
@@ -1137,7 +1227,7 @@
           <a:p>
             <a:fld id="{99720D1C-C0AE-4F80-988F-5054751AB218}" type="datetime1">
               <a:rPr lang="ko-KR" altLang="en-US" smtClean="0"/>
-              <a:t>2017-02-16</a:t>
+              <a:t>2017-02-17</a:t>
             </a:fld>
             <a:endParaRPr lang="ko-KR" altLang="en-US"/>
           </a:p>
@@ -1317,7 +1407,7 @@
           <a:p>
             <a:fld id="{60825B35-8D2C-4D86-9E99-C75B443DD271}" type="datetime1">
               <a:rPr lang="ko-KR" altLang="en-US" smtClean="0"/>
-              <a:t>2017-02-16</a:t>
+              <a:t>2017-02-17</a:t>
             </a:fld>
             <a:endParaRPr lang="ko-KR" altLang="en-US"/>
           </a:p>
@@ -1487,7 +1577,7 @@
           <a:p>
             <a:fld id="{525535E8-25F2-4CE9-B05A-B069E40674EA}" type="datetime1">
               <a:rPr lang="ko-KR" altLang="en-US" smtClean="0"/>
-              <a:t>2017-02-16</a:t>
+              <a:t>2017-02-17</a:t>
             </a:fld>
             <a:endParaRPr lang="ko-KR" altLang="en-US"/>
           </a:p>
@@ -1733,7 +1823,7 @@
           <a:p>
             <a:fld id="{1C49BD82-E12A-411B-B790-A3C4738536FD}" type="datetime1">
               <a:rPr lang="ko-KR" altLang="en-US" smtClean="0"/>
-              <a:t>2017-02-16</a:t>
+              <a:t>2017-02-17</a:t>
             </a:fld>
             <a:endParaRPr lang="ko-KR" altLang="en-US"/>
           </a:p>
@@ -1965,7 +2055,7 @@
           <a:p>
             <a:fld id="{AD7779FC-0389-47E4-B712-D44D4588F2C1}" type="datetime1">
               <a:rPr lang="ko-KR" altLang="en-US" smtClean="0"/>
-              <a:t>2017-02-16</a:t>
+              <a:t>2017-02-17</a:t>
             </a:fld>
             <a:endParaRPr lang="ko-KR" altLang="en-US"/>
           </a:p>
@@ -2332,7 +2422,7 @@
           <a:p>
             <a:fld id="{71985859-4424-4470-BF65-E9EADE7F09DD}" type="datetime1">
               <a:rPr lang="ko-KR" altLang="en-US" smtClean="0"/>
-              <a:t>2017-02-16</a:t>
+              <a:t>2017-02-17</a:t>
             </a:fld>
             <a:endParaRPr lang="ko-KR" altLang="en-US"/>
           </a:p>
@@ -2450,7 +2540,7 @@
           <a:p>
             <a:fld id="{65E8668C-66A4-4D04-9C9E-A97CE698348B}" type="datetime1">
               <a:rPr lang="ko-KR" altLang="en-US" smtClean="0"/>
-              <a:t>2017-02-16</a:t>
+              <a:t>2017-02-17</a:t>
             </a:fld>
             <a:endParaRPr lang="ko-KR" altLang="en-US"/>
           </a:p>
@@ -2545,7 +2635,7 @@
           <a:p>
             <a:fld id="{06F29007-90E5-4607-A2AE-D79937B8E851}" type="datetime1">
               <a:rPr lang="ko-KR" altLang="en-US" smtClean="0"/>
-              <a:t>2017-02-16</a:t>
+              <a:t>2017-02-17</a:t>
             </a:fld>
             <a:endParaRPr lang="ko-KR" altLang="en-US"/>
           </a:p>
@@ -2822,7 +2912,7 @@
           <a:p>
             <a:fld id="{FD0F61C6-E62A-4844-8B7E-CD5FDD7796BB}" type="datetime1">
               <a:rPr lang="ko-KR" altLang="en-US" smtClean="0"/>
-              <a:t>2017-02-16</a:t>
+              <a:t>2017-02-17</a:t>
             </a:fld>
             <a:endParaRPr lang="ko-KR" altLang="en-US"/>
           </a:p>
@@ -3075,7 +3165,7 @@
           <a:p>
             <a:fld id="{F58B5A63-BC17-4B4A-854C-85F268CAFCD2}" type="datetime1">
               <a:rPr lang="ko-KR" altLang="en-US" smtClean="0"/>
-              <a:t>2017-02-16</a:t>
+              <a:t>2017-02-17</a:t>
             </a:fld>
             <a:endParaRPr lang="ko-KR" altLang="en-US"/>
           </a:p>
@@ -3288,7 +3378,7 @@
           <a:p>
             <a:fld id="{2EB4FC4E-EB33-47BB-BAAA-ABF047554858}" type="datetime1">
               <a:rPr lang="ko-KR" altLang="en-US" smtClean="0"/>
-              <a:t>2017-02-16</a:t>
+              <a:t>2017-02-17</a:t>
             </a:fld>
             <a:endParaRPr lang="ko-KR" altLang="en-US"/>
           </a:p>
@@ -4526,577 +4616,123 @@
       </p:sp>
       <p:sp>
         <p:nvSpPr>
-          <p:cNvPr id="2" name="제목 1"/>
+          <p:cNvPr id="9" name="Rectangle 4"/>
           <p:cNvSpPr>
-            <a:spLocks noGrp="1"/>
+            <a:spLocks noGrp="1" noChangeArrowheads="1"/>
           </p:cNvSpPr>
           <p:nvPr>
             <p:ph type="ctrTitle"/>
           </p:nvPr>
         </p:nvSpPr>
-        <p:spPr>
+        <p:spPr bwMode="auto">
           <a:xfrm>
-            <a:off x="1510249" y="861105"/>
-            <a:ext cx="9144000" cy="5381566"/>
+            <a:off x="1033703" y="958987"/>
+            <a:ext cx="10255355" cy="611115"/>
           </a:xfrm>
-          <a:solidFill>
-            <a:schemeClr val="tx1"/>
-          </a:solidFill>
+          <a:prstGeom prst="rect">
+            <a:avLst/>
+          </a:prstGeom>
+          <a:noFill/>
+          <a:ln>
+            <a:noFill/>
+          </a:ln>
+          <a:effectLst/>
+          <a:extLst>
+            <a:ext uri="{909E8E84-426E-40DD-AFC4-6F175D3DCCD1}">
+              <a14:hiddenFill xmlns:a14="http://schemas.microsoft.com/office/drawing/2010/main">
+                <a:solidFill>
+                  <a:schemeClr val="accent1"/>
+                </a:solidFill>
+              </a14:hiddenFill>
+            </a:ext>
+            <a:ext uri="{91240B29-F687-4F45-9708-019B960494DF}">
+              <a14:hiddenLine xmlns:a14="http://schemas.microsoft.com/office/drawing/2010/main" w="9525">
+                <a:solidFill>
+                  <a:schemeClr val="tx1"/>
+                </a:solidFill>
+                <a:miter lim="800000"/>
+                <a:headEnd/>
+                <a:tailEnd/>
+              </a14:hiddenLine>
+            </a:ext>
+            <a:ext uri="{AF507438-7753-43E0-B8FC-AC1667EBCBE1}">
+              <a14:hiddenEffects xmlns:a14="http://schemas.microsoft.com/office/drawing/2010/main">
+                <a:effectLst>
+                  <a:outerShdw dist="35921" dir="2700000" algn="ctr" rotWithShape="0">
+                    <a:schemeClr val="bg2"/>
+                  </a:outerShdw>
+                </a:effectLst>
+              </a14:hiddenEffects>
+            </a:ext>
+          </a:extLst>
         </p:spPr>
         <p:txBody>
-          <a:bodyPr anchor="t" anchorCtr="0">
+          <a:bodyPr vert="horz" wrap="square" lIns="91440" tIns="45720" rIns="91440" bIns="45720" numCol="1" anchor="ctr" anchorCtr="0" compatLnSpc="1">
+            <a:prstTxWarp prst="textNoShape">
+              <a:avLst/>
+            </a:prstTxWarp>
             <a:noAutofit/>
           </a:bodyPr>
           <a:lstStyle/>
           <a:p>
-            <a:pPr algn="l"/>
+            <a:pPr marL="285750" lvl="0" indent="-285750" algn="l" eaLnBrk="0" fontAlgn="base" latinLnBrk="0" hangingPunct="0">
+              <a:lnSpc>
+                <a:spcPct val="100000"/>
+              </a:lnSpc>
+              <a:spcAft>
+                <a:spcPct val="0"/>
+              </a:spcAft>
+              <a:buFont typeface="Arial" panose="020B0604020202020204" pitchFamily="34" charset="0"/>
+              <a:buChar char="•"/>
+            </a:pPr>
             <a:r>
               <a:rPr lang="en-US" altLang="ko-KR" sz="1800" smtClean="0">
-                <a:solidFill>
-                  <a:schemeClr val="bg1"/>
-                </a:solidFill>
-                <a:latin typeface="Ubuntu Mono" panose="020B0509030602030204" pitchFamily="49" charset="0"/>
-              </a:rPr>
-              <a:t>&gt;&gt; import tensorflow as tf</a:t>
-            </a:r>
-            <a:br>
-              <a:rPr lang="en-US" altLang="ko-KR" sz="1800" smtClean="0">
-                <a:solidFill>
-                  <a:schemeClr val="bg1"/>
-                </a:solidFill>
-                <a:latin typeface="Ubuntu Mono" panose="020B0509030602030204" pitchFamily="49" charset="0"/>
-              </a:rPr>
-            </a:br>
-            <a:r>
-              <a:rPr lang="en-US" altLang="ko-KR" sz="1800" smtClean="0">
-                <a:solidFill>
-                  <a:schemeClr val="bg1"/>
-                </a:solidFill>
-                <a:latin typeface="Ubuntu Mono" panose="020B0509030602030204" pitchFamily="49" charset="0"/>
-              </a:rPr>
-              <a:t>&gt;&gt;</a:t>
-            </a:r>
-            <a:r>
-              <a:rPr lang="en-US" altLang="ko-KR" sz="1800">
-                <a:solidFill>
-                  <a:schemeClr val="bg1"/>
-                </a:solidFill>
-                <a:latin typeface="Ubuntu Mono" panose="020B0509030602030204" pitchFamily="49" charset="0"/>
-              </a:rPr>
-              <a:t/>
-            </a:r>
-            <a:br>
-              <a:rPr lang="en-US" altLang="ko-KR" sz="1800">
-                <a:solidFill>
-                  <a:schemeClr val="bg1"/>
-                </a:solidFill>
-                <a:latin typeface="Ubuntu Mono" panose="020B0509030602030204" pitchFamily="49" charset="0"/>
-              </a:rPr>
-            </a:br>
-            <a:r>
-              <a:rPr lang="en-US" altLang="ko-KR" sz="1800" smtClean="0">
-                <a:solidFill>
-                  <a:schemeClr val="bg1"/>
-                </a:solidFill>
-                <a:latin typeface="Ubuntu Mono" panose="020B0509030602030204" pitchFamily="49" charset="0"/>
-              </a:rPr>
-              <a:t>&gt;&gt; x = tf.zeros([3, 5])</a:t>
-            </a:r>
-            <a:br>
-              <a:rPr lang="en-US" altLang="ko-KR" sz="1800" smtClean="0">
-                <a:solidFill>
-                  <a:schemeClr val="bg1"/>
-                </a:solidFill>
-                <a:latin typeface="Ubuntu Mono" panose="020B0509030602030204" pitchFamily="49" charset="0"/>
-              </a:rPr>
-            </a:br>
-            <a:r>
-              <a:rPr lang="en-US" altLang="ko-KR" sz="1800" i="1" smtClean="0">
-                <a:solidFill>
-                  <a:srgbClr val="00B050"/>
-                </a:solidFill>
-                <a:latin typeface="Ubuntu Mono" panose="020B0509030602030204" pitchFamily="49" charset="0"/>
-              </a:rPr>
-              <a:t># Let’s peek at x</a:t>
-            </a:r>
-            <a:r>
-              <a:rPr lang="en-US" altLang="ko-KR" sz="1800" smtClean="0">
-                <a:solidFill>
-                  <a:schemeClr val="bg1"/>
-                </a:solidFill>
-                <a:latin typeface="Ubuntu Mono" panose="020B0509030602030204" pitchFamily="49" charset="0"/>
-              </a:rPr>
-              <a:t/>
-            </a:r>
-            <a:br>
-              <a:rPr lang="en-US" altLang="ko-KR" sz="1800" smtClean="0">
-                <a:solidFill>
-                  <a:schemeClr val="bg1"/>
-                </a:solidFill>
-                <a:latin typeface="Ubuntu Mono" panose="020B0509030602030204" pitchFamily="49" charset="0"/>
-              </a:rPr>
-            </a:br>
-            <a:r>
-              <a:rPr lang="en-US" altLang="ko-KR" sz="1800" smtClean="0">
-                <a:solidFill>
-                  <a:schemeClr val="bg1"/>
-                </a:solidFill>
-                <a:latin typeface="Ubuntu Mono" panose="020B0509030602030204" pitchFamily="49" charset="0"/>
-              </a:rPr>
-              <a:t>&gt;&gt; print(x)</a:t>
-            </a:r>
-            <a:r>
-              <a:rPr lang="en-US" altLang="ko-KR" sz="1800">
-                <a:solidFill>
-                  <a:schemeClr val="bg1"/>
-                </a:solidFill>
-                <a:latin typeface="Ubuntu Mono" panose="020B0509030602030204" pitchFamily="49" charset="0"/>
-              </a:rPr>
-              <a:t/>
-            </a:r>
-            <a:br>
-              <a:rPr lang="en-US" altLang="ko-KR" sz="1800">
-                <a:solidFill>
-                  <a:schemeClr val="bg1"/>
-                </a:solidFill>
-                <a:latin typeface="Ubuntu Mono" panose="020B0509030602030204" pitchFamily="49" charset="0"/>
-              </a:rPr>
-            </a:br>
-            <a:r>
-              <a:rPr lang="en-US" altLang="ko-KR" sz="1800" smtClean="0">
-                <a:solidFill>
-                  <a:schemeClr val="bg1"/>
-                </a:solidFill>
-                <a:latin typeface="Ubuntu Mono" panose="020B0509030602030204" pitchFamily="49" charset="0"/>
-              </a:rPr>
-              <a:t>Tensor(“zeros:0”, shape</a:t>
-            </a:r>
-            <a:r>
-              <a:rPr lang="en-US" altLang="ko-KR" sz="1800">
-                <a:solidFill>
-                  <a:schemeClr val="bg1"/>
-                </a:solidFill>
-                <a:latin typeface="Ubuntu Mono" panose="020B0509030602030204" pitchFamily="49" charset="0"/>
-              </a:rPr>
-              <a:t>=(3, 5), </a:t>
-            </a:r>
-            <a:r>
-              <a:rPr lang="en-US" altLang="ko-KR" sz="1800" smtClean="0">
-                <a:solidFill>
-                  <a:schemeClr val="bg1"/>
-                </a:solidFill>
-                <a:latin typeface="Ubuntu Mono" panose="020B0509030602030204" pitchFamily="49" charset="0"/>
-              </a:rPr>
-              <a:t>dtype=float32)</a:t>
-            </a:r>
-            <a:br>
-              <a:rPr lang="en-US" altLang="ko-KR" sz="1800" smtClean="0">
-                <a:solidFill>
-                  <a:schemeClr val="bg1"/>
-                </a:solidFill>
-                <a:latin typeface="Ubuntu Mono" panose="020B0509030602030204" pitchFamily="49" charset="0"/>
-              </a:rPr>
-            </a:br>
-            <a:r>
-              <a:rPr lang="en-US" altLang="ko-KR" sz="1800" smtClean="0">
-                <a:solidFill>
-                  <a:schemeClr val="bg1"/>
-                </a:solidFill>
-                <a:latin typeface="Ubuntu Mono" panose="020B0509030602030204" pitchFamily="49" charset="0"/>
-              </a:rPr>
-              <a:t/>
-            </a:r>
-            <a:br>
-              <a:rPr lang="en-US" altLang="ko-KR" sz="1800" smtClean="0">
-                <a:solidFill>
-                  <a:schemeClr val="bg1"/>
-                </a:solidFill>
-                <a:latin typeface="Ubuntu Mono" panose="020B0509030602030204" pitchFamily="49" charset="0"/>
-              </a:rPr>
-            </a:br>
-            <a:r>
-              <a:rPr lang="en-US" altLang="ko-KR" sz="1800" i="1" smtClean="0">
-                <a:solidFill>
-                  <a:srgbClr val="00B050"/>
-                </a:solidFill>
-                <a:latin typeface="Ubuntu Mono" panose="020B0509030602030204" pitchFamily="49" charset="0"/>
-              </a:rPr>
-              <a:t># Get shape</a:t>
-            </a:r>
-            <a:r>
-              <a:rPr lang="en-US" altLang="ko-KR" sz="1800" smtClean="0">
-                <a:solidFill>
-                  <a:schemeClr val="bg1"/>
-                </a:solidFill>
-                <a:latin typeface="Ubuntu Mono" panose="020B0509030602030204" pitchFamily="49" charset="0"/>
-              </a:rPr>
-              <a:t/>
-            </a:r>
-            <a:br>
-              <a:rPr lang="en-US" altLang="ko-KR" sz="1800" smtClean="0">
-                <a:solidFill>
-                  <a:schemeClr val="bg1"/>
-                </a:solidFill>
-                <a:latin typeface="Ubuntu Mono" panose="020B0509030602030204" pitchFamily="49" charset="0"/>
-              </a:rPr>
-            </a:br>
-            <a:r>
-              <a:rPr lang="en-US" altLang="ko-KR" sz="1800" smtClean="0">
-                <a:solidFill>
-                  <a:schemeClr val="bg1"/>
-                </a:solidFill>
-                <a:latin typeface="Ubuntu Mono" panose="020B0509030602030204" pitchFamily="49" charset="0"/>
-              </a:rPr>
-              <a:t>&gt;&gt; print(x.get_shape().as_list())</a:t>
-            </a:r>
-            <a:br>
-              <a:rPr lang="en-US" altLang="ko-KR" sz="1800" smtClean="0">
-                <a:solidFill>
-                  <a:schemeClr val="bg1"/>
-                </a:solidFill>
-                <a:latin typeface="Ubuntu Mono" panose="020B0509030602030204" pitchFamily="49" charset="0"/>
-              </a:rPr>
-            </a:br>
-            <a:r>
-              <a:rPr lang="en-US" altLang="ko-KR" sz="1800" smtClean="0">
-                <a:solidFill>
-                  <a:schemeClr val="bg1"/>
-                </a:solidFill>
-                <a:latin typeface="Ubuntu Mono" panose="020B0509030602030204" pitchFamily="49" charset="0"/>
-              </a:rPr>
-              <a:t>[3, 5] </a:t>
-            </a:r>
-            <a:r>
-              <a:rPr lang="en-US" altLang="ko-KR" sz="1800" i="1" smtClean="0">
-                <a:solidFill>
-                  <a:srgbClr val="00B050"/>
-                </a:solidFill>
-                <a:latin typeface="Ubuntu Mono" panose="020B0509030602030204" pitchFamily="49" charset="0"/>
-              </a:rPr>
-              <a:t># Python list</a:t>
-            </a:r>
-            <a:r>
-              <a:rPr lang="en-US" altLang="ko-KR" sz="1800" i="1" smtClean="0">
-                <a:solidFill>
-                  <a:schemeClr val="bg1"/>
-                </a:solidFill>
-                <a:latin typeface="Ubuntu Mono" panose="020B0509030602030204" pitchFamily="49" charset="0"/>
-              </a:rPr>
-              <a:t/>
-            </a:r>
-            <a:br>
-              <a:rPr lang="en-US" altLang="ko-KR" sz="1800" i="1" smtClean="0">
-                <a:solidFill>
-                  <a:schemeClr val="bg1"/>
-                </a:solidFill>
-                <a:latin typeface="Ubuntu Mono" panose="020B0509030602030204" pitchFamily="49" charset="0"/>
-              </a:rPr>
-            </a:br>
-            <a:r>
-              <a:rPr lang="en-US" altLang="ko-KR" sz="1800" smtClean="0">
-                <a:solidFill>
-                  <a:schemeClr val="bg1"/>
-                </a:solidFill>
-                <a:latin typeface="Ubuntu Mono" panose="020B0509030602030204" pitchFamily="49" charset="0"/>
-              </a:rPr>
-              <a:t>&gt;&gt; shp = tf.shape(x) </a:t>
-            </a:r>
-            <a:r>
-              <a:rPr lang="en-US" altLang="ko-KR" sz="1800" i="1" smtClean="0">
-                <a:solidFill>
-                  <a:srgbClr val="00B050"/>
-                </a:solidFill>
-                <a:latin typeface="Ubuntu Mono" panose="020B0509030602030204" pitchFamily="49" charset="0"/>
-              </a:rPr>
-              <a:t># Tensor</a:t>
-            </a:r>
-            <a:r>
-              <a:rPr lang="en-US" altLang="ko-KR" sz="1800" smtClean="0">
-                <a:solidFill>
-                  <a:schemeClr val="bg1"/>
-                </a:solidFill>
-                <a:latin typeface="Ubuntu Mono" panose="020B0509030602030204" pitchFamily="49" charset="0"/>
-              </a:rPr>
-              <a:t/>
-            </a:r>
-            <a:br>
-              <a:rPr lang="en-US" altLang="ko-KR" sz="1800" smtClean="0">
-                <a:solidFill>
-                  <a:schemeClr val="bg1"/>
-                </a:solidFill>
-                <a:latin typeface="Ubuntu Mono" panose="020B0509030602030204" pitchFamily="49" charset="0"/>
-              </a:rPr>
-            </a:br>
-            <a:r>
-              <a:rPr lang="en-US" altLang="ko-KR" sz="1800" smtClean="0">
-                <a:solidFill>
-                  <a:schemeClr val="bg1"/>
-                </a:solidFill>
-                <a:latin typeface="Ubuntu Mono" panose="020B0509030602030204" pitchFamily="49" charset="0"/>
-              </a:rPr>
-              <a:t/>
-            </a:r>
-            <a:br>
-              <a:rPr lang="en-US" altLang="ko-KR" sz="1800" smtClean="0">
-                <a:solidFill>
-                  <a:schemeClr val="bg1"/>
-                </a:solidFill>
-                <a:latin typeface="Ubuntu Mono" panose="020B0509030602030204" pitchFamily="49" charset="0"/>
-              </a:rPr>
-            </a:br>
-            <a:r>
-              <a:rPr lang="en-US" altLang="ko-KR" sz="1800" i="1" smtClean="0">
-                <a:solidFill>
-                  <a:srgbClr val="00B050"/>
-                </a:solidFill>
-                <a:latin typeface="Ubuntu Mono" panose="020B0509030602030204" pitchFamily="49" charset="0"/>
-              </a:rPr>
-              <a:t># Get rank</a:t>
-            </a:r>
-            <a:r>
-              <a:rPr lang="en-US" altLang="ko-KR" sz="1800" smtClean="0">
-                <a:solidFill>
-                  <a:schemeClr val="bg1"/>
-                </a:solidFill>
-                <a:latin typeface="Ubuntu Mono" panose="020B0509030602030204" pitchFamily="49" charset="0"/>
-              </a:rPr>
-              <a:t/>
-            </a:r>
-            <a:br>
-              <a:rPr lang="en-US" altLang="ko-KR" sz="1800" smtClean="0">
-                <a:solidFill>
-                  <a:schemeClr val="bg1"/>
-                </a:solidFill>
-                <a:latin typeface="Ubuntu Mono" panose="020B0509030602030204" pitchFamily="49" charset="0"/>
-              </a:rPr>
-            </a:br>
-            <a:r>
-              <a:rPr lang="en-US" altLang="ko-KR" sz="1800" smtClean="0">
-                <a:solidFill>
-                  <a:schemeClr val="bg1"/>
-                </a:solidFill>
-                <a:latin typeface="Ubuntu Mono" panose="020B0509030602030204" pitchFamily="49" charset="0"/>
-              </a:rPr>
-              <a:t>&gt;&gt; print(x.get_shape().ndims)</a:t>
-            </a:r>
-            <a:br>
-              <a:rPr lang="en-US" altLang="ko-KR" sz="1800" smtClean="0">
-                <a:solidFill>
-                  <a:schemeClr val="bg1"/>
-                </a:solidFill>
-                <a:latin typeface="Ubuntu Mono" panose="020B0509030602030204" pitchFamily="49" charset="0"/>
-              </a:rPr>
-            </a:br>
-            <a:r>
-              <a:rPr lang="en-US" altLang="ko-KR" sz="1800" smtClean="0">
-                <a:solidFill>
-                  <a:schemeClr val="bg1"/>
-                </a:solidFill>
-                <a:latin typeface="Ubuntu Mono" panose="020B0509030602030204" pitchFamily="49" charset="0"/>
-              </a:rPr>
-              <a:t>2 </a:t>
-            </a:r>
-            <a:r>
-              <a:rPr lang="en-US" altLang="ko-KR" sz="1800" i="1" smtClean="0">
-                <a:solidFill>
-                  <a:srgbClr val="00B050"/>
-                </a:solidFill>
-                <a:latin typeface="Ubuntu Mono" panose="020B0509030602030204" pitchFamily="49" charset="0"/>
-              </a:rPr>
-              <a:t># Python scalar</a:t>
-            </a:r>
-            <a:br>
-              <a:rPr lang="en-US" altLang="ko-KR" sz="1800" i="1" smtClean="0">
-                <a:solidFill>
-                  <a:srgbClr val="00B050"/>
-                </a:solidFill>
-                <a:latin typeface="Ubuntu Mono" panose="020B0509030602030204" pitchFamily="49" charset="0"/>
-              </a:rPr>
-            </a:br>
-            <a:r>
-              <a:rPr lang="en-US" altLang="ko-KR" sz="1800">
-                <a:solidFill>
-                  <a:schemeClr val="bg1"/>
-                </a:solidFill>
-                <a:latin typeface="Ubuntu Mono" panose="020B0509030602030204" pitchFamily="49" charset="0"/>
-              </a:rPr>
-              <a:t>&gt;&gt; rnk = tf.rank(x) </a:t>
-            </a:r>
-            <a:r>
-              <a:rPr lang="en-US" altLang="ko-KR" sz="1800" i="1">
-                <a:solidFill>
-                  <a:srgbClr val="00B050"/>
-                </a:solidFill>
-                <a:latin typeface="Ubuntu Mono" panose="020B0509030602030204" pitchFamily="49" charset="0"/>
-              </a:rPr>
-              <a:t># Tensor</a:t>
-            </a:r>
-            <a:r>
-              <a:rPr lang="en-US" altLang="ko-KR" sz="1800" i="1" smtClean="0">
-                <a:solidFill>
-                  <a:srgbClr val="00B050"/>
-                </a:solidFill>
-                <a:latin typeface="Ubuntu Mono" panose="020B0509030602030204" pitchFamily="49" charset="0"/>
-              </a:rPr>
-              <a:t/>
-            </a:r>
-            <a:br>
-              <a:rPr lang="en-US" altLang="ko-KR" sz="1800" i="1" smtClean="0">
-                <a:solidFill>
-                  <a:srgbClr val="00B050"/>
-                </a:solidFill>
-                <a:latin typeface="Ubuntu Mono" panose="020B0509030602030204" pitchFamily="49" charset="0"/>
-              </a:rPr>
-            </a:br>
-            <a:r>
-              <a:rPr lang="en-US" altLang="ko-KR" sz="1800">
-                <a:solidFill>
-                  <a:srgbClr val="00B050"/>
-                </a:solidFill>
-                <a:latin typeface="Ubuntu Mono" panose="020B0509030602030204" pitchFamily="49" charset="0"/>
-              </a:rPr>
-              <a:t/>
-            </a:r>
-            <a:br>
-              <a:rPr lang="en-US" altLang="ko-KR" sz="1800">
-                <a:solidFill>
-                  <a:srgbClr val="00B050"/>
-                </a:solidFill>
-                <a:latin typeface="Ubuntu Mono" panose="020B0509030602030204" pitchFamily="49" charset="0"/>
-              </a:rPr>
-            </a:br>
-            <a:r>
-              <a:rPr lang="en-US" altLang="ko-KR" sz="1800" i="1" smtClean="0">
-                <a:solidFill>
-                  <a:srgbClr val="00B050"/>
-                </a:solidFill>
-                <a:latin typeface="Ubuntu Mono" panose="020B0509030602030204" pitchFamily="49" charset="0"/>
-              </a:rPr>
-              <a:t># Get data type</a:t>
-            </a:r>
-            <a:r>
-              <a:rPr lang="en-US" altLang="ko-KR" sz="1800" smtClean="0">
-                <a:solidFill>
-                  <a:srgbClr val="00B050"/>
-                </a:solidFill>
-                <a:latin typeface="Ubuntu Mono" panose="020B0509030602030204" pitchFamily="49" charset="0"/>
-              </a:rPr>
-              <a:t/>
-            </a:r>
-            <a:br>
-              <a:rPr lang="en-US" altLang="ko-KR" sz="1800" smtClean="0">
-                <a:solidFill>
-                  <a:srgbClr val="00B050"/>
-                </a:solidFill>
-                <a:latin typeface="Ubuntu Mono" panose="020B0509030602030204" pitchFamily="49" charset="0"/>
-              </a:rPr>
-            </a:br>
-            <a:r>
-              <a:rPr lang="en-US" altLang="ko-KR" sz="1800" smtClean="0">
-                <a:solidFill>
-                  <a:schemeClr val="bg1"/>
-                </a:solidFill>
-                <a:latin typeface="Ubuntu Mono" panose="020B0509030602030204" pitchFamily="49" charset="0"/>
-              </a:rPr>
-              <a:t>&gt;&gt; print(x.dtype)</a:t>
-            </a:r>
-            <a:br>
-              <a:rPr lang="en-US" altLang="ko-KR" sz="1800" smtClean="0">
-                <a:solidFill>
-                  <a:schemeClr val="bg1"/>
-                </a:solidFill>
-                <a:latin typeface="Ubuntu Mono" panose="020B0509030602030204" pitchFamily="49" charset="0"/>
-              </a:rPr>
-            </a:br>
-            <a:r>
-              <a:rPr lang="en-US" altLang="ko-KR" sz="1800">
-                <a:solidFill>
-                  <a:schemeClr val="bg1"/>
-                </a:solidFill>
-                <a:latin typeface="Ubuntu Mono" panose="020B0509030602030204" pitchFamily="49" charset="0"/>
-              </a:rPr>
-              <a:t>tf.float32</a:t>
-            </a:r>
-            <a:r>
-              <a:rPr lang="en-US" altLang="ko-KR" sz="1800" smtClean="0">
-                <a:solidFill>
-                  <a:srgbClr val="00B050"/>
-                </a:solidFill>
-                <a:latin typeface="Ubuntu Mono" panose="020B0509030602030204" pitchFamily="49" charset="0"/>
-              </a:rPr>
-              <a:t/>
-            </a:r>
-            <a:br>
-              <a:rPr lang="en-US" altLang="ko-KR" sz="1800" smtClean="0">
-                <a:solidFill>
-                  <a:srgbClr val="00B050"/>
-                </a:solidFill>
-                <a:latin typeface="Ubuntu Mono" panose="020B0509030602030204" pitchFamily="49" charset="0"/>
-              </a:rPr>
-            </a:br>
-            <a:r>
-              <a:rPr lang="en-US" altLang="ko-KR" sz="1800">
-                <a:solidFill>
-                  <a:schemeClr val="bg1"/>
-                </a:solidFill>
-                <a:latin typeface="Ubuntu Mono" panose="020B0509030602030204" pitchFamily="49" charset="0"/>
-              </a:rPr>
-              <a:t/>
-            </a:r>
-            <a:br>
-              <a:rPr lang="en-US" altLang="ko-KR" sz="1800">
-                <a:solidFill>
-                  <a:schemeClr val="bg1"/>
-                </a:solidFill>
-                <a:latin typeface="Ubuntu Mono" panose="020B0509030602030204" pitchFamily="49" charset="0"/>
-              </a:rPr>
-            </a:br>
-            <a:r>
-              <a:rPr lang="en-US" altLang="ko-KR" sz="1800" smtClean="0">
-                <a:solidFill>
-                  <a:schemeClr val="bg1"/>
-                </a:solidFill>
-                <a:latin typeface="Ubuntu Mono" panose="020B0509030602030204" pitchFamily="49" charset="0"/>
-              </a:rPr>
-              <a:t/>
-            </a:r>
-            <a:br>
-              <a:rPr lang="en-US" altLang="ko-KR" sz="1800" smtClean="0">
-                <a:solidFill>
-                  <a:schemeClr val="bg1"/>
-                </a:solidFill>
-                <a:latin typeface="Ubuntu Mono" panose="020B0509030602030204" pitchFamily="49" charset="0"/>
-              </a:rPr>
-            </a:br>
-            <a:r>
-              <a:rPr lang="en-US" altLang="ko-KR" sz="1800" smtClean="0">
-                <a:solidFill>
-                  <a:schemeClr val="bg1"/>
-                </a:solidFill>
-                <a:latin typeface="Ubuntu Mono" panose="020B0509030602030204" pitchFamily="49" charset="0"/>
-              </a:rPr>
-              <a:t/>
-            </a:r>
-            <a:br>
-              <a:rPr lang="en-US" altLang="ko-KR" sz="1800" smtClean="0">
-                <a:solidFill>
-                  <a:schemeClr val="bg1"/>
-                </a:solidFill>
-                <a:latin typeface="Ubuntu Mono" panose="020B0509030602030204" pitchFamily="49" charset="0"/>
-              </a:rPr>
-            </a:br>
-            <a:endParaRPr lang="ko-KR" altLang="en-US" sz="1800">
+                <a:latin typeface="Arial" panose="020B0604020202020204" pitchFamily="34" charset="0"/>
+                <a:cs typeface="Arial" panose="020B0604020202020204" pitchFamily="34" charset="0"/>
+              </a:rPr>
+              <a:t>Tensors have a data type.</a:t>
+            </a:r>
+            <a:endParaRPr kumimoji="0" lang="ko-KR" altLang="ko-KR" sz="1800" b="0" i="0" u="none" strike="noStrike" cap="none" normalizeH="0" baseline="0" smtClean="0">
+              <a:ln>
+                <a:noFill/>
+              </a:ln>
               <a:solidFill>
-                <a:schemeClr val="bg1"/>
+                <a:schemeClr val="tx1"/>
               </a:solidFill>
-              <a:latin typeface="Ubuntu Mono" panose="020B0509030602030204" pitchFamily="49" charset="0"/>
+              <a:effectLst/>
+              <a:latin typeface="Arial" panose="020B0604020202020204" pitchFamily="34" charset="0"/>
+              <a:cs typeface="Arial" panose="020B0604020202020204" pitchFamily="34" charset="0"/>
             </a:endParaRPr>
           </a:p>
         </p:txBody>
       </p:sp>
-      <p:sp>
-        <p:nvSpPr>
-          <p:cNvPr id="3" name="슬라이드 번호 개체 틀 2"/>
+      <p:pic>
+        <p:nvPicPr>
+          <p:cNvPr id="3" name="그림 2"/>
+          <p:cNvPicPr>
+            <a:picLocks noChangeAspect="1"/>
+          </p:cNvPicPr>
+          <p:nvPr/>
+        </p:nvPicPr>
+        <p:blipFill>
+          <a:blip r:embed="rId2"/>
+          <a:stretch>
+            <a:fillRect/>
+          </a:stretch>
+        </p:blipFill>
+        <p:spPr>
+          <a:xfrm>
+            <a:off x="1303833" y="1471441"/>
+            <a:ext cx="6063011" cy="4197469"/>
+          </a:xfrm>
+          <a:prstGeom prst="rect">
+            <a:avLst/>
+          </a:prstGeom>
+        </p:spPr>
+      </p:pic>
+      <p:sp>
+        <p:nvSpPr>
+          <p:cNvPr id="2" name="슬라이드 번호 개체 틀 1"/>
           <p:cNvSpPr>
             <a:spLocks noGrp="1"/>
           </p:cNvSpPr>
@@ -5119,7 +4755,7 @@
       </p:sp>
       <p:sp>
         <p:nvSpPr>
-          <p:cNvPr id="6" name="Rectangle 1"/>
+          <p:cNvPr id="8" name="Rectangle 1"/>
           <p:cNvSpPr txBox="1">
             <a:spLocks noChangeArrowheads="1"/>
           </p:cNvSpPr>
@@ -5257,7 +4893,7 @@
     </p:spTree>
     <p:extLst>
       <p:ext uri="{BB962C8B-B14F-4D97-AF65-F5344CB8AC3E}">
-        <p14:creationId xmlns:p14="http://schemas.microsoft.com/office/powerpoint/2010/main" val="2445064116"/>
+        <p14:creationId xmlns:p14="http://schemas.microsoft.com/office/powerpoint/2010/main" val="1356362872"/>
       </p:ext>
     </p:extLst>
   </p:cSld>
@@ -5302,7 +4938,7 @@
         <p:spPr bwMode="auto">
           <a:xfrm>
             <a:off x="515425" y="200413"/>
-            <a:ext cx="1589281" cy="338554"/>
+            <a:ext cx="966098" cy="338554"/>
           </a:xfrm>
           <a:prstGeom prst="rect">
             <a:avLst/>
@@ -5387,6 +5023,884 @@
                 <a:latin typeface="Arial" panose="020B0604020202020204" pitchFamily="34" charset="0"/>
                 <a:cs typeface="Arial" panose="020B0604020202020204" pitchFamily="34" charset="0"/>
               </a:rPr>
+              <a:t>Tensors</a:t>
+            </a:r>
+            <a:endParaRPr lang="ko-KR" altLang="ko-KR" sz="1600">
+              <a:solidFill>
+                <a:schemeClr val="tx1">
+                  <a:lumMod val="50000"/>
+                  <a:lumOff val="50000"/>
+                </a:schemeClr>
+              </a:solidFill>
+              <a:latin typeface="Arial" panose="020B0604020202020204" pitchFamily="34" charset="0"/>
+              <a:cs typeface="Arial" panose="020B0604020202020204" pitchFamily="34" charset="0"/>
+            </a:endParaRPr>
+          </a:p>
+        </p:txBody>
+      </p:sp>
+      <p:sp>
+        <p:nvSpPr>
+          <p:cNvPr id="2" name="제목 1"/>
+          <p:cNvSpPr>
+            <a:spLocks noGrp="1"/>
+          </p:cNvSpPr>
+          <p:nvPr>
+            <p:ph type="ctrTitle"/>
+          </p:nvPr>
+        </p:nvSpPr>
+        <p:spPr>
+          <a:xfrm>
+            <a:off x="1510249" y="861105"/>
+            <a:ext cx="9144000" cy="5381566"/>
+          </a:xfrm>
+          <a:solidFill>
+            <a:schemeClr val="tx1"/>
+          </a:solidFill>
+        </p:spPr>
+        <p:txBody>
+          <a:bodyPr anchor="t" anchorCtr="0">
+            <a:noAutofit/>
+          </a:bodyPr>
+          <a:lstStyle/>
+          <a:p>
+            <a:pPr algn="l"/>
+            <a:r>
+              <a:rPr lang="en-US" altLang="ko-KR" sz="1800" smtClean="0">
+                <a:solidFill>
+                  <a:schemeClr val="bg1"/>
+                </a:solidFill>
+                <a:latin typeface="Ubuntu Mono" panose="020B0509030602030204" pitchFamily="49" charset="0"/>
+              </a:rPr>
+              <a:t>&gt;&gt; import tensorflow as tf</a:t>
+            </a:r>
+            <a:br>
+              <a:rPr lang="en-US" altLang="ko-KR" sz="1800" smtClean="0">
+                <a:solidFill>
+                  <a:schemeClr val="bg1"/>
+                </a:solidFill>
+                <a:latin typeface="Ubuntu Mono" panose="020B0509030602030204" pitchFamily="49" charset="0"/>
+              </a:rPr>
+            </a:br>
+            <a:r>
+              <a:rPr lang="en-US" altLang="ko-KR" sz="1800" smtClean="0">
+                <a:solidFill>
+                  <a:schemeClr val="bg1"/>
+                </a:solidFill>
+                <a:latin typeface="Ubuntu Mono" panose="020B0509030602030204" pitchFamily="49" charset="0"/>
+              </a:rPr>
+              <a:t>&gt;&gt;</a:t>
+            </a:r>
+            <a:r>
+              <a:rPr lang="en-US" altLang="ko-KR" sz="1800">
+                <a:solidFill>
+                  <a:schemeClr val="bg1"/>
+                </a:solidFill>
+                <a:latin typeface="Ubuntu Mono" panose="020B0509030602030204" pitchFamily="49" charset="0"/>
+              </a:rPr>
+              <a:t/>
+            </a:r>
+            <a:br>
+              <a:rPr lang="en-US" altLang="ko-KR" sz="1800">
+                <a:solidFill>
+                  <a:schemeClr val="bg1"/>
+                </a:solidFill>
+                <a:latin typeface="Ubuntu Mono" panose="020B0509030602030204" pitchFamily="49" charset="0"/>
+              </a:rPr>
+            </a:br>
+            <a:r>
+              <a:rPr lang="en-US" altLang="ko-KR" sz="1800" smtClean="0">
+                <a:solidFill>
+                  <a:schemeClr val="bg1"/>
+                </a:solidFill>
+                <a:latin typeface="Ubuntu Mono" panose="020B0509030602030204" pitchFamily="49" charset="0"/>
+              </a:rPr>
+              <a:t>&gt;&gt; x = tf.zeros([3, 5])</a:t>
+            </a:r>
+            <a:br>
+              <a:rPr lang="en-US" altLang="ko-KR" sz="1800" smtClean="0">
+                <a:solidFill>
+                  <a:schemeClr val="bg1"/>
+                </a:solidFill>
+                <a:latin typeface="Ubuntu Mono" panose="020B0509030602030204" pitchFamily="49" charset="0"/>
+              </a:rPr>
+            </a:br>
+            <a:r>
+              <a:rPr lang="en-US" altLang="ko-KR" sz="1800" i="1" smtClean="0">
+                <a:solidFill>
+                  <a:srgbClr val="00B050"/>
+                </a:solidFill>
+                <a:latin typeface="Ubuntu Mono" panose="020B0509030602030204" pitchFamily="49" charset="0"/>
+              </a:rPr>
+              <a:t># Let’s peek at x</a:t>
+            </a:r>
+            <a:r>
+              <a:rPr lang="en-US" altLang="ko-KR" sz="1800" smtClean="0">
+                <a:solidFill>
+                  <a:schemeClr val="bg1"/>
+                </a:solidFill>
+                <a:latin typeface="Ubuntu Mono" panose="020B0509030602030204" pitchFamily="49" charset="0"/>
+              </a:rPr>
+              <a:t/>
+            </a:r>
+            <a:br>
+              <a:rPr lang="en-US" altLang="ko-KR" sz="1800" smtClean="0">
+                <a:solidFill>
+                  <a:schemeClr val="bg1"/>
+                </a:solidFill>
+                <a:latin typeface="Ubuntu Mono" panose="020B0509030602030204" pitchFamily="49" charset="0"/>
+              </a:rPr>
+            </a:br>
+            <a:r>
+              <a:rPr lang="en-US" altLang="ko-KR" sz="1800" smtClean="0">
+                <a:solidFill>
+                  <a:schemeClr val="bg1"/>
+                </a:solidFill>
+                <a:latin typeface="Ubuntu Mono" panose="020B0509030602030204" pitchFamily="49" charset="0"/>
+              </a:rPr>
+              <a:t>&gt;&gt; print(x)</a:t>
+            </a:r>
+            <a:r>
+              <a:rPr lang="en-US" altLang="ko-KR" sz="1800">
+                <a:solidFill>
+                  <a:schemeClr val="bg1"/>
+                </a:solidFill>
+                <a:latin typeface="Ubuntu Mono" panose="020B0509030602030204" pitchFamily="49" charset="0"/>
+              </a:rPr>
+              <a:t/>
+            </a:r>
+            <a:br>
+              <a:rPr lang="en-US" altLang="ko-KR" sz="1800">
+                <a:solidFill>
+                  <a:schemeClr val="bg1"/>
+                </a:solidFill>
+                <a:latin typeface="Ubuntu Mono" panose="020B0509030602030204" pitchFamily="49" charset="0"/>
+              </a:rPr>
+            </a:br>
+            <a:r>
+              <a:rPr lang="en-US" altLang="ko-KR" sz="1800" smtClean="0">
+                <a:solidFill>
+                  <a:schemeClr val="bg1"/>
+                </a:solidFill>
+                <a:latin typeface="Ubuntu Mono" panose="020B0509030602030204" pitchFamily="49" charset="0"/>
+              </a:rPr>
+              <a:t>Tensor(“zeros:0”, shape</a:t>
+            </a:r>
+            <a:r>
+              <a:rPr lang="en-US" altLang="ko-KR" sz="1800">
+                <a:solidFill>
+                  <a:schemeClr val="bg1"/>
+                </a:solidFill>
+                <a:latin typeface="Ubuntu Mono" panose="020B0509030602030204" pitchFamily="49" charset="0"/>
+              </a:rPr>
+              <a:t>=(3, 5), </a:t>
+            </a:r>
+            <a:r>
+              <a:rPr lang="en-US" altLang="ko-KR" sz="1800" smtClean="0">
+                <a:solidFill>
+                  <a:schemeClr val="bg1"/>
+                </a:solidFill>
+                <a:latin typeface="Ubuntu Mono" panose="020B0509030602030204" pitchFamily="49" charset="0"/>
+              </a:rPr>
+              <a:t>dtype=float32)</a:t>
+            </a:r>
+            <a:br>
+              <a:rPr lang="en-US" altLang="ko-KR" sz="1800" smtClean="0">
+                <a:solidFill>
+                  <a:schemeClr val="bg1"/>
+                </a:solidFill>
+                <a:latin typeface="Ubuntu Mono" panose="020B0509030602030204" pitchFamily="49" charset="0"/>
+              </a:rPr>
+            </a:br>
+            <a:r>
+              <a:rPr lang="en-US" altLang="ko-KR" sz="1800" smtClean="0">
+                <a:solidFill>
+                  <a:schemeClr val="bg1"/>
+                </a:solidFill>
+                <a:latin typeface="Ubuntu Mono" panose="020B0509030602030204" pitchFamily="49" charset="0"/>
+              </a:rPr>
+              <a:t/>
+            </a:r>
+            <a:br>
+              <a:rPr lang="en-US" altLang="ko-KR" sz="1800" smtClean="0">
+                <a:solidFill>
+                  <a:schemeClr val="bg1"/>
+                </a:solidFill>
+                <a:latin typeface="Ubuntu Mono" panose="020B0509030602030204" pitchFamily="49" charset="0"/>
+              </a:rPr>
+            </a:br>
+            <a:r>
+              <a:rPr lang="en-US" altLang="ko-KR" sz="1800" i="1" smtClean="0">
+                <a:solidFill>
+                  <a:srgbClr val="00B050"/>
+                </a:solidFill>
+                <a:latin typeface="Ubuntu Mono" panose="020B0509030602030204" pitchFamily="49" charset="0"/>
+              </a:rPr>
+              <a:t># Get shape</a:t>
+            </a:r>
+            <a:r>
+              <a:rPr lang="en-US" altLang="ko-KR" sz="1800" smtClean="0">
+                <a:solidFill>
+                  <a:schemeClr val="bg1"/>
+                </a:solidFill>
+                <a:latin typeface="Ubuntu Mono" panose="020B0509030602030204" pitchFamily="49" charset="0"/>
+              </a:rPr>
+              <a:t/>
+            </a:r>
+            <a:br>
+              <a:rPr lang="en-US" altLang="ko-KR" sz="1800" smtClean="0">
+                <a:solidFill>
+                  <a:schemeClr val="bg1"/>
+                </a:solidFill>
+                <a:latin typeface="Ubuntu Mono" panose="020B0509030602030204" pitchFamily="49" charset="0"/>
+              </a:rPr>
+            </a:br>
+            <a:r>
+              <a:rPr lang="en-US" altLang="ko-KR" sz="1800" smtClean="0">
+                <a:solidFill>
+                  <a:schemeClr val="bg1"/>
+                </a:solidFill>
+                <a:latin typeface="Ubuntu Mono" panose="020B0509030602030204" pitchFamily="49" charset="0"/>
+              </a:rPr>
+              <a:t>&gt;&gt; print(x.get_shape().as_list())</a:t>
+            </a:r>
+            <a:br>
+              <a:rPr lang="en-US" altLang="ko-KR" sz="1800" smtClean="0">
+                <a:solidFill>
+                  <a:schemeClr val="bg1"/>
+                </a:solidFill>
+                <a:latin typeface="Ubuntu Mono" panose="020B0509030602030204" pitchFamily="49" charset="0"/>
+              </a:rPr>
+            </a:br>
+            <a:r>
+              <a:rPr lang="en-US" altLang="ko-KR" sz="1800" smtClean="0">
+                <a:solidFill>
+                  <a:schemeClr val="bg1"/>
+                </a:solidFill>
+                <a:latin typeface="Ubuntu Mono" panose="020B0509030602030204" pitchFamily="49" charset="0"/>
+              </a:rPr>
+              <a:t>[3, 5] </a:t>
+            </a:r>
+            <a:r>
+              <a:rPr lang="en-US" altLang="ko-KR" sz="1800" i="1" smtClean="0">
+                <a:solidFill>
+                  <a:srgbClr val="00B050"/>
+                </a:solidFill>
+                <a:latin typeface="Ubuntu Mono" panose="020B0509030602030204" pitchFamily="49" charset="0"/>
+              </a:rPr>
+              <a:t># Python list</a:t>
+            </a:r>
+            <a:r>
+              <a:rPr lang="en-US" altLang="ko-KR" sz="1800" i="1" smtClean="0">
+                <a:solidFill>
+                  <a:schemeClr val="bg1"/>
+                </a:solidFill>
+                <a:latin typeface="Ubuntu Mono" panose="020B0509030602030204" pitchFamily="49" charset="0"/>
+              </a:rPr>
+              <a:t/>
+            </a:r>
+            <a:br>
+              <a:rPr lang="en-US" altLang="ko-KR" sz="1800" i="1" smtClean="0">
+                <a:solidFill>
+                  <a:schemeClr val="bg1"/>
+                </a:solidFill>
+                <a:latin typeface="Ubuntu Mono" panose="020B0509030602030204" pitchFamily="49" charset="0"/>
+              </a:rPr>
+            </a:br>
+            <a:r>
+              <a:rPr lang="en-US" altLang="ko-KR" sz="1800" smtClean="0">
+                <a:solidFill>
+                  <a:schemeClr val="bg1"/>
+                </a:solidFill>
+                <a:latin typeface="Ubuntu Mono" panose="020B0509030602030204" pitchFamily="49" charset="0"/>
+              </a:rPr>
+              <a:t>&gt;&gt; shp = tf.shape(x) </a:t>
+            </a:r>
+            <a:r>
+              <a:rPr lang="en-US" altLang="ko-KR" sz="1800" i="1" smtClean="0">
+                <a:solidFill>
+                  <a:srgbClr val="00B050"/>
+                </a:solidFill>
+                <a:latin typeface="Ubuntu Mono" panose="020B0509030602030204" pitchFamily="49" charset="0"/>
+              </a:rPr>
+              <a:t># Tensor</a:t>
+            </a:r>
+            <a:r>
+              <a:rPr lang="en-US" altLang="ko-KR" sz="1800" smtClean="0">
+                <a:solidFill>
+                  <a:schemeClr val="bg1"/>
+                </a:solidFill>
+                <a:latin typeface="Ubuntu Mono" panose="020B0509030602030204" pitchFamily="49" charset="0"/>
+              </a:rPr>
+              <a:t/>
+            </a:r>
+            <a:br>
+              <a:rPr lang="en-US" altLang="ko-KR" sz="1800" smtClean="0">
+                <a:solidFill>
+                  <a:schemeClr val="bg1"/>
+                </a:solidFill>
+                <a:latin typeface="Ubuntu Mono" panose="020B0509030602030204" pitchFamily="49" charset="0"/>
+              </a:rPr>
+            </a:br>
+            <a:r>
+              <a:rPr lang="en-US" altLang="ko-KR" sz="1800" smtClean="0">
+                <a:solidFill>
+                  <a:schemeClr val="bg1"/>
+                </a:solidFill>
+                <a:latin typeface="Ubuntu Mono" panose="020B0509030602030204" pitchFamily="49" charset="0"/>
+              </a:rPr>
+              <a:t/>
+            </a:r>
+            <a:br>
+              <a:rPr lang="en-US" altLang="ko-KR" sz="1800" smtClean="0">
+                <a:solidFill>
+                  <a:schemeClr val="bg1"/>
+                </a:solidFill>
+                <a:latin typeface="Ubuntu Mono" panose="020B0509030602030204" pitchFamily="49" charset="0"/>
+              </a:rPr>
+            </a:br>
+            <a:r>
+              <a:rPr lang="en-US" altLang="ko-KR" sz="1800" i="1" smtClean="0">
+                <a:solidFill>
+                  <a:srgbClr val="00B050"/>
+                </a:solidFill>
+                <a:latin typeface="Ubuntu Mono" panose="020B0509030602030204" pitchFamily="49" charset="0"/>
+              </a:rPr>
+              <a:t># Get rank</a:t>
+            </a:r>
+            <a:r>
+              <a:rPr lang="en-US" altLang="ko-KR" sz="1800" smtClean="0">
+                <a:solidFill>
+                  <a:schemeClr val="bg1"/>
+                </a:solidFill>
+                <a:latin typeface="Ubuntu Mono" panose="020B0509030602030204" pitchFamily="49" charset="0"/>
+              </a:rPr>
+              <a:t/>
+            </a:r>
+            <a:br>
+              <a:rPr lang="en-US" altLang="ko-KR" sz="1800" smtClean="0">
+                <a:solidFill>
+                  <a:schemeClr val="bg1"/>
+                </a:solidFill>
+                <a:latin typeface="Ubuntu Mono" panose="020B0509030602030204" pitchFamily="49" charset="0"/>
+              </a:rPr>
+            </a:br>
+            <a:r>
+              <a:rPr lang="en-US" altLang="ko-KR" sz="1800" smtClean="0">
+                <a:solidFill>
+                  <a:schemeClr val="bg1"/>
+                </a:solidFill>
+                <a:latin typeface="Ubuntu Mono" panose="020B0509030602030204" pitchFamily="49" charset="0"/>
+              </a:rPr>
+              <a:t>&gt;&gt; print(x.get_shape().ndims)</a:t>
+            </a:r>
+            <a:br>
+              <a:rPr lang="en-US" altLang="ko-KR" sz="1800" smtClean="0">
+                <a:solidFill>
+                  <a:schemeClr val="bg1"/>
+                </a:solidFill>
+                <a:latin typeface="Ubuntu Mono" panose="020B0509030602030204" pitchFamily="49" charset="0"/>
+              </a:rPr>
+            </a:br>
+            <a:r>
+              <a:rPr lang="en-US" altLang="ko-KR" sz="1800" smtClean="0">
+                <a:solidFill>
+                  <a:schemeClr val="bg1"/>
+                </a:solidFill>
+                <a:latin typeface="Ubuntu Mono" panose="020B0509030602030204" pitchFamily="49" charset="0"/>
+              </a:rPr>
+              <a:t>2 </a:t>
+            </a:r>
+            <a:r>
+              <a:rPr lang="en-US" altLang="ko-KR" sz="1800" i="1" smtClean="0">
+                <a:solidFill>
+                  <a:srgbClr val="00B050"/>
+                </a:solidFill>
+                <a:latin typeface="Ubuntu Mono" panose="020B0509030602030204" pitchFamily="49" charset="0"/>
+              </a:rPr>
+              <a:t># Python scalar</a:t>
+            </a:r>
+            <a:br>
+              <a:rPr lang="en-US" altLang="ko-KR" sz="1800" i="1" smtClean="0">
+                <a:solidFill>
+                  <a:srgbClr val="00B050"/>
+                </a:solidFill>
+                <a:latin typeface="Ubuntu Mono" panose="020B0509030602030204" pitchFamily="49" charset="0"/>
+              </a:rPr>
+            </a:br>
+            <a:r>
+              <a:rPr lang="en-US" altLang="ko-KR" sz="1800">
+                <a:solidFill>
+                  <a:schemeClr val="bg1"/>
+                </a:solidFill>
+                <a:latin typeface="Ubuntu Mono" panose="020B0509030602030204" pitchFamily="49" charset="0"/>
+              </a:rPr>
+              <a:t>&gt;&gt; rnk = tf.rank(x) </a:t>
+            </a:r>
+            <a:r>
+              <a:rPr lang="en-US" altLang="ko-KR" sz="1800" i="1">
+                <a:solidFill>
+                  <a:srgbClr val="00B050"/>
+                </a:solidFill>
+                <a:latin typeface="Ubuntu Mono" panose="020B0509030602030204" pitchFamily="49" charset="0"/>
+              </a:rPr>
+              <a:t># Tensor</a:t>
+            </a:r>
+            <a:r>
+              <a:rPr lang="en-US" altLang="ko-KR" sz="1800" i="1" smtClean="0">
+                <a:solidFill>
+                  <a:srgbClr val="00B050"/>
+                </a:solidFill>
+                <a:latin typeface="Ubuntu Mono" panose="020B0509030602030204" pitchFamily="49" charset="0"/>
+              </a:rPr>
+              <a:t/>
+            </a:r>
+            <a:br>
+              <a:rPr lang="en-US" altLang="ko-KR" sz="1800" i="1" smtClean="0">
+                <a:solidFill>
+                  <a:srgbClr val="00B050"/>
+                </a:solidFill>
+                <a:latin typeface="Ubuntu Mono" panose="020B0509030602030204" pitchFamily="49" charset="0"/>
+              </a:rPr>
+            </a:br>
+            <a:r>
+              <a:rPr lang="en-US" altLang="ko-KR" sz="1800">
+                <a:solidFill>
+                  <a:srgbClr val="00B050"/>
+                </a:solidFill>
+                <a:latin typeface="Ubuntu Mono" panose="020B0509030602030204" pitchFamily="49" charset="0"/>
+              </a:rPr>
+              <a:t/>
+            </a:r>
+            <a:br>
+              <a:rPr lang="en-US" altLang="ko-KR" sz="1800">
+                <a:solidFill>
+                  <a:srgbClr val="00B050"/>
+                </a:solidFill>
+                <a:latin typeface="Ubuntu Mono" panose="020B0509030602030204" pitchFamily="49" charset="0"/>
+              </a:rPr>
+            </a:br>
+            <a:r>
+              <a:rPr lang="en-US" altLang="ko-KR" sz="1800" i="1" smtClean="0">
+                <a:solidFill>
+                  <a:srgbClr val="00B050"/>
+                </a:solidFill>
+                <a:latin typeface="Ubuntu Mono" panose="020B0509030602030204" pitchFamily="49" charset="0"/>
+              </a:rPr>
+              <a:t># Get data type</a:t>
+            </a:r>
+            <a:r>
+              <a:rPr lang="en-US" altLang="ko-KR" sz="1800" smtClean="0">
+                <a:solidFill>
+                  <a:srgbClr val="00B050"/>
+                </a:solidFill>
+                <a:latin typeface="Ubuntu Mono" panose="020B0509030602030204" pitchFamily="49" charset="0"/>
+              </a:rPr>
+              <a:t/>
+            </a:r>
+            <a:br>
+              <a:rPr lang="en-US" altLang="ko-KR" sz="1800" smtClean="0">
+                <a:solidFill>
+                  <a:srgbClr val="00B050"/>
+                </a:solidFill>
+                <a:latin typeface="Ubuntu Mono" panose="020B0509030602030204" pitchFamily="49" charset="0"/>
+              </a:rPr>
+            </a:br>
+            <a:r>
+              <a:rPr lang="en-US" altLang="ko-KR" sz="1800" smtClean="0">
+                <a:solidFill>
+                  <a:schemeClr val="bg1"/>
+                </a:solidFill>
+                <a:latin typeface="Ubuntu Mono" panose="020B0509030602030204" pitchFamily="49" charset="0"/>
+              </a:rPr>
+              <a:t>&gt;&gt; print(x.dtype)</a:t>
+            </a:r>
+            <a:br>
+              <a:rPr lang="en-US" altLang="ko-KR" sz="1800" smtClean="0">
+                <a:solidFill>
+                  <a:schemeClr val="bg1"/>
+                </a:solidFill>
+                <a:latin typeface="Ubuntu Mono" panose="020B0509030602030204" pitchFamily="49" charset="0"/>
+              </a:rPr>
+            </a:br>
+            <a:r>
+              <a:rPr lang="en-US" altLang="ko-KR" sz="1800">
+                <a:solidFill>
+                  <a:schemeClr val="bg1"/>
+                </a:solidFill>
+                <a:latin typeface="Ubuntu Mono" panose="020B0509030602030204" pitchFamily="49" charset="0"/>
+              </a:rPr>
+              <a:t>tf.float32</a:t>
+            </a:r>
+            <a:r>
+              <a:rPr lang="en-US" altLang="ko-KR" sz="1800" smtClean="0">
+                <a:solidFill>
+                  <a:srgbClr val="00B050"/>
+                </a:solidFill>
+                <a:latin typeface="Ubuntu Mono" panose="020B0509030602030204" pitchFamily="49" charset="0"/>
+              </a:rPr>
+              <a:t/>
+            </a:r>
+            <a:br>
+              <a:rPr lang="en-US" altLang="ko-KR" sz="1800" smtClean="0">
+                <a:solidFill>
+                  <a:srgbClr val="00B050"/>
+                </a:solidFill>
+                <a:latin typeface="Ubuntu Mono" panose="020B0509030602030204" pitchFamily="49" charset="0"/>
+              </a:rPr>
+            </a:br>
+            <a:r>
+              <a:rPr lang="en-US" altLang="ko-KR" sz="1800">
+                <a:solidFill>
+                  <a:schemeClr val="bg1"/>
+                </a:solidFill>
+                <a:latin typeface="Ubuntu Mono" panose="020B0509030602030204" pitchFamily="49" charset="0"/>
+              </a:rPr>
+              <a:t/>
+            </a:r>
+            <a:br>
+              <a:rPr lang="en-US" altLang="ko-KR" sz="1800">
+                <a:solidFill>
+                  <a:schemeClr val="bg1"/>
+                </a:solidFill>
+                <a:latin typeface="Ubuntu Mono" panose="020B0509030602030204" pitchFamily="49" charset="0"/>
+              </a:rPr>
+            </a:br>
+            <a:r>
+              <a:rPr lang="en-US" altLang="ko-KR" sz="1800" smtClean="0">
+                <a:solidFill>
+                  <a:schemeClr val="bg1"/>
+                </a:solidFill>
+                <a:latin typeface="Ubuntu Mono" panose="020B0509030602030204" pitchFamily="49" charset="0"/>
+              </a:rPr>
+              <a:t/>
+            </a:r>
+            <a:br>
+              <a:rPr lang="en-US" altLang="ko-KR" sz="1800" smtClean="0">
+                <a:solidFill>
+                  <a:schemeClr val="bg1"/>
+                </a:solidFill>
+                <a:latin typeface="Ubuntu Mono" panose="020B0509030602030204" pitchFamily="49" charset="0"/>
+              </a:rPr>
+            </a:br>
+            <a:r>
+              <a:rPr lang="en-US" altLang="ko-KR" sz="1800" smtClean="0">
+                <a:solidFill>
+                  <a:schemeClr val="bg1"/>
+                </a:solidFill>
+                <a:latin typeface="Ubuntu Mono" panose="020B0509030602030204" pitchFamily="49" charset="0"/>
+              </a:rPr>
+              <a:t/>
+            </a:r>
+            <a:br>
+              <a:rPr lang="en-US" altLang="ko-KR" sz="1800" smtClean="0">
+                <a:solidFill>
+                  <a:schemeClr val="bg1"/>
+                </a:solidFill>
+                <a:latin typeface="Ubuntu Mono" panose="020B0509030602030204" pitchFamily="49" charset="0"/>
+              </a:rPr>
+            </a:br>
+            <a:endParaRPr lang="ko-KR" altLang="en-US" sz="1800">
+              <a:solidFill>
+                <a:schemeClr val="bg1"/>
+              </a:solidFill>
+              <a:latin typeface="Ubuntu Mono" panose="020B0509030602030204" pitchFamily="49" charset="0"/>
+            </a:endParaRPr>
+          </a:p>
+        </p:txBody>
+      </p:sp>
+      <p:sp>
+        <p:nvSpPr>
+          <p:cNvPr id="3" name="슬라이드 번호 개체 틀 2"/>
+          <p:cNvSpPr>
+            <a:spLocks noGrp="1"/>
+          </p:cNvSpPr>
+          <p:nvPr>
+            <p:ph type="sldNum" sz="quarter" idx="12"/>
+          </p:nvPr>
+        </p:nvSpPr>
+        <p:spPr/>
+        <p:txBody>
+          <a:bodyPr/>
+          <a:lstStyle/>
+          <a:p>
+            <a:fld id="{9D5625A4-ACAF-42E4-A765-CDD0F5B0771F}" type="slidenum">
+              <a:rPr lang="ko-KR" altLang="en-US" smtClean="0"/>
+              <a:t>11</a:t>
+            </a:fld>
+            <a:endParaRPr lang="ko-KR" altLang="en-US"/>
+          </a:p>
+        </p:txBody>
+      </p:sp>
+      <p:sp>
+        <p:nvSpPr>
+          <p:cNvPr id="6" name="Rectangle 1"/>
+          <p:cNvSpPr txBox="1">
+            <a:spLocks noChangeArrowheads="1"/>
+          </p:cNvSpPr>
+          <p:nvPr/>
+        </p:nvSpPr>
+        <p:spPr bwMode="auto">
+          <a:xfrm>
+            <a:off x="6477844" y="6400412"/>
+            <a:ext cx="4475328" cy="276999"/>
+          </a:xfrm>
+          <a:prstGeom prst="rect">
+            <a:avLst/>
+          </a:prstGeom>
+          <a:noFill/>
+          <a:ln>
+            <a:noFill/>
+          </a:ln>
+          <a:effectLst/>
+          <a:extLst>
+            <a:ext uri="{909E8E84-426E-40DD-AFC4-6F175D3DCCD1}">
+              <a14:hiddenFill xmlns:a14="http://schemas.microsoft.com/office/drawing/2010/main">
+                <a:solidFill>
+                  <a:schemeClr val="accent1"/>
+                </a:solidFill>
+              </a14:hiddenFill>
+            </a:ext>
+            <a:ext uri="{91240B29-F687-4F45-9708-019B960494DF}">
+              <a14:hiddenLine xmlns:a14="http://schemas.microsoft.com/office/drawing/2010/main" w="9525">
+                <a:solidFill>
+                  <a:schemeClr val="tx1"/>
+                </a:solidFill>
+                <a:miter lim="800000"/>
+                <a:headEnd/>
+                <a:tailEnd/>
+              </a14:hiddenLine>
+            </a:ext>
+            <a:ext uri="{AF507438-7753-43E0-B8FC-AC1667EBCBE1}">
+              <a14:hiddenEffects xmlns:a14="http://schemas.microsoft.com/office/drawing/2010/main">
+                <a:effectLst>
+                  <a:outerShdw dist="35921" dir="2700000" algn="ctr" rotWithShape="0">
+                    <a:schemeClr val="bg2"/>
+                  </a:outerShdw>
+                </a:effectLst>
+              </a14:hiddenEffects>
+            </a:ext>
+          </a:extLst>
+        </p:spPr>
+        <p:txBody>
+          <a:bodyPr vert="horz" wrap="none" lIns="91440" tIns="45720" rIns="91440" bIns="45720" numCol="1" rtlCol="0" anchor="ctr" anchorCtr="0" compatLnSpc="1">
+            <a:prstTxWarp prst="textNoShape">
+              <a:avLst/>
+            </a:prstTxWarp>
+            <a:spAutoFit/>
+          </a:bodyPr>
+          <a:lstStyle>
+            <a:lvl1pPr algn="ctr" defTabSz="914400" rtl="0" eaLnBrk="1" latinLnBrk="1" hangingPunct="1">
+              <a:lnSpc>
+                <a:spcPct val="90000"/>
+              </a:lnSpc>
+              <a:spcBef>
+                <a:spcPct val="0"/>
+              </a:spcBef>
+              <a:buNone/>
+              <a:defRPr sz="6000" kern="1200">
+                <a:solidFill>
+                  <a:schemeClr val="tx1"/>
+                </a:solidFill>
+                <a:latin typeface="+mj-lt"/>
+                <a:ea typeface="+mj-ea"/>
+                <a:cs typeface="+mj-cs"/>
+              </a:defRPr>
+            </a:lvl1pPr>
+          </a:lstStyle>
+          <a:p>
+            <a:pPr algn="l" eaLnBrk="0" fontAlgn="base" latinLnBrk="0" hangingPunct="0">
+              <a:lnSpc>
+                <a:spcPct val="100000"/>
+              </a:lnSpc>
+              <a:spcAft>
+                <a:spcPct val="0"/>
+              </a:spcAft>
+            </a:pPr>
+            <a:r>
+              <a:rPr lang="en-US" altLang="ko-KR" sz="1200" smtClean="0">
+                <a:solidFill>
+                  <a:schemeClr val="tx1">
+                    <a:lumMod val="50000"/>
+                    <a:lumOff val="50000"/>
+                  </a:schemeClr>
+                </a:solidFill>
+                <a:latin typeface="Arial" panose="020B0604020202020204" pitchFamily="34" charset="0"/>
+                <a:cs typeface="Arial" panose="020B0604020202020204" pitchFamily="34" charset="0"/>
+              </a:rPr>
+              <a:t>Up and Running with </a:t>
+            </a:r>
+            <a:r>
+              <a:rPr lang="en-US" altLang="ko-KR" sz="1200" err="1" smtClean="0">
+                <a:solidFill>
+                  <a:schemeClr val="tx1">
+                    <a:lumMod val="50000"/>
+                    <a:lumOff val="50000"/>
+                  </a:schemeClr>
+                </a:solidFill>
+                <a:latin typeface="Arial" panose="020B0604020202020204" pitchFamily="34" charset="0"/>
+                <a:cs typeface="Arial" panose="020B0604020202020204" pitchFamily="34" charset="0"/>
+              </a:rPr>
+              <a:t>TensorFlow</a:t>
+            </a:r>
+            <a:r>
+              <a:rPr lang="en-US" altLang="ko-KR" sz="1200" smtClean="0">
+                <a:solidFill>
+                  <a:schemeClr val="tx1">
+                    <a:lumMod val="50000"/>
+                    <a:lumOff val="50000"/>
+                  </a:schemeClr>
+                </a:solidFill>
+                <a:latin typeface="Arial" panose="020B0604020202020204" pitchFamily="34" charset="0"/>
+                <a:cs typeface="Arial" panose="020B0604020202020204" pitchFamily="34" charset="0"/>
+              </a:rPr>
+              <a:t> in Deep Learning Conference</a:t>
+            </a:r>
+            <a:endParaRPr lang="ko-KR" altLang="ko-KR" sz="1200">
+              <a:solidFill>
+                <a:schemeClr val="tx1">
+                  <a:lumMod val="50000"/>
+                  <a:lumOff val="50000"/>
+                </a:schemeClr>
+              </a:solidFill>
+              <a:latin typeface="Arial" panose="020B0604020202020204" pitchFamily="34" charset="0"/>
+              <a:cs typeface="Arial" panose="020B0604020202020204" pitchFamily="34" charset="0"/>
+            </a:endParaRPr>
+          </a:p>
+        </p:txBody>
+      </p:sp>
+    </p:spTree>
+    <p:extLst>
+      <p:ext uri="{BB962C8B-B14F-4D97-AF65-F5344CB8AC3E}">
+        <p14:creationId xmlns:p14="http://schemas.microsoft.com/office/powerpoint/2010/main" val="2445064116"/>
+      </p:ext>
+    </p:extLst>
+  </p:cSld>
+  <p:clrMapOvr>
+    <a:masterClrMapping/>
+  </p:clrMapOvr>
+  <p:timing>
+    <p:tnLst>
+      <p:par>
+        <p:cTn id="1" dur="indefinite" restart="never" nodeType="tmRoot"/>
+      </p:par>
+    </p:tnLst>
+  </p:timing>
+</p:sld>
+</file>
+
+<file path=ppt/slides/slide12.xml><?xml version="1.0" encoding="utf-8"?>
+<p:sld xmlns:a="http://schemas.openxmlformats.org/drawingml/2006/main" xmlns:r="http://schemas.openxmlformats.org/officeDocument/2006/relationships" xmlns:p="http://schemas.openxmlformats.org/presentationml/2006/main">
+  <p:cSld>
+    <p:spTree>
+      <p:nvGrpSpPr>
+        <p:cNvPr id="1" name=""/>
+        <p:cNvGrpSpPr/>
+        <p:nvPr/>
+      </p:nvGrpSpPr>
+      <p:grpSpPr>
+        <a:xfrm>
+          <a:off x="0" y="0"/>
+          <a:ext cx="0" cy="0"/>
+          <a:chOff x="0" y="0"/>
+          <a:chExt cx="0" cy="0"/>
+        </a:xfrm>
+      </p:grpSpPr>
+      <p:sp>
+        <p:nvSpPr>
+          <p:cNvPr id="5" name="Rectangle 1"/>
+          <p:cNvSpPr txBox="1">
+            <a:spLocks noChangeArrowheads="1"/>
+          </p:cNvSpPr>
+          <p:nvPr/>
+        </p:nvSpPr>
+        <p:spPr bwMode="auto">
+          <a:xfrm>
+            <a:off x="515425" y="200413"/>
+            <a:ext cx="1589281" cy="338554"/>
+          </a:xfrm>
+          <a:prstGeom prst="rect">
+            <a:avLst/>
+          </a:prstGeom>
+          <a:noFill/>
+          <a:ln>
+            <a:noFill/>
+          </a:ln>
+          <a:effectLst/>
+          <a:extLst>
+            <a:ext uri="{909E8E84-426E-40DD-AFC4-6F175D3DCCD1}">
+              <a14:hiddenFill xmlns:a14="http://schemas.microsoft.com/office/drawing/2010/main">
+                <a:solidFill>
+                  <a:schemeClr val="accent1"/>
+                </a:solidFill>
+              </a14:hiddenFill>
+            </a:ext>
+            <a:ext uri="{91240B29-F687-4F45-9708-019B960494DF}">
+              <a14:hiddenLine xmlns:a14="http://schemas.microsoft.com/office/drawing/2010/main" w="9525">
+                <a:solidFill>
+                  <a:schemeClr val="tx1"/>
+                </a:solidFill>
+                <a:miter lim="800000"/>
+                <a:headEnd/>
+                <a:tailEnd/>
+              </a14:hiddenLine>
+            </a:ext>
+            <a:ext uri="{AF507438-7753-43E0-B8FC-AC1667EBCBE1}">
+              <a14:hiddenEffects xmlns:a14="http://schemas.microsoft.com/office/drawing/2010/main">
+                <a:effectLst>
+                  <a:outerShdw dist="35921" dir="2700000" algn="ctr" rotWithShape="0">
+                    <a:schemeClr val="bg2"/>
+                  </a:outerShdw>
+                </a:effectLst>
+              </a14:hiddenEffects>
+            </a:ext>
+          </a:extLst>
+        </p:spPr>
+        <p:txBody>
+          <a:bodyPr vert="horz" wrap="none" lIns="91440" tIns="45720" rIns="91440" bIns="45720" numCol="1" rtlCol="0" anchor="ctr" anchorCtr="0" compatLnSpc="1">
+            <a:prstTxWarp prst="textNoShape">
+              <a:avLst/>
+            </a:prstTxWarp>
+            <a:spAutoFit/>
+          </a:bodyPr>
+          <a:lstStyle>
+            <a:lvl1pPr algn="ctr" defTabSz="914400" rtl="0" eaLnBrk="1" latinLnBrk="1" hangingPunct="1">
+              <a:lnSpc>
+                <a:spcPct val="90000"/>
+              </a:lnSpc>
+              <a:spcBef>
+                <a:spcPct val="0"/>
+              </a:spcBef>
+              <a:buNone/>
+              <a:defRPr sz="6000" kern="1200">
+                <a:solidFill>
+                  <a:schemeClr val="tx1"/>
+                </a:solidFill>
+                <a:latin typeface="+mj-lt"/>
+                <a:ea typeface="+mj-ea"/>
+                <a:cs typeface="+mj-cs"/>
+              </a:defRPr>
+            </a:lvl1pPr>
+          </a:lstStyle>
+          <a:p>
+            <a:pPr algn="l" eaLnBrk="0" fontAlgn="base" latinLnBrk="0" hangingPunct="0">
+              <a:lnSpc>
+                <a:spcPct val="100000"/>
+              </a:lnSpc>
+              <a:spcAft>
+                <a:spcPct val="0"/>
+              </a:spcAft>
+            </a:pPr>
+            <a:r>
+              <a:rPr lang="en-US" altLang="ko-KR" sz="1600" b="1" smtClean="0">
+                <a:solidFill>
+                  <a:schemeClr val="tx1">
+                    <a:lumMod val="50000"/>
+                    <a:lumOff val="50000"/>
+                  </a:schemeClr>
+                </a:solidFill>
+                <a:latin typeface="Arial" panose="020B0604020202020204" pitchFamily="34" charset="0"/>
+                <a:cs typeface="Arial" panose="020B0604020202020204" pitchFamily="34" charset="0"/>
+              </a:rPr>
               <a:t>NumPy Arrays</a:t>
             </a:r>
             <a:endParaRPr lang="ko-KR" altLang="ko-KR" sz="1600">
@@ -6156,7 +6670,7 @@
           <a:p>
             <a:fld id="{9D5625A4-ACAF-42E4-A765-CDD0F5B0771F}" type="slidenum">
               <a:rPr lang="ko-KR" altLang="en-US" smtClean="0"/>
-              <a:t>11</a:t>
+              <a:t>12</a:t>
             </a:fld>
             <a:endParaRPr lang="ko-KR" altLang="en-US"/>
           </a:p>
@@ -6574,7 +7088,1362 @@
 </p:sld>
 </file>
 
-<file path=ppt/slides/slide12.xml><?xml version="1.0" encoding="utf-8"?>
+<file path=ppt/slides/slide13.xml><?xml version="1.0" encoding="utf-8"?>
+<p:sld xmlns:a="http://schemas.openxmlformats.org/drawingml/2006/main" xmlns:r="http://schemas.openxmlformats.org/officeDocument/2006/relationships" xmlns:p="http://schemas.openxmlformats.org/presentationml/2006/main">
+  <p:cSld>
+    <p:spTree>
+      <p:nvGrpSpPr>
+        <p:cNvPr id="1" name=""/>
+        <p:cNvGrpSpPr/>
+        <p:nvPr/>
+      </p:nvGrpSpPr>
+      <p:grpSpPr>
+        <a:xfrm>
+          <a:off x="0" y="0"/>
+          <a:ext cx="0" cy="0"/>
+          <a:chOff x="0" y="0"/>
+          <a:chExt cx="0" cy="0"/>
+        </a:xfrm>
+      </p:grpSpPr>
+      <p:sp>
+        <p:nvSpPr>
+          <p:cNvPr id="5" name="Rectangle 1"/>
+          <p:cNvSpPr txBox="1">
+            <a:spLocks noChangeArrowheads="1"/>
+          </p:cNvSpPr>
+          <p:nvPr/>
+        </p:nvSpPr>
+        <p:spPr bwMode="auto">
+          <a:xfrm>
+            <a:off x="515425" y="200413"/>
+            <a:ext cx="2440092" cy="338554"/>
+          </a:xfrm>
+          <a:prstGeom prst="rect">
+            <a:avLst/>
+          </a:prstGeom>
+          <a:noFill/>
+          <a:ln>
+            <a:noFill/>
+          </a:ln>
+          <a:effectLst/>
+          <a:extLst>
+            <a:ext uri="{909E8E84-426E-40DD-AFC4-6F175D3DCCD1}">
+              <a14:hiddenFill xmlns:a14="http://schemas.microsoft.com/office/drawing/2010/main">
+                <a:solidFill>
+                  <a:schemeClr val="accent1"/>
+                </a:solidFill>
+              </a14:hiddenFill>
+            </a:ext>
+            <a:ext uri="{91240B29-F687-4F45-9708-019B960494DF}">
+              <a14:hiddenLine xmlns:a14="http://schemas.microsoft.com/office/drawing/2010/main" w="9525">
+                <a:solidFill>
+                  <a:schemeClr val="tx1"/>
+                </a:solidFill>
+                <a:miter lim="800000"/>
+                <a:headEnd/>
+                <a:tailEnd/>
+              </a14:hiddenLine>
+            </a:ext>
+            <a:ext uri="{AF507438-7753-43E0-B8FC-AC1667EBCBE1}">
+              <a14:hiddenEffects xmlns:a14="http://schemas.microsoft.com/office/drawing/2010/main">
+                <a:effectLst>
+                  <a:outerShdw dist="35921" dir="2700000" algn="ctr" rotWithShape="0">
+                    <a:schemeClr val="bg2"/>
+                  </a:outerShdw>
+                </a:effectLst>
+              </a14:hiddenEffects>
+            </a:ext>
+          </a:extLst>
+        </p:spPr>
+        <p:txBody>
+          <a:bodyPr vert="horz" wrap="none" lIns="91440" tIns="45720" rIns="91440" bIns="45720" numCol="1" rtlCol="0" anchor="ctr" anchorCtr="0" compatLnSpc="1">
+            <a:prstTxWarp prst="textNoShape">
+              <a:avLst/>
+            </a:prstTxWarp>
+            <a:spAutoFit/>
+          </a:bodyPr>
+          <a:lstStyle>
+            <a:lvl1pPr algn="ctr" defTabSz="914400" rtl="0" eaLnBrk="1" latinLnBrk="1" hangingPunct="1">
+              <a:lnSpc>
+                <a:spcPct val="90000"/>
+              </a:lnSpc>
+              <a:spcBef>
+                <a:spcPct val="0"/>
+              </a:spcBef>
+              <a:buNone/>
+              <a:defRPr sz="6000" kern="1200">
+                <a:solidFill>
+                  <a:schemeClr val="tx1"/>
+                </a:solidFill>
+                <a:latin typeface="+mj-lt"/>
+                <a:ea typeface="+mj-ea"/>
+                <a:cs typeface="+mj-cs"/>
+              </a:defRPr>
+            </a:lvl1pPr>
+          </a:lstStyle>
+          <a:p>
+            <a:pPr algn="l" eaLnBrk="0" fontAlgn="base" latinLnBrk="0" hangingPunct="0">
+              <a:lnSpc>
+                <a:spcPct val="100000"/>
+              </a:lnSpc>
+              <a:spcAft>
+                <a:spcPct val="0"/>
+              </a:spcAft>
+            </a:pPr>
+            <a:r>
+              <a:rPr lang="en-US" altLang="ko-KR" sz="1600" b="1" smtClean="0">
+                <a:solidFill>
+                  <a:schemeClr val="tx1">
+                    <a:lumMod val="50000"/>
+                    <a:lumOff val="50000"/>
+                  </a:schemeClr>
+                </a:solidFill>
+                <a:latin typeface="Arial" panose="020B0604020202020204" pitchFamily="34" charset="0"/>
+                <a:cs typeface="Arial" panose="020B0604020202020204" pitchFamily="34" charset="0"/>
+              </a:rPr>
+              <a:t>Demos and Challenges</a:t>
+            </a:r>
+            <a:endParaRPr lang="ko-KR" altLang="ko-KR" sz="1600">
+              <a:solidFill>
+                <a:schemeClr val="tx1">
+                  <a:lumMod val="50000"/>
+                  <a:lumOff val="50000"/>
+                </a:schemeClr>
+              </a:solidFill>
+              <a:latin typeface="Arial" panose="020B0604020202020204" pitchFamily="34" charset="0"/>
+              <a:cs typeface="Arial" panose="020B0604020202020204" pitchFamily="34" charset="0"/>
+            </a:endParaRPr>
+          </a:p>
+        </p:txBody>
+      </p:sp>
+      <p:sp>
+        <p:nvSpPr>
+          <p:cNvPr id="9" name="Rectangle 4"/>
+          <p:cNvSpPr>
+            <a:spLocks noGrp="1" noChangeArrowheads="1"/>
+          </p:cNvSpPr>
+          <p:nvPr>
+            <p:ph type="ctrTitle"/>
+          </p:nvPr>
+        </p:nvSpPr>
+        <p:spPr bwMode="auto">
+          <a:xfrm>
+            <a:off x="970443" y="1957152"/>
+            <a:ext cx="10255355" cy="611115"/>
+          </a:xfrm>
+          <a:prstGeom prst="rect">
+            <a:avLst/>
+          </a:prstGeom>
+          <a:noFill/>
+          <a:ln>
+            <a:noFill/>
+          </a:ln>
+          <a:effectLst/>
+          <a:extLst>
+            <a:ext uri="{909E8E84-426E-40DD-AFC4-6F175D3DCCD1}">
+              <a14:hiddenFill xmlns:a14="http://schemas.microsoft.com/office/drawing/2010/main">
+                <a:solidFill>
+                  <a:schemeClr val="accent1"/>
+                </a:solidFill>
+              </a14:hiddenFill>
+            </a:ext>
+            <a:ext uri="{91240B29-F687-4F45-9708-019B960494DF}">
+              <a14:hiddenLine xmlns:a14="http://schemas.microsoft.com/office/drawing/2010/main" w="9525">
+                <a:solidFill>
+                  <a:schemeClr val="tx1"/>
+                </a:solidFill>
+                <a:miter lim="800000"/>
+                <a:headEnd/>
+                <a:tailEnd/>
+              </a14:hiddenLine>
+            </a:ext>
+            <a:ext uri="{AF507438-7753-43E0-B8FC-AC1667EBCBE1}">
+              <a14:hiddenEffects xmlns:a14="http://schemas.microsoft.com/office/drawing/2010/main">
+                <a:effectLst>
+                  <a:outerShdw dist="35921" dir="2700000" algn="ctr" rotWithShape="0">
+                    <a:schemeClr val="bg2"/>
+                  </a:outerShdw>
+                </a:effectLst>
+              </a14:hiddenEffects>
+            </a:ext>
+          </a:extLst>
+        </p:spPr>
+        <p:txBody>
+          <a:bodyPr vert="horz" wrap="square" lIns="91440" tIns="45720" rIns="91440" bIns="45720" numCol="1" anchor="ctr" anchorCtr="0" compatLnSpc="1">
+            <a:prstTxWarp prst="textNoShape">
+              <a:avLst/>
+            </a:prstTxWarp>
+            <a:noAutofit/>
+          </a:bodyPr>
+          <a:lstStyle/>
+          <a:p>
+            <a:pPr marL="285750" lvl="0" indent="-285750" algn="l" eaLnBrk="0" fontAlgn="base" latinLnBrk="0" hangingPunct="0">
+              <a:lnSpc>
+                <a:spcPct val="100000"/>
+              </a:lnSpc>
+              <a:spcAft>
+                <a:spcPct val="0"/>
+              </a:spcAft>
+              <a:buFont typeface="Arial" panose="020B0604020202020204" pitchFamily="34" charset="0"/>
+              <a:buChar char="•"/>
+            </a:pPr>
+            <a:r>
+              <a:rPr lang="en-US" altLang="ko-KR" sz="1800" smtClean="0">
+                <a:latin typeface="Arial" panose="020B0604020202020204" pitchFamily="34" charset="0"/>
+                <a:cs typeface="Arial" panose="020B0604020202020204" pitchFamily="34" charset="0"/>
+              </a:rPr>
+              <a:t>Download files from my </a:t>
+            </a:r>
+            <a:r>
+              <a:rPr lang="en-US" altLang="ko-KR" sz="1800">
+                <a:latin typeface="Arial" panose="020B0604020202020204" pitchFamily="34" charset="0"/>
+                <a:cs typeface="Arial" panose="020B0604020202020204" pitchFamily="34" charset="0"/>
+              </a:rPr>
+              <a:t>another </a:t>
+            </a:r>
+            <a:r>
+              <a:rPr lang="en-US" altLang="ko-KR" sz="1800" smtClean="0">
+                <a:latin typeface="Arial" panose="020B0604020202020204" pitchFamily="34" charset="0"/>
+                <a:cs typeface="Arial" panose="020B0604020202020204" pitchFamily="34" charset="0"/>
+              </a:rPr>
+              <a:t>github repository </a:t>
+            </a:r>
+            <a:r>
+              <a:rPr lang="en-US" altLang="ko-KR" sz="1800">
+                <a:latin typeface="Arial" panose="020B0604020202020204" pitchFamily="34" charset="0"/>
+                <a:cs typeface="Arial" panose="020B0604020202020204" pitchFamily="34" charset="0"/>
+                <a:hlinkClick r:id="rId2"/>
+              </a:rPr>
+              <a:t>https</a:t>
+            </a:r>
+            <a:r>
+              <a:rPr lang="en-US" altLang="ko-KR" sz="1800">
+                <a:latin typeface="Arial" panose="020B0604020202020204" pitchFamily="34" charset="0"/>
+                <a:cs typeface="Arial" panose="020B0604020202020204" pitchFamily="34" charset="0"/>
+                <a:hlinkClick r:id="rId2"/>
+              </a:rPr>
+              <a:t>://</a:t>
+            </a:r>
+            <a:r>
+              <a:rPr lang="en-US" altLang="ko-KR" sz="1800" smtClean="0">
+                <a:latin typeface="Arial" panose="020B0604020202020204" pitchFamily="34" charset="0"/>
+                <a:cs typeface="Arial" panose="020B0604020202020204" pitchFamily="34" charset="0"/>
+                <a:hlinkClick r:id="rId2"/>
+              </a:rPr>
+              <a:t>github.com/Kyubyong/tensorflow-exercises</a:t>
+            </a:r>
+            <a:r>
+              <a:rPr lang="en-US" altLang="ko-KR" sz="1800" smtClean="0">
+                <a:latin typeface="Arial" panose="020B0604020202020204" pitchFamily="34" charset="0"/>
+                <a:cs typeface="Arial" panose="020B0604020202020204" pitchFamily="34" charset="0"/>
+              </a:rPr>
+              <a:t>.</a:t>
+            </a:r>
+            <a:endParaRPr lang="ko-KR" altLang="ko-KR" sz="1800">
+              <a:latin typeface="Arial" panose="020B0604020202020204" pitchFamily="34" charset="0"/>
+              <a:cs typeface="Arial" panose="020B0604020202020204" pitchFamily="34" charset="0"/>
+            </a:endParaRPr>
+          </a:p>
+        </p:txBody>
+      </p:sp>
+      <p:sp>
+        <p:nvSpPr>
+          <p:cNvPr id="2" name="슬라이드 번호 개체 틀 1"/>
+          <p:cNvSpPr>
+            <a:spLocks noGrp="1"/>
+          </p:cNvSpPr>
+          <p:nvPr>
+            <p:ph type="sldNum" sz="quarter" idx="12"/>
+          </p:nvPr>
+        </p:nvSpPr>
+        <p:spPr/>
+        <p:txBody>
+          <a:bodyPr/>
+          <a:lstStyle/>
+          <a:p>
+            <a:fld id="{9D5625A4-ACAF-42E4-A765-CDD0F5B0771F}" type="slidenum">
+              <a:rPr lang="ko-KR" altLang="en-US" smtClean="0"/>
+              <a:t>13</a:t>
+            </a:fld>
+            <a:endParaRPr lang="ko-KR" altLang="en-US"/>
+          </a:p>
+        </p:txBody>
+      </p:sp>
+      <p:sp>
+        <p:nvSpPr>
+          <p:cNvPr id="10" name="Rectangle 1"/>
+          <p:cNvSpPr txBox="1">
+            <a:spLocks noChangeArrowheads="1"/>
+          </p:cNvSpPr>
+          <p:nvPr/>
+        </p:nvSpPr>
+        <p:spPr bwMode="auto">
+          <a:xfrm>
+            <a:off x="6477844" y="6400412"/>
+            <a:ext cx="4475328" cy="276999"/>
+          </a:xfrm>
+          <a:prstGeom prst="rect">
+            <a:avLst/>
+          </a:prstGeom>
+          <a:noFill/>
+          <a:ln>
+            <a:noFill/>
+          </a:ln>
+          <a:effectLst/>
+          <a:extLst>
+            <a:ext uri="{909E8E84-426E-40DD-AFC4-6F175D3DCCD1}">
+              <a14:hiddenFill xmlns:a14="http://schemas.microsoft.com/office/drawing/2010/main">
+                <a:solidFill>
+                  <a:schemeClr val="accent1"/>
+                </a:solidFill>
+              </a14:hiddenFill>
+            </a:ext>
+            <a:ext uri="{91240B29-F687-4F45-9708-019B960494DF}">
+              <a14:hiddenLine xmlns:a14="http://schemas.microsoft.com/office/drawing/2010/main" w="9525">
+                <a:solidFill>
+                  <a:schemeClr val="tx1"/>
+                </a:solidFill>
+                <a:miter lim="800000"/>
+                <a:headEnd/>
+                <a:tailEnd/>
+              </a14:hiddenLine>
+            </a:ext>
+            <a:ext uri="{AF507438-7753-43E0-B8FC-AC1667EBCBE1}">
+              <a14:hiddenEffects xmlns:a14="http://schemas.microsoft.com/office/drawing/2010/main">
+                <a:effectLst>
+                  <a:outerShdw dist="35921" dir="2700000" algn="ctr" rotWithShape="0">
+                    <a:schemeClr val="bg2"/>
+                  </a:outerShdw>
+                </a:effectLst>
+              </a14:hiddenEffects>
+            </a:ext>
+          </a:extLst>
+        </p:spPr>
+        <p:txBody>
+          <a:bodyPr vert="horz" wrap="none" lIns="91440" tIns="45720" rIns="91440" bIns="45720" numCol="1" rtlCol="0" anchor="ctr" anchorCtr="0" compatLnSpc="1">
+            <a:prstTxWarp prst="textNoShape">
+              <a:avLst/>
+            </a:prstTxWarp>
+            <a:spAutoFit/>
+          </a:bodyPr>
+          <a:lstStyle>
+            <a:lvl1pPr algn="ctr" defTabSz="914400" rtl="0" eaLnBrk="1" latinLnBrk="1" hangingPunct="1">
+              <a:lnSpc>
+                <a:spcPct val="90000"/>
+              </a:lnSpc>
+              <a:spcBef>
+                <a:spcPct val="0"/>
+              </a:spcBef>
+              <a:buNone/>
+              <a:defRPr sz="6000" kern="1200">
+                <a:solidFill>
+                  <a:schemeClr val="tx1"/>
+                </a:solidFill>
+                <a:latin typeface="+mj-lt"/>
+                <a:ea typeface="+mj-ea"/>
+                <a:cs typeface="+mj-cs"/>
+              </a:defRPr>
+            </a:lvl1pPr>
+          </a:lstStyle>
+          <a:p>
+            <a:pPr algn="l" eaLnBrk="0" fontAlgn="base" latinLnBrk="0" hangingPunct="0">
+              <a:lnSpc>
+                <a:spcPct val="100000"/>
+              </a:lnSpc>
+              <a:spcAft>
+                <a:spcPct val="0"/>
+              </a:spcAft>
+            </a:pPr>
+            <a:r>
+              <a:rPr lang="en-US" altLang="ko-KR" sz="1200" smtClean="0">
+                <a:solidFill>
+                  <a:schemeClr val="tx1">
+                    <a:lumMod val="50000"/>
+                    <a:lumOff val="50000"/>
+                  </a:schemeClr>
+                </a:solidFill>
+                <a:latin typeface="Arial" panose="020B0604020202020204" pitchFamily="34" charset="0"/>
+                <a:cs typeface="Arial" panose="020B0604020202020204" pitchFamily="34" charset="0"/>
+              </a:rPr>
+              <a:t>Up and Running with </a:t>
+            </a:r>
+            <a:r>
+              <a:rPr lang="en-US" altLang="ko-KR" sz="1200" err="1" smtClean="0">
+                <a:solidFill>
+                  <a:schemeClr val="tx1">
+                    <a:lumMod val="50000"/>
+                    <a:lumOff val="50000"/>
+                  </a:schemeClr>
+                </a:solidFill>
+                <a:latin typeface="Arial" panose="020B0604020202020204" pitchFamily="34" charset="0"/>
+                <a:cs typeface="Arial" panose="020B0604020202020204" pitchFamily="34" charset="0"/>
+              </a:rPr>
+              <a:t>TensorFlow</a:t>
+            </a:r>
+            <a:r>
+              <a:rPr lang="en-US" altLang="ko-KR" sz="1200" smtClean="0">
+                <a:solidFill>
+                  <a:schemeClr val="tx1">
+                    <a:lumMod val="50000"/>
+                    <a:lumOff val="50000"/>
+                  </a:schemeClr>
+                </a:solidFill>
+                <a:latin typeface="Arial" panose="020B0604020202020204" pitchFamily="34" charset="0"/>
+                <a:cs typeface="Arial" panose="020B0604020202020204" pitchFamily="34" charset="0"/>
+              </a:rPr>
+              <a:t> in Deep Learning Conference</a:t>
+            </a:r>
+            <a:endParaRPr lang="ko-KR" altLang="ko-KR" sz="1200">
+              <a:solidFill>
+                <a:schemeClr val="tx1">
+                  <a:lumMod val="50000"/>
+                  <a:lumOff val="50000"/>
+                </a:schemeClr>
+              </a:solidFill>
+              <a:latin typeface="Arial" panose="020B0604020202020204" pitchFamily="34" charset="0"/>
+              <a:cs typeface="Arial" panose="020B0604020202020204" pitchFamily="34" charset="0"/>
+            </a:endParaRPr>
+          </a:p>
+        </p:txBody>
+      </p:sp>
+      <p:sp>
+        <p:nvSpPr>
+          <p:cNvPr id="6" name="Rectangle 4"/>
+          <p:cNvSpPr txBox="1">
+            <a:spLocks noChangeArrowheads="1"/>
+          </p:cNvSpPr>
+          <p:nvPr/>
+        </p:nvSpPr>
+        <p:spPr bwMode="auto">
+          <a:xfrm>
+            <a:off x="970443" y="1298248"/>
+            <a:ext cx="10255355" cy="611115"/>
+          </a:xfrm>
+          <a:prstGeom prst="rect">
+            <a:avLst/>
+          </a:prstGeom>
+          <a:noFill/>
+          <a:ln>
+            <a:noFill/>
+          </a:ln>
+          <a:effectLst/>
+          <a:extLst>
+            <a:ext uri="{909E8E84-426E-40DD-AFC4-6F175D3DCCD1}">
+              <a14:hiddenFill xmlns:a14="http://schemas.microsoft.com/office/drawing/2010/main">
+                <a:solidFill>
+                  <a:schemeClr val="accent1"/>
+                </a:solidFill>
+              </a14:hiddenFill>
+            </a:ext>
+            <a:ext uri="{91240B29-F687-4F45-9708-019B960494DF}">
+              <a14:hiddenLine xmlns:a14="http://schemas.microsoft.com/office/drawing/2010/main" w="9525">
+                <a:solidFill>
+                  <a:schemeClr val="tx1"/>
+                </a:solidFill>
+                <a:miter lim="800000"/>
+                <a:headEnd/>
+                <a:tailEnd/>
+              </a14:hiddenLine>
+            </a:ext>
+            <a:ext uri="{AF507438-7753-43E0-B8FC-AC1667EBCBE1}">
+              <a14:hiddenEffects xmlns:a14="http://schemas.microsoft.com/office/drawing/2010/main">
+                <a:effectLst>
+                  <a:outerShdw dist="35921" dir="2700000" algn="ctr" rotWithShape="0">
+                    <a:schemeClr val="bg2"/>
+                  </a:outerShdw>
+                </a:effectLst>
+              </a14:hiddenEffects>
+            </a:ext>
+          </a:extLst>
+        </p:spPr>
+        <p:txBody>
+          <a:bodyPr vert="horz" wrap="square" lIns="91440" tIns="45720" rIns="91440" bIns="45720" numCol="1" rtlCol="0" anchor="ctr" anchorCtr="0" compatLnSpc="1">
+            <a:prstTxWarp prst="textNoShape">
+              <a:avLst/>
+            </a:prstTxWarp>
+            <a:noAutofit/>
+          </a:bodyPr>
+          <a:lstStyle>
+            <a:lvl1pPr algn="ctr" defTabSz="914400" rtl="0" eaLnBrk="1" latinLnBrk="1" hangingPunct="1">
+              <a:lnSpc>
+                <a:spcPct val="90000"/>
+              </a:lnSpc>
+              <a:spcBef>
+                <a:spcPct val="0"/>
+              </a:spcBef>
+              <a:buNone/>
+              <a:defRPr sz="6000" kern="1200">
+                <a:solidFill>
+                  <a:schemeClr val="tx1"/>
+                </a:solidFill>
+                <a:latin typeface="+mj-lt"/>
+                <a:ea typeface="+mj-ea"/>
+                <a:cs typeface="+mj-cs"/>
+              </a:defRPr>
+            </a:lvl1pPr>
+          </a:lstStyle>
+          <a:p>
+            <a:pPr marL="285750" indent="-285750" algn="l" eaLnBrk="0" fontAlgn="base" latinLnBrk="0" hangingPunct="0">
+              <a:lnSpc>
+                <a:spcPct val="100000"/>
+              </a:lnSpc>
+              <a:spcAft>
+                <a:spcPct val="0"/>
+              </a:spcAft>
+              <a:buFont typeface="Arial" panose="020B0604020202020204" pitchFamily="34" charset="0"/>
+              <a:buChar char="•"/>
+            </a:pPr>
+            <a:r>
+              <a:rPr lang="en-US" altLang="ko-KR" sz="1800" smtClean="0">
+                <a:latin typeface="Arial" panose="020B0604020202020204" pitchFamily="34" charset="0"/>
+                <a:cs typeface="Arial" panose="020B0604020202020204" pitchFamily="34" charset="0"/>
+              </a:rPr>
+              <a:t>Open and check `</a:t>
+            </a:r>
+            <a:r>
+              <a:rPr lang="en-US" altLang="ko-KR" sz="1800" b="1" smtClean="0">
+                <a:latin typeface="Arial" panose="020B0604020202020204" pitchFamily="34" charset="0"/>
+                <a:cs typeface="Arial" panose="020B0604020202020204" pitchFamily="34" charset="0"/>
+              </a:rPr>
+              <a:t>Demo0. Create Arrays and Tensors.ipynb</a:t>
+            </a:r>
+            <a:r>
+              <a:rPr lang="en-US" altLang="ko-KR" sz="1800" smtClean="0">
+                <a:latin typeface="Arial" panose="020B0604020202020204" pitchFamily="34" charset="0"/>
+                <a:cs typeface="Arial" panose="020B0604020202020204" pitchFamily="34" charset="0"/>
+              </a:rPr>
+              <a:t>`.</a:t>
+            </a:r>
+            <a:endParaRPr lang="ko-KR" altLang="ko-KR" sz="1800">
+              <a:latin typeface="Arial" panose="020B0604020202020204" pitchFamily="34" charset="0"/>
+              <a:cs typeface="Arial" panose="020B0604020202020204" pitchFamily="34" charset="0"/>
+            </a:endParaRPr>
+          </a:p>
+        </p:txBody>
+      </p:sp>
+      <p:sp>
+        <p:nvSpPr>
+          <p:cNvPr id="13" name="Rectangle 4"/>
+          <p:cNvSpPr txBox="1">
+            <a:spLocks noChangeArrowheads="1"/>
+          </p:cNvSpPr>
+          <p:nvPr/>
+        </p:nvSpPr>
+        <p:spPr bwMode="auto">
+          <a:xfrm>
+            <a:off x="970443" y="2578539"/>
+            <a:ext cx="10255355" cy="611115"/>
+          </a:xfrm>
+          <a:prstGeom prst="rect">
+            <a:avLst/>
+          </a:prstGeom>
+          <a:noFill/>
+          <a:ln>
+            <a:noFill/>
+          </a:ln>
+          <a:effectLst/>
+          <a:extLst>
+            <a:ext uri="{909E8E84-426E-40DD-AFC4-6F175D3DCCD1}">
+              <a14:hiddenFill xmlns:a14="http://schemas.microsoft.com/office/drawing/2010/main">
+                <a:solidFill>
+                  <a:schemeClr val="accent1"/>
+                </a:solidFill>
+              </a14:hiddenFill>
+            </a:ext>
+            <a:ext uri="{91240B29-F687-4F45-9708-019B960494DF}">
+              <a14:hiddenLine xmlns:a14="http://schemas.microsoft.com/office/drawing/2010/main" w="9525">
+                <a:solidFill>
+                  <a:schemeClr val="tx1"/>
+                </a:solidFill>
+                <a:miter lim="800000"/>
+                <a:headEnd/>
+                <a:tailEnd/>
+              </a14:hiddenLine>
+            </a:ext>
+            <a:ext uri="{AF507438-7753-43E0-B8FC-AC1667EBCBE1}">
+              <a14:hiddenEffects xmlns:a14="http://schemas.microsoft.com/office/drawing/2010/main">
+                <a:effectLst>
+                  <a:outerShdw dist="35921" dir="2700000" algn="ctr" rotWithShape="0">
+                    <a:schemeClr val="bg2"/>
+                  </a:outerShdw>
+                </a:effectLst>
+              </a14:hiddenEffects>
+            </a:ext>
+          </a:extLst>
+        </p:spPr>
+        <p:txBody>
+          <a:bodyPr vert="horz" wrap="square" lIns="91440" tIns="45720" rIns="91440" bIns="45720" numCol="1" rtlCol="0" anchor="ctr" anchorCtr="0" compatLnSpc="1">
+            <a:prstTxWarp prst="textNoShape">
+              <a:avLst/>
+            </a:prstTxWarp>
+            <a:noAutofit/>
+          </a:bodyPr>
+          <a:lstStyle>
+            <a:lvl1pPr algn="ctr" defTabSz="914400" rtl="0" eaLnBrk="1" latinLnBrk="1" hangingPunct="1">
+              <a:lnSpc>
+                <a:spcPct val="90000"/>
+              </a:lnSpc>
+              <a:spcBef>
+                <a:spcPct val="0"/>
+              </a:spcBef>
+              <a:buNone/>
+              <a:defRPr sz="6000" kern="1200">
+                <a:solidFill>
+                  <a:schemeClr val="tx1"/>
+                </a:solidFill>
+                <a:latin typeface="+mj-lt"/>
+                <a:ea typeface="+mj-ea"/>
+                <a:cs typeface="+mj-cs"/>
+              </a:defRPr>
+            </a:lvl1pPr>
+          </a:lstStyle>
+          <a:p>
+            <a:pPr marL="285750" indent="-285750" algn="l" eaLnBrk="0" fontAlgn="base" latinLnBrk="0" hangingPunct="0">
+              <a:lnSpc>
+                <a:spcPct val="100000"/>
+              </a:lnSpc>
+              <a:spcAft>
+                <a:spcPct val="0"/>
+              </a:spcAft>
+              <a:buFont typeface="Arial" panose="020B0604020202020204" pitchFamily="34" charset="0"/>
+              <a:buChar char="•"/>
+            </a:pPr>
+            <a:r>
+              <a:rPr lang="en-US" altLang="ko-KR" sz="1800" smtClean="0">
+                <a:latin typeface="Arial" panose="020B0604020202020204" pitchFamily="34" charset="0"/>
+                <a:cs typeface="Arial" panose="020B0604020202020204" pitchFamily="34" charset="0"/>
+              </a:rPr>
+              <a:t>Challenge questions 1-12 in `</a:t>
+            </a:r>
+            <a:r>
+              <a:rPr lang="en-US" altLang="ko-KR" sz="1800" b="1" smtClean="0"/>
+              <a:t>Constants_Sequences_and_Random_Values.ipynb</a:t>
+            </a:r>
+            <a:r>
+              <a:rPr lang="en-US" altLang="ko-KR" sz="1800" smtClean="0">
+                <a:latin typeface="Arial" panose="020B0604020202020204" pitchFamily="34" charset="0"/>
+                <a:cs typeface="Arial" panose="020B0604020202020204" pitchFamily="34" charset="0"/>
+              </a:rPr>
+              <a:t>`</a:t>
+            </a:r>
+            <a:endParaRPr lang="ko-KR" altLang="ko-KR" sz="1800">
+              <a:latin typeface="Arial" panose="020B0604020202020204" pitchFamily="34" charset="0"/>
+              <a:cs typeface="Arial" panose="020B0604020202020204" pitchFamily="34" charset="0"/>
+            </a:endParaRPr>
+          </a:p>
+        </p:txBody>
+      </p:sp>
+      <p:sp>
+        <p:nvSpPr>
+          <p:cNvPr id="14" name="Rectangle 4"/>
+          <p:cNvSpPr txBox="1">
+            <a:spLocks noChangeArrowheads="1"/>
+          </p:cNvSpPr>
+          <p:nvPr/>
+        </p:nvSpPr>
+        <p:spPr bwMode="auto">
+          <a:xfrm>
+            <a:off x="970443" y="3094548"/>
+            <a:ext cx="10255355" cy="611115"/>
+          </a:xfrm>
+          <a:prstGeom prst="rect">
+            <a:avLst/>
+          </a:prstGeom>
+          <a:noFill/>
+          <a:ln>
+            <a:noFill/>
+          </a:ln>
+          <a:effectLst/>
+          <a:extLst>
+            <a:ext uri="{909E8E84-426E-40DD-AFC4-6F175D3DCCD1}">
+              <a14:hiddenFill xmlns:a14="http://schemas.microsoft.com/office/drawing/2010/main">
+                <a:solidFill>
+                  <a:schemeClr val="accent1"/>
+                </a:solidFill>
+              </a14:hiddenFill>
+            </a:ext>
+            <a:ext uri="{91240B29-F687-4F45-9708-019B960494DF}">
+              <a14:hiddenLine xmlns:a14="http://schemas.microsoft.com/office/drawing/2010/main" w="9525">
+                <a:solidFill>
+                  <a:schemeClr val="tx1"/>
+                </a:solidFill>
+                <a:miter lim="800000"/>
+                <a:headEnd/>
+                <a:tailEnd/>
+              </a14:hiddenLine>
+            </a:ext>
+            <a:ext uri="{AF507438-7753-43E0-B8FC-AC1667EBCBE1}">
+              <a14:hiddenEffects xmlns:a14="http://schemas.microsoft.com/office/drawing/2010/main">
+                <a:effectLst>
+                  <a:outerShdw dist="35921" dir="2700000" algn="ctr" rotWithShape="0">
+                    <a:schemeClr val="bg2"/>
+                  </a:outerShdw>
+                </a:effectLst>
+              </a14:hiddenEffects>
+            </a:ext>
+          </a:extLst>
+        </p:spPr>
+        <p:txBody>
+          <a:bodyPr vert="horz" wrap="square" lIns="91440" tIns="45720" rIns="91440" bIns="45720" numCol="1" rtlCol="0" anchor="ctr" anchorCtr="0" compatLnSpc="1">
+            <a:prstTxWarp prst="textNoShape">
+              <a:avLst/>
+            </a:prstTxWarp>
+            <a:noAutofit/>
+          </a:bodyPr>
+          <a:lstStyle>
+            <a:lvl1pPr algn="ctr" defTabSz="914400" rtl="0" eaLnBrk="1" latinLnBrk="1" hangingPunct="1">
+              <a:lnSpc>
+                <a:spcPct val="90000"/>
+              </a:lnSpc>
+              <a:spcBef>
+                <a:spcPct val="0"/>
+              </a:spcBef>
+              <a:buNone/>
+              <a:defRPr sz="6000" kern="1200">
+                <a:solidFill>
+                  <a:schemeClr val="tx1"/>
+                </a:solidFill>
+                <a:latin typeface="+mj-lt"/>
+                <a:ea typeface="+mj-ea"/>
+                <a:cs typeface="+mj-cs"/>
+              </a:defRPr>
+            </a:lvl1pPr>
+          </a:lstStyle>
+          <a:p>
+            <a:pPr marL="285750" indent="-285750" algn="l" eaLnBrk="0" fontAlgn="base" latinLnBrk="0" hangingPunct="0">
+              <a:lnSpc>
+                <a:spcPct val="100000"/>
+              </a:lnSpc>
+              <a:spcAft>
+                <a:spcPct val="0"/>
+              </a:spcAft>
+              <a:buFont typeface="Arial" panose="020B0604020202020204" pitchFamily="34" charset="0"/>
+              <a:buChar char="•"/>
+            </a:pPr>
+            <a:r>
+              <a:rPr lang="en-US" altLang="ko-KR" sz="1800" smtClean="0">
+                <a:latin typeface="Arial" panose="020B0604020202020204" pitchFamily="34" charset="0"/>
+                <a:cs typeface="Arial" panose="020B0604020202020204" pitchFamily="34" charset="0"/>
+              </a:rPr>
+              <a:t>Open and check `</a:t>
+            </a:r>
+            <a:r>
+              <a:rPr lang="en-US" altLang="ko-KR" sz="1800" b="1" smtClean="0">
+                <a:latin typeface="Arial" panose="020B0604020202020204" pitchFamily="34" charset="0"/>
+                <a:cs typeface="Arial" panose="020B0604020202020204" pitchFamily="34" charset="0"/>
+              </a:rPr>
+              <a:t>Demo1. Slicing and Indexing.ipynb</a:t>
+            </a:r>
+            <a:r>
+              <a:rPr lang="en-US" altLang="ko-KR" sz="1800" smtClean="0">
+                <a:latin typeface="Arial" panose="020B0604020202020204" pitchFamily="34" charset="0"/>
+                <a:cs typeface="Arial" panose="020B0604020202020204" pitchFamily="34" charset="0"/>
+              </a:rPr>
+              <a:t>`.</a:t>
+            </a:r>
+            <a:endParaRPr lang="ko-KR" altLang="ko-KR" sz="1800">
+              <a:latin typeface="Arial" panose="020B0604020202020204" pitchFamily="34" charset="0"/>
+              <a:cs typeface="Arial" panose="020B0604020202020204" pitchFamily="34" charset="0"/>
+            </a:endParaRPr>
+          </a:p>
+        </p:txBody>
+      </p:sp>
+      <p:sp>
+        <p:nvSpPr>
+          <p:cNvPr id="15" name="Rectangle 4"/>
+          <p:cNvSpPr txBox="1">
+            <a:spLocks noChangeArrowheads="1"/>
+          </p:cNvSpPr>
+          <p:nvPr/>
+        </p:nvSpPr>
+        <p:spPr bwMode="auto">
+          <a:xfrm>
+            <a:off x="970443" y="3639695"/>
+            <a:ext cx="10255355" cy="611115"/>
+          </a:xfrm>
+          <a:prstGeom prst="rect">
+            <a:avLst/>
+          </a:prstGeom>
+          <a:noFill/>
+          <a:ln>
+            <a:noFill/>
+          </a:ln>
+          <a:effectLst/>
+          <a:extLst>
+            <a:ext uri="{909E8E84-426E-40DD-AFC4-6F175D3DCCD1}">
+              <a14:hiddenFill xmlns:a14="http://schemas.microsoft.com/office/drawing/2010/main">
+                <a:solidFill>
+                  <a:schemeClr val="accent1"/>
+                </a:solidFill>
+              </a14:hiddenFill>
+            </a:ext>
+            <a:ext uri="{91240B29-F687-4F45-9708-019B960494DF}">
+              <a14:hiddenLine xmlns:a14="http://schemas.microsoft.com/office/drawing/2010/main" w="9525">
+                <a:solidFill>
+                  <a:schemeClr val="tx1"/>
+                </a:solidFill>
+                <a:miter lim="800000"/>
+                <a:headEnd/>
+                <a:tailEnd/>
+              </a14:hiddenLine>
+            </a:ext>
+            <a:ext uri="{AF507438-7753-43E0-B8FC-AC1667EBCBE1}">
+              <a14:hiddenEffects xmlns:a14="http://schemas.microsoft.com/office/drawing/2010/main">
+                <a:effectLst>
+                  <a:outerShdw dist="35921" dir="2700000" algn="ctr" rotWithShape="0">
+                    <a:schemeClr val="bg2"/>
+                  </a:outerShdw>
+                </a:effectLst>
+              </a14:hiddenEffects>
+            </a:ext>
+          </a:extLst>
+        </p:spPr>
+        <p:txBody>
+          <a:bodyPr vert="horz" wrap="square" lIns="91440" tIns="45720" rIns="91440" bIns="45720" numCol="1" rtlCol="0" anchor="ctr" anchorCtr="0" compatLnSpc="1">
+            <a:prstTxWarp prst="textNoShape">
+              <a:avLst/>
+            </a:prstTxWarp>
+            <a:noAutofit/>
+          </a:bodyPr>
+          <a:lstStyle>
+            <a:lvl1pPr algn="ctr" defTabSz="914400" rtl="0" eaLnBrk="1" latinLnBrk="1" hangingPunct="1">
+              <a:lnSpc>
+                <a:spcPct val="90000"/>
+              </a:lnSpc>
+              <a:spcBef>
+                <a:spcPct val="0"/>
+              </a:spcBef>
+              <a:buNone/>
+              <a:defRPr sz="6000" kern="1200">
+                <a:solidFill>
+                  <a:schemeClr val="tx1"/>
+                </a:solidFill>
+                <a:latin typeface="+mj-lt"/>
+                <a:ea typeface="+mj-ea"/>
+                <a:cs typeface="+mj-cs"/>
+              </a:defRPr>
+            </a:lvl1pPr>
+          </a:lstStyle>
+          <a:p>
+            <a:pPr marL="285750" indent="-285750" algn="l" eaLnBrk="0" fontAlgn="base" latinLnBrk="0" hangingPunct="0">
+              <a:lnSpc>
+                <a:spcPct val="100000"/>
+              </a:lnSpc>
+              <a:spcAft>
+                <a:spcPct val="0"/>
+              </a:spcAft>
+              <a:buFont typeface="Arial" panose="020B0604020202020204" pitchFamily="34" charset="0"/>
+              <a:buChar char="•"/>
+            </a:pPr>
+            <a:r>
+              <a:rPr lang="en-US" altLang="ko-KR" sz="1800" smtClean="0">
+                <a:latin typeface="Arial" panose="020B0604020202020204" pitchFamily="34" charset="0"/>
+                <a:cs typeface="Arial" panose="020B0604020202020204" pitchFamily="34" charset="0"/>
+              </a:rPr>
+              <a:t>Open and check `</a:t>
+            </a:r>
+            <a:r>
+              <a:rPr lang="en-US" altLang="ko-KR" sz="1800" b="1" smtClean="0">
+                <a:latin typeface="Arial" panose="020B0604020202020204" pitchFamily="34" charset="0"/>
+                <a:cs typeface="Arial" panose="020B0604020202020204" pitchFamily="34" charset="0"/>
+              </a:rPr>
+              <a:t>Demo2. Math.ipynb</a:t>
+            </a:r>
+            <a:r>
+              <a:rPr lang="en-US" altLang="ko-KR" sz="1800" smtClean="0">
+                <a:latin typeface="Arial" panose="020B0604020202020204" pitchFamily="34" charset="0"/>
+                <a:cs typeface="Arial" panose="020B0604020202020204" pitchFamily="34" charset="0"/>
+              </a:rPr>
+              <a:t>`.</a:t>
+            </a:r>
+            <a:endParaRPr lang="ko-KR" altLang="ko-KR" sz="1800">
+              <a:latin typeface="Arial" panose="020B0604020202020204" pitchFamily="34" charset="0"/>
+              <a:cs typeface="Arial" panose="020B0604020202020204" pitchFamily="34" charset="0"/>
+            </a:endParaRPr>
+          </a:p>
+        </p:txBody>
+      </p:sp>
+      <p:sp>
+        <p:nvSpPr>
+          <p:cNvPr id="18" name="Rectangle 4"/>
+          <p:cNvSpPr txBox="1">
+            <a:spLocks noChangeArrowheads="1"/>
+          </p:cNvSpPr>
+          <p:nvPr/>
+        </p:nvSpPr>
+        <p:spPr bwMode="auto">
+          <a:xfrm>
+            <a:off x="970443" y="4147317"/>
+            <a:ext cx="10255355" cy="611115"/>
+          </a:xfrm>
+          <a:prstGeom prst="rect">
+            <a:avLst/>
+          </a:prstGeom>
+          <a:noFill/>
+          <a:ln>
+            <a:noFill/>
+          </a:ln>
+          <a:effectLst/>
+          <a:extLst>
+            <a:ext uri="{909E8E84-426E-40DD-AFC4-6F175D3DCCD1}">
+              <a14:hiddenFill xmlns:a14="http://schemas.microsoft.com/office/drawing/2010/main">
+                <a:solidFill>
+                  <a:schemeClr val="accent1"/>
+                </a:solidFill>
+              </a14:hiddenFill>
+            </a:ext>
+            <a:ext uri="{91240B29-F687-4F45-9708-019B960494DF}">
+              <a14:hiddenLine xmlns:a14="http://schemas.microsoft.com/office/drawing/2010/main" w="9525">
+                <a:solidFill>
+                  <a:schemeClr val="tx1"/>
+                </a:solidFill>
+                <a:miter lim="800000"/>
+                <a:headEnd/>
+                <a:tailEnd/>
+              </a14:hiddenLine>
+            </a:ext>
+            <a:ext uri="{AF507438-7753-43E0-B8FC-AC1667EBCBE1}">
+              <a14:hiddenEffects xmlns:a14="http://schemas.microsoft.com/office/drawing/2010/main">
+                <a:effectLst>
+                  <a:outerShdw dist="35921" dir="2700000" algn="ctr" rotWithShape="0">
+                    <a:schemeClr val="bg2"/>
+                  </a:outerShdw>
+                </a:effectLst>
+              </a14:hiddenEffects>
+            </a:ext>
+          </a:extLst>
+        </p:spPr>
+        <p:txBody>
+          <a:bodyPr vert="horz" wrap="square" lIns="91440" tIns="45720" rIns="91440" bIns="45720" numCol="1" rtlCol="0" anchor="ctr" anchorCtr="0" compatLnSpc="1">
+            <a:prstTxWarp prst="textNoShape">
+              <a:avLst/>
+            </a:prstTxWarp>
+            <a:noAutofit/>
+          </a:bodyPr>
+          <a:lstStyle>
+            <a:lvl1pPr algn="ctr" defTabSz="914400" rtl="0" eaLnBrk="1" latinLnBrk="1" hangingPunct="1">
+              <a:lnSpc>
+                <a:spcPct val="90000"/>
+              </a:lnSpc>
+              <a:spcBef>
+                <a:spcPct val="0"/>
+              </a:spcBef>
+              <a:buNone/>
+              <a:defRPr sz="6000" kern="1200">
+                <a:solidFill>
+                  <a:schemeClr val="tx1"/>
+                </a:solidFill>
+                <a:latin typeface="+mj-lt"/>
+                <a:ea typeface="+mj-ea"/>
+                <a:cs typeface="+mj-cs"/>
+              </a:defRPr>
+            </a:lvl1pPr>
+          </a:lstStyle>
+          <a:p>
+            <a:pPr marL="285750" indent="-285750" algn="l" eaLnBrk="0" fontAlgn="base" latinLnBrk="0" hangingPunct="0">
+              <a:lnSpc>
+                <a:spcPct val="100000"/>
+              </a:lnSpc>
+              <a:spcAft>
+                <a:spcPct val="0"/>
+              </a:spcAft>
+              <a:buFont typeface="Arial" panose="020B0604020202020204" pitchFamily="34" charset="0"/>
+              <a:buChar char="•"/>
+            </a:pPr>
+            <a:r>
+              <a:rPr lang="en-US" altLang="ko-KR" sz="1800" smtClean="0">
+                <a:latin typeface="Arial" panose="020B0604020202020204" pitchFamily="34" charset="0"/>
+                <a:cs typeface="Arial" panose="020B0604020202020204" pitchFamily="34" charset="0"/>
+              </a:rPr>
+              <a:t>Challenge questions 1, 3, and 13 in `</a:t>
+            </a:r>
+            <a:r>
+              <a:rPr lang="en-US" altLang="ko-KR" sz="1800" b="1" smtClean="0">
+                <a:latin typeface="Arial" panose="020B0604020202020204" pitchFamily="34" charset="0"/>
+                <a:cs typeface="Arial" panose="020B0604020202020204" pitchFamily="34" charset="0"/>
+              </a:rPr>
+              <a:t>Math Part I.ipynb</a:t>
+            </a:r>
+            <a:r>
+              <a:rPr lang="en-US" altLang="ko-KR" sz="1800" smtClean="0">
+                <a:latin typeface="Arial" panose="020B0604020202020204" pitchFamily="34" charset="0"/>
+                <a:cs typeface="Arial" panose="020B0604020202020204" pitchFamily="34" charset="0"/>
+              </a:rPr>
+              <a:t>`.</a:t>
+            </a:r>
+            <a:endParaRPr lang="ko-KR" altLang="ko-KR" sz="1800">
+              <a:latin typeface="Arial" panose="020B0604020202020204" pitchFamily="34" charset="0"/>
+              <a:cs typeface="Arial" panose="020B0604020202020204" pitchFamily="34" charset="0"/>
+            </a:endParaRPr>
+          </a:p>
+        </p:txBody>
+      </p:sp>
+      <p:sp>
+        <p:nvSpPr>
+          <p:cNvPr id="19" name="Rectangle 4"/>
+          <p:cNvSpPr txBox="1">
+            <a:spLocks noChangeArrowheads="1"/>
+          </p:cNvSpPr>
+          <p:nvPr/>
+        </p:nvSpPr>
+        <p:spPr bwMode="auto">
+          <a:xfrm>
+            <a:off x="970443" y="4669328"/>
+            <a:ext cx="10255355" cy="611115"/>
+          </a:xfrm>
+          <a:prstGeom prst="rect">
+            <a:avLst/>
+          </a:prstGeom>
+          <a:noFill/>
+          <a:ln>
+            <a:noFill/>
+          </a:ln>
+          <a:effectLst/>
+          <a:extLst>
+            <a:ext uri="{909E8E84-426E-40DD-AFC4-6F175D3DCCD1}">
+              <a14:hiddenFill xmlns:a14="http://schemas.microsoft.com/office/drawing/2010/main">
+                <a:solidFill>
+                  <a:schemeClr val="accent1"/>
+                </a:solidFill>
+              </a14:hiddenFill>
+            </a:ext>
+            <a:ext uri="{91240B29-F687-4F45-9708-019B960494DF}">
+              <a14:hiddenLine xmlns:a14="http://schemas.microsoft.com/office/drawing/2010/main" w="9525">
+                <a:solidFill>
+                  <a:schemeClr val="tx1"/>
+                </a:solidFill>
+                <a:miter lim="800000"/>
+                <a:headEnd/>
+                <a:tailEnd/>
+              </a14:hiddenLine>
+            </a:ext>
+            <a:ext uri="{AF507438-7753-43E0-B8FC-AC1667EBCBE1}">
+              <a14:hiddenEffects xmlns:a14="http://schemas.microsoft.com/office/drawing/2010/main">
+                <a:effectLst>
+                  <a:outerShdw dist="35921" dir="2700000" algn="ctr" rotWithShape="0">
+                    <a:schemeClr val="bg2"/>
+                  </a:outerShdw>
+                </a:effectLst>
+              </a14:hiddenEffects>
+            </a:ext>
+          </a:extLst>
+        </p:spPr>
+        <p:txBody>
+          <a:bodyPr vert="horz" wrap="square" lIns="91440" tIns="45720" rIns="91440" bIns="45720" numCol="1" rtlCol="0" anchor="ctr" anchorCtr="0" compatLnSpc="1">
+            <a:prstTxWarp prst="textNoShape">
+              <a:avLst/>
+            </a:prstTxWarp>
+            <a:noAutofit/>
+          </a:bodyPr>
+          <a:lstStyle>
+            <a:lvl1pPr algn="ctr" defTabSz="914400" rtl="0" eaLnBrk="1" latinLnBrk="1" hangingPunct="1">
+              <a:lnSpc>
+                <a:spcPct val="90000"/>
+              </a:lnSpc>
+              <a:spcBef>
+                <a:spcPct val="0"/>
+              </a:spcBef>
+              <a:buNone/>
+              <a:defRPr sz="6000" kern="1200">
+                <a:solidFill>
+                  <a:schemeClr val="tx1"/>
+                </a:solidFill>
+                <a:latin typeface="+mj-lt"/>
+                <a:ea typeface="+mj-ea"/>
+                <a:cs typeface="+mj-cs"/>
+              </a:defRPr>
+            </a:lvl1pPr>
+          </a:lstStyle>
+          <a:p>
+            <a:pPr marL="285750" indent="-285750" algn="l" eaLnBrk="0" fontAlgn="base" latinLnBrk="0" hangingPunct="0">
+              <a:lnSpc>
+                <a:spcPct val="100000"/>
+              </a:lnSpc>
+              <a:spcAft>
+                <a:spcPct val="0"/>
+              </a:spcAft>
+              <a:buFont typeface="Arial" panose="020B0604020202020204" pitchFamily="34" charset="0"/>
+              <a:buChar char="•"/>
+            </a:pPr>
+            <a:r>
+              <a:rPr lang="en-US" altLang="ko-KR" sz="1800" smtClean="0">
+                <a:latin typeface="Arial" panose="020B0604020202020204" pitchFamily="34" charset="0"/>
+                <a:cs typeface="Arial" panose="020B0604020202020204" pitchFamily="34" charset="0"/>
+              </a:rPr>
+              <a:t>Challenge questions 7 and 14 in `</a:t>
+            </a:r>
+            <a:r>
+              <a:rPr lang="en-US" altLang="ko-KR" sz="1800" b="1" smtClean="0">
+                <a:latin typeface="Arial" panose="020B0604020202020204" pitchFamily="34" charset="0"/>
+                <a:cs typeface="Arial" panose="020B0604020202020204" pitchFamily="34" charset="0"/>
+              </a:rPr>
+              <a:t>Math Part II.ipynb</a:t>
+            </a:r>
+            <a:r>
+              <a:rPr lang="en-US" altLang="ko-KR" sz="1800" smtClean="0">
+                <a:latin typeface="Arial" panose="020B0604020202020204" pitchFamily="34" charset="0"/>
+                <a:cs typeface="Arial" panose="020B0604020202020204" pitchFamily="34" charset="0"/>
+              </a:rPr>
+              <a:t>`.</a:t>
+            </a:r>
+            <a:endParaRPr lang="ko-KR" altLang="ko-KR" sz="1800">
+              <a:latin typeface="Arial" panose="020B0604020202020204" pitchFamily="34" charset="0"/>
+              <a:cs typeface="Arial" panose="020B0604020202020204" pitchFamily="34" charset="0"/>
+            </a:endParaRPr>
+          </a:p>
+        </p:txBody>
+      </p:sp>
+      <p:sp>
+        <p:nvSpPr>
+          <p:cNvPr id="20" name="Rectangle 4"/>
+          <p:cNvSpPr txBox="1">
+            <a:spLocks noChangeArrowheads="1"/>
+          </p:cNvSpPr>
+          <p:nvPr/>
+        </p:nvSpPr>
+        <p:spPr bwMode="auto">
+          <a:xfrm>
+            <a:off x="970443" y="5176950"/>
+            <a:ext cx="10255355" cy="611115"/>
+          </a:xfrm>
+          <a:prstGeom prst="rect">
+            <a:avLst/>
+          </a:prstGeom>
+          <a:noFill/>
+          <a:ln>
+            <a:noFill/>
+          </a:ln>
+          <a:effectLst/>
+          <a:extLst>
+            <a:ext uri="{909E8E84-426E-40DD-AFC4-6F175D3DCCD1}">
+              <a14:hiddenFill xmlns:a14="http://schemas.microsoft.com/office/drawing/2010/main">
+                <a:solidFill>
+                  <a:schemeClr val="accent1"/>
+                </a:solidFill>
+              </a14:hiddenFill>
+            </a:ext>
+            <a:ext uri="{91240B29-F687-4F45-9708-019B960494DF}">
+              <a14:hiddenLine xmlns:a14="http://schemas.microsoft.com/office/drawing/2010/main" w="9525">
+                <a:solidFill>
+                  <a:schemeClr val="tx1"/>
+                </a:solidFill>
+                <a:miter lim="800000"/>
+                <a:headEnd/>
+                <a:tailEnd/>
+              </a14:hiddenLine>
+            </a:ext>
+            <a:ext uri="{AF507438-7753-43E0-B8FC-AC1667EBCBE1}">
+              <a14:hiddenEffects xmlns:a14="http://schemas.microsoft.com/office/drawing/2010/main">
+                <a:effectLst>
+                  <a:outerShdw dist="35921" dir="2700000" algn="ctr" rotWithShape="0">
+                    <a:schemeClr val="bg2"/>
+                  </a:outerShdw>
+                </a:effectLst>
+              </a14:hiddenEffects>
+            </a:ext>
+          </a:extLst>
+        </p:spPr>
+        <p:txBody>
+          <a:bodyPr vert="horz" wrap="square" lIns="91440" tIns="45720" rIns="91440" bIns="45720" numCol="1" rtlCol="0" anchor="ctr" anchorCtr="0" compatLnSpc="1">
+            <a:prstTxWarp prst="textNoShape">
+              <a:avLst/>
+            </a:prstTxWarp>
+            <a:noAutofit/>
+          </a:bodyPr>
+          <a:lstStyle>
+            <a:lvl1pPr algn="ctr" defTabSz="914400" rtl="0" eaLnBrk="1" latinLnBrk="1" hangingPunct="1">
+              <a:lnSpc>
+                <a:spcPct val="90000"/>
+              </a:lnSpc>
+              <a:spcBef>
+                <a:spcPct val="0"/>
+              </a:spcBef>
+              <a:buNone/>
+              <a:defRPr sz="6000" kern="1200">
+                <a:solidFill>
+                  <a:schemeClr val="tx1"/>
+                </a:solidFill>
+                <a:latin typeface="+mj-lt"/>
+                <a:ea typeface="+mj-ea"/>
+                <a:cs typeface="+mj-cs"/>
+              </a:defRPr>
+            </a:lvl1pPr>
+          </a:lstStyle>
+          <a:p>
+            <a:pPr marL="285750" indent="-285750" algn="l" eaLnBrk="0" fontAlgn="base" latinLnBrk="0" hangingPunct="0">
+              <a:lnSpc>
+                <a:spcPct val="100000"/>
+              </a:lnSpc>
+              <a:spcAft>
+                <a:spcPct val="0"/>
+              </a:spcAft>
+              <a:buFont typeface="Arial" panose="020B0604020202020204" pitchFamily="34" charset="0"/>
+              <a:buChar char="•"/>
+            </a:pPr>
+            <a:r>
+              <a:rPr lang="en-US" altLang="ko-KR" sz="1800" smtClean="0">
+                <a:latin typeface="Arial" panose="020B0604020202020204" pitchFamily="34" charset="0"/>
+                <a:cs typeface="Arial" panose="020B0604020202020204" pitchFamily="34" charset="0"/>
+              </a:rPr>
+              <a:t>Challenge question 9 in `</a:t>
+            </a:r>
+            <a:r>
+              <a:rPr lang="en-US" altLang="ko-KR" sz="1800" b="1" smtClean="0">
+                <a:latin typeface="Arial" panose="020B0604020202020204" pitchFamily="34" charset="0"/>
+                <a:cs typeface="Arial" panose="020B0604020202020204" pitchFamily="34" charset="0"/>
+              </a:rPr>
+              <a:t>Math Part III.ipynb</a:t>
+            </a:r>
+            <a:r>
+              <a:rPr lang="en-US" altLang="ko-KR" sz="1800" smtClean="0">
+                <a:latin typeface="Arial" panose="020B0604020202020204" pitchFamily="34" charset="0"/>
+                <a:cs typeface="Arial" panose="020B0604020202020204" pitchFamily="34" charset="0"/>
+              </a:rPr>
+              <a:t>`.</a:t>
+            </a:r>
+            <a:endParaRPr lang="ko-KR" altLang="ko-KR" sz="1800">
+              <a:latin typeface="Arial" panose="020B0604020202020204" pitchFamily="34" charset="0"/>
+              <a:cs typeface="Arial" panose="020B0604020202020204" pitchFamily="34" charset="0"/>
+            </a:endParaRPr>
+          </a:p>
+        </p:txBody>
+      </p:sp>
+      <p:sp>
+        <p:nvSpPr>
+          <p:cNvPr id="21" name="Rectangle 4"/>
+          <p:cNvSpPr txBox="1">
+            <a:spLocks noChangeArrowheads="1"/>
+          </p:cNvSpPr>
+          <p:nvPr/>
+        </p:nvSpPr>
+        <p:spPr bwMode="auto">
+          <a:xfrm>
+            <a:off x="970443" y="5687045"/>
+            <a:ext cx="10255355" cy="611115"/>
+          </a:xfrm>
+          <a:prstGeom prst="rect">
+            <a:avLst/>
+          </a:prstGeom>
+          <a:noFill/>
+          <a:ln>
+            <a:noFill/>
+          </a:ln>
+          <a:effectLst/>
+          <a:extLst>
+            <a:ext uri="{909E8E84-426E-40DD-AFC4-6F175D3DCCD1}">
+              <a14:hiddenFill xmlns:a14="http://schemas.microsoft.com/office/drawing/2010/main">
+                <a:solidFill>
+                  <a:schemeClr val="accent1"/>
+                </a:solidFill>
+              </a14:hiddenFill>
+            </a:ext>
+            <a:ext uri="{91240B29-F687-4F45-9708-019B960494DF}">
+              <a14:hiddenLine xmlns:a14="http://schemas.microsoft.com/office/drawing/2010/main" w="9525">
+                <a:solidFill>
+                  <a:schemeClr val="tx1"/>
+                </a:solidFill>
+                <a:miter lim="800000"/>
+                <a:headEnd/>
+                <a:tailEnd/>
+              </a14:hiddenLine>
+            </a:ext>
+            <a:ext uri="{AF507438-7753-43E0-B8FC-AC1667EBCBE1}">
+              <a14:hiddenEffects xmlns:a14="http://schemas.microsoft.com/office/drawing/2010/main">
+                <a:effectLst>
+                  <a:outerShdw dist="35921" dir="2700000" algn="ctr" rotWithShape="0">
+                    <a:schemeClr val="bg2"/>
+                  </a:outerShdw>
+                </a:effectLst>
+              </a14:hiddenEffects>
+            </a:ext>
+          </a:extLst>
+        </p:spPr>
+        <p:txBody>
+          <a:bodyPr vert="horz" wrap="square" lIns="91440" tIns="45720" rIns="91440" bIns="45720" numCol="1" rtlCol="0" anchor="ctr" anchorCtr="0" compatLnSpc="1">
+            <a:prstTxWarp prst="textNoShape">
+              <a:avLst/>
+            </a:prstTxWarp>
+            <a:noAutofit/>
+          </a:bodyPr>
+          <a:lstStyle>
+            <a:lvl1pPr algn="ctr" defTabSz="914400" rtl="0" eaLnBrk="1" latinLnBrk="1" hangingPunct="1">
+              <a:lnSpc>
+                <a:spcPct val="90000"/>
+              </a:lnSpc>
+              <a:spcBef>
+                <a:spcPct val="0"/>
+              </a:spcBef>
+              <a:buNone/>
+              <a:defRPr sz="6000" kern="1200">
+                <a:solidFill>
+                  <a:schemeClr val="tx1"/>
+                </a:solidFill>
+                <a:latin typeface="+mj-lt"/>
+                <a:ea typeface="+mj-ea"/>
+                <a:cs typeface="+mj-cs"/>
+              </a:defRPr>
+            </a:lvl1pPr>
+          </a:lstStyle>
+          <a:p>
+            <a:pPr marL="285750" indent="-285750" algn="l" eaLnBrk="0" fontAlgn="base" latinLnBrk="0" hangingPunct="0">
+              <a:lnSpc>
+                <a:spcPct val="100000"/>
+              </a:lnSpc>
+              <a:spcAft>
+                <a:spcPct val="0"/>
+              </a:spcAft>
+              <a:buFont typeface="Arial" panose="020B0604020202020204" pitchFamily="34" charset="0"/>
+              <a:buChar char="•"/>
+            </a:pPr>
+            <a:r>
+              <a:rPr lang="en-US" altLang="ko-KR" sz="1800" smtClean="0">
+                <a:latin typeface="Arial" panose="020B0604020202020204" pitchFamily="34" charset="0"/>
+                <a:cs typeface="Arial" panose="020B0604020202020204" pitchFamily="34" charset="0"/>
+              </a:rPr>
+              <a:t>Challenge questions 5, 10, and 13 in `</a:t>
+            </a:r>
+            <a:r>
+              <a:rPr lang="en-US" altLang="ko-KR" sz="1800" b="1" smtClean="0">
+                <a:latin typeface="Arial" panose="020B0604020202020204" pitchFamily="34" charset="0"/>
+                <a:cs typeface="Arial" panose="020B0604020202020204" pitchFamily="34" charset="0"/>
+              </a:rPr>
+              <a:t>Tensor Transformation.ipynb</a:t>
+            </a:r>
+            <a:r>
+              <a:rPr lang="en-US" altLang="ko-KR" sz="1800" smtClean="0">
+                <a:latin typeface="Arial" panose="020B0604020202020204" pitchFamily="34" charset="0"/>
+                <a:cs typeface="Arial" panose="020B0604020202020204" pitchFamily="34" charset="0"/>
+              </a:rPr>
+              <a:t>`.</a:t>
+            </a:r>
+            <a:endParaRPr lang="ko-KR" altLang="ko-KR" sz="1800">
+              <a:latin typeface="Arial" panose="020B0604020202020204" pitchFamily="34" charset="0"/>
+              <a:cs typeface="Arial" panose="020B0604020202020204" pitchFamily="34" charset="0"/>
+            </a:endParaRPr>
+          </a:p>
+        </p:txBody>
+      </p:sp>
+    </p:spTree>
+    <p:extLst>
+      <p:ext uri="{BB962C8B-B14F-4D97-AF65-F5344CB8AC3E}">
+        <p14:creationId xmlns:p14="http://schemas.microsoft.com/office/powerpoint/2010/main" val="3673445738"/>
+      </p:ext>
+    </p:extLst>
+  </p:cSld>
+  <p:clrMapOvr>
+    <a:masterClrMapping/>
+  </p:clrMapOvr>
+  <p:timing>
+    <p:tnLst>
+      <p:par>
+        <p:cTn id="1" dur="indefinite" restart="never" nodeType="tmRoot"/>
+      </p:par>
+    </p:tnLst>
+  </p:timing>
+</p:sld>
+</file>
+
+<file path=ppt/slides/slide14.xml><?xml version="1.0" encoding="utf-8"?>
 <p:sld xmlns:a="http://schemas.openxmlformats.org/drawingml/2006/main" xmlns:r="http://schemas.openxmlformats.org/officeDocument/2006/relationships" xmlns:p="http://schemas.openxmlformats.org/presentationml/2006/main">
   <p:cSld>
     <p:spTree>
@@ -7208,25 +9077,7 @@
                 </a:solidFill>
                 <a:latin typeface="Ubuntu Mono" panose="020B0509030602030204" pitchFamily="49" charset="0"/>
               </a:rPr>
-              <a:t>&gt;&gt; update_op = tf.assign(a, a + 2</a:t>
-            </a:r>
-            <a:r>
-              <a:rPr lang="en-US" altLang="ko-KR" sz="1800" smtClean="0">
-                <a:solidFill>
-                  <a:schemeClr val="bg1"/>
-                </a:solidFill>
-                <a:latin typeface="Ubuntu Mono" panose="020B0509030602030204" pitchFamily="49" charset="0"/>
-              </a:rPr>
-              <a:t>)</a:t>
-            </a:r>
-            <a:r>
-              <a:rPr lang="en-US" altLang="ko-KR" sz="1800" smtClean="0">
-                <a:solidFill>
-                  <a:schemeClr val="bg1"/>
-                </a:solidFill>
-                <a:latin typeface="Ubuntu Mono" panose="020B0509030602030204" pitchFamily="49" charset="0"/>
-              </a:rPr>
-              <a:t/>
+              <a:t>&gt;&gt; update_op = tf.assign(a, a + 2)</a:t>
             </a:r>
             <a:br>
               <a:rPr lang="en-US" altLang="ko-KR" sz="1800" smtClean="0">
@@ -7391,7 +9242,7 @@
           <a:p>
             <a:fld id="{9D5625A4-ACAF-42E4-A765-CDD0F5B0771F}" type="slidenum">
               <a:rPr lang="ko-KR" altLang="en-US" smtClean="0"/>
-              <a:t>12</a:t>
+              <a:t>14</a:t>
             </a:fld>
             <a:endParaRPr lang="ko-KR" altLang="en-US"/>
           </a:p>
@@ -7727,7 +9578,7 @@
 </p:sld>
 </file>
 
-<file path=ppt/slides/slide13.xml><?xml version="1.0" encoding="utf-8"?>
+<file path=ppt/slides/slide15.xml><?xml version="1.0" encoding="utf-8"?>
 <p:sld xmlns:a="http://schemas.openxmlformats.org/drawingml/2006/main" xmlns:r="http://schemas.openxmlformats.org/officeDocument/2006/relationships" xmlns:p="http://schemas.openxmlformats.org/presentationml/2006/main">
   <p:cSld>
     <p:spTree>
@@ -8448,7 +10299,7 @@
           <a:p>
             <a:fld id="{9D5625A4-ACAF-42E4-A765-CDD0F5B0771F}" type="slidenum">
               <a:rPr lang="ko-KR" altLang="en-US" smtClean="0"/>
-              <a:t>13</a:t>
+              <a:t>15</a:t>
             </a:fld>
             <a:endParaRPr lang="ko-KR" altLang="en-US"/>
           </a:p>
@@ -8784,7 +10635,414 @@
 </p:sld>
 </file>
 
-<file path=ppt/slides/slide14.xml><?xml version="1.0" encoding="utf-8"?>
+<file path=ppt/slides/slide16.xml><?xml version="1.0" encoding="utf-8"?>
+<p:sld xmlns:a="http://schemas.openxmlformats.org/drawingml/2006/main" xmlns:r="http://schemas.openxmlformats.org/officeDocument/2006/relationships" xmlns:p="http://schemas.openxmlformats.org/presentationml/2006/main">
+  <p:cSld>
+    <p:spTree>
+      <p:nvGrpSpPr>
+        <p:cNvPr id="1" name=""/>
+        <p:cNvGrpSpPr/>
+        <p:nvPr/>
+      </p:nvGrpSpPr>
+      <p:grpSpPr>
+        <a:xfrm>
+          <a:off x="0" y="0"/>
+          <a:ext cx="0" cy="0"/>
+          <a:chOff x="0" y="0"/>
+          <a:chExt cx="0" cy="0"/>
+        </a:xfrm>
+      </p:grpSpPr>
+      <p:sp>
+        <p:nvSpPr>
+          <p:cNvPr id="5" name="Rectangle 1"/>
+          <p:cNvSpPr txBox="1">
+            <a:spLocks noChangeArrowheads="1"/>
+          </p:cNvSpPr>
+          <p:nvPr/>
+        </p:nvSpPr>
+        <p:spPr bwMode="auto">
+          <a:xfrm>
+            <a:off x="515425" y="200413"/>
+            <a:ext cx="1164101" cy="338554"/>
+          </a:xfrm>
+          <a:prstGeom prst="rect">
+            <a:avLst/>
+          </a:prstGeom>
+          <a:noFill/>
+          <a:ln>
+            <a:noFill/>
+          </a:ln>
+          <a:effectLst/>
+          <a:extLst>
+            <a:ext uri="{909E8E84-426E-40DD-AFC4-6F175D3DCCD1}">
+              <a14:hiddenFill xmlns:a14="http://schemas.microsoft.com/office/drawing/2010/main">
+                <a:solidFill>
+                  <a:schemeClr val="accent1"/>
+                </a:solidFill>
+              </a14:hiddenFill>
+            </a:ext>
+            <a:ext uri="{91240B29-F687-4F45-9708-019B960494DF}">
+              <a14:hiddenLine xmlns:a14="http://schemas.microsoft.com/office/drawing/2010/main" w="9525">
+                <a:solidFill>
+                  <a:schemeClr val="tx1"/>
+                </a:solidFill>
+                <a:miter lim="800000"/>
+                <a:headEnd/>
+                <a:tailEnd/>
+              </a14:hiddenLine>
+            </a:ext>
+            <a:ext uri="{AF507438-7753-43E0-B8FC-AC1667EBCBE1}">
+              <a14:hiddenEffects xmlns:a14="http://schemas.microsoft.com/office/drawing/2010/main">
+                <a:effectLst>
+                  <a:outerShdw dist="35921" dir="2700000" algn="ctr" rotWithShape="0">
+                    <a:schemeClr val="bg2"/>
+                  </a:outerShdw>
+                </a:effectLst>
+              </a14:hiddenEffects>
+            </a:ext>
+          </a:extLst>
+        </p:spPr>
+        <p:txBody>
+          <a:bodyPr vert="horz" wrap="none" lIns="91440" tIns="45720" rIns="91440" bIns="45720" numCol="1" rtlCol="0" anchor="ctr" anchorCtr="0" compatLnSpc="1">
+            <a:prstTxWarp prst="textNoShape">
+              <a:avLst/>
+            </a:prstTxWarp>
+            <a:spAutoFit/>
+          </a:bodyPr>
+          <a:lstStyle>
+            <a:lvl1pPr algn="ctr" defTabSz="914400" rtl="0" eaLnBrk="1" latinLnBrk="1" hangingPunct="1">
+              <a:lnSpc>
+                <a:spcPct val="90000"/>
+              </a:lnSpc>
+              <a:spcBef>
+                <a:spcPct val="0"/>
+              </a:spcBef>
+              <a:buNone/>
+              <a:defRPr sz="6000" kern="1200">
+                <a:solidFill>
+                  <a:schemeClr val="tx1"/>
+                </a:solidFill>
+                <a:latin typeface="+mj-lt"/>
+                <a:ea typeface="+mj-ea"/>
+                <a:cs typeface="+mj-cs"/>
+              </a:defRPr>
+            </a:lvl1pPr>
+          </a:lstStyle>
+          <a:p>
+            <a:pPr algn="l" eaLnBrk="0" fontAlgn="base" latinLnBrk="0" hangingPunct="0">
+              <a:lnSpc>
+                <a:spcPct val="100000"/>
+              </a:lnSpc>
+              <a:spcAft>
+                <a:spcPct val="0"/>
+              </a:spcAft>
+            </a:pPr>
+            <a:r>
+              <a:rPr lang="en-US" altLang="ko-KR" sz="1600" b="1" smtClean="0">
+                <a:solidFill>
+                  <a:schemeClr val="tx1">
+                    <a:lumMod val="50000"/>
+                    <a:lumOff val="50000"/>
+                  </a:schemeClr>
+                </a:solidFill>
+                <a:latin typeface="Arial" panose="020B0604020202020204" pitchFamily="34" charset="0"/>
+                <a:cs typeface="Arial" panose="020B0604020202020204" pitchFamily="34" charset="0"/>
+              </a:rPr>
+              <a:t>Challenge</a:t>
+            </a:r>
+            <a:endParaRPr lang="ko-KR" altLang="ko-KR" sz="1600">
+              <a:solidFill>
+                <a:schemeClr val="tx1">
+                  <a:lumMod val="50000"/>
+                  <a:lumOff val="50000"/>
+                </a:schemeClr>
+              </a:solidFill>
+              <a:latin typeface="Arial" panose="020B0604020202020204" pitchFamily="34" charset="0"/>
+              <a:cs typeface="Arial" panose="020B0604020202020204" pitchFamily="34" charset="0"/>
+            </a:endParaRPr>
+          </a:p>
+        </p:txBody>
+      </p:sp>
+      <p:sp>
+        <p:nvSpPr>
+          <p:cNvPr id="2" name="슬라이드 번호 개체 틀 1"/>
+          <p:cNvSpPr>
+            <a:spLocks noGrp="1"/>
+          </p:cNvSpPr>
+          <p:nvPr>
+            <p:ph type="sldNum" sz="quarter" idx="12"/>
+          </p:nvPr>
+        </p:nvSpPr>
+        <p:spPr/>
+        <p:txBody>
+          <a:bodyPr/>
+          <a:lstStyle/>
+          <a:p>
+            <a:fld id="{9D5625A4-ACAF-42E4-A765-CDD0F5B0771F}" type="slidenum">
+              <a:rPr lang="ko-KR" altLang="en-US" smtClean="0"/>
+              <a:t>16</a:t>
+            </a:fld>
+            <a:endParaRPr lang="ko-KR" altLang="en-US"/>
+          </a:p>
+        </p:txBody>
+      </p:sp>
+      <p:sp>
+        <p:nvSpPr>
+          <p:cNvPr id="10" name="Rectangle 1"/>
+          <p:cNvSpPr txBox="1">
+            <a:spLocks noChangeArrowheads="1"/>
+          </p:cNvSpPr>
+          <p:nvPr/>
+        </p:nvSpPr>
+        <p:spPr bwMode="auto">
+          <a:xfrm>
+            <a:off x="6477844" y="6400412"/>
+            <a:ext cx="4475328" cy="276999"/>
+          </a:xfrm>
+          <a:prstGeom prst="rect">
+            <a:avLst/>
+          </a:prstGeom>
+          <a:noFill/>
+          <a:ln>
+            <a:noFill/>
+          </a:ln>
+          <a:effectLst/>
+          <a:extLst>
+            <a:ext uri="{909E8E84-426E-40DD-AFC4-6F175D3DCCD1}">
+              <a14:hiddenFill xmlns:a14="http://schemas.microsoft.com/office/drawing/2010/main">
+                <a:solidFill>
+                  <a:schemeClr val="accent1"/>
+                </a:solidFill>
+              </a14:hiddenFill>
+            </a:ext>
+            <a:ext uri="{91240B29-F687-4F45-9708-019B960494DF}">
+              <a14:hiddenLine xmlns:a14="http://schemas.microsoft.com/office/drawing/2010/main" w="9525">
+                <a:solidFill>
+                  <a:schemeClr val="tx1"/>
+                </a:solidFill>
+                <a:miter lim="800000"/>
+                <a:headEnd/>
+                <a:tailEnd/>
+              </a14:hiddenLine>
+            </a:ext>
+            <a:ext uri="{AF507438-7753-43E0-B8FC-AC1667EBCBE1}">
+              <a14:hiddenEffects xmlns:a14="http://schemas.microsoft.com/office/drawing/2010/main">
+                <a:effectLst>
+                  <a:outerShdw dist="35921" dir="2700000" algn="ctr" rotWithShape="0">
+                    <a:schemeClr val="bg2"/>
+                  </a:outerShdw>
+                </a:effectLst>
+              </a14:hiddenEffects>
+            </a:ext>
+          </a:extLst>
+        </p:spPr>
+        <p:txBody>
+          <a:bodyPr vert="horz" wrap="none" lIns="91440" tIns="45720" rIns="91440" bIns="45720" numCol="1" rtlCol="0" anchor="ctr" anchorCtr="0" compatLnSpc="1">
+            <a:prstTxWarp prst="textNoShape">
+              <a:avLst/>
+            </a:prstTxWarp>
+            <a:spAutoFit/>
+          </a:bodyPr>
+          <a:lstStyle>
+            <a:lvl1pPr algn="ctr" defTabSz="914400" rtl="0" eaLnBrk="1" latinLnBrk="1" hangingPunct="1">
+              <a:lnSpc>
+                <a:spcPct val="90000"/>
+              </a:lnSpc>
+              <a:spcBef>
+                <a:spcPct val="0"/>
+              </a:spcBef>
+              <a:buNone/>
+              <a:defRPr sz="6000" kern="1200">
+                <a:solidFill>
+                  <a:schemeClr val="tx1"/>
+                </a:solidFill>
+                <a:latin typeface="+mj-lt"/>
+                <a:ea typeface="+mj-ea"/>
+                <a:cs typeface="+mj-cs"/>
+              </a:defRPr>
+            </a:lvl1pPr>
+          </a:lstStyle>
+          <a:p>
+            <a:pPr algn="l" eaLnBrk="0" fontAlgn="base" latinLnBrk="0" hangingPunct="0">
+              <a:lnSpc>
+                <a:spcPct val="100000"/>
+              </a:lnSpc>
+              <a:spcAft>
+                <a:spcPct val="0"/>
+              </a:spcAft>
+            </a:pPr>
+            <a:r>
+              <a:rPr lang="en-US" altLang="ko-KR" sz="1200" smtClean="0">
+                <a:solidFill>
+                  <a:schemeClr val="tx1">
+                    <a:lumMod val="50000"/>
+                    <a:lumOff val="50000"/>
+                  </a:schemeClr>
+                </a:solidFill>
+                <a:latin typeface="Arial" panose="020B0604020202020204" pitchFamily="34" charset="0"/>
+                <a:cs typeface="Arial" panose="020B0604020202020204" pitchFamily="34" charset="0"/>
+              </a:rPr>
+              <a:t>Up and Running with </a:t>
+            </a:r>
+            <a:r>
+              <a:rPr lang="en-US" altLang="ko-KR" sz="1200" err="1" smtClean="0">
+                <a:solidFill>
+                  <a:schemeClr val="tx1">
+                    <a:lumMod val="50000"/>
+                    <a:lumOff val="50000"/>
+                  </a:schemeClr>
+                </a:solidFill>
+                <a:latin typeface="Arial" panose="020B0604020202020204" pitchFamily="34" charset="0"/>
+                <a:cs typeface="Arial" panose="020B0604020202020204" pitchFamily="34" charset="0"/>
+              </a:rPr>
+              <a:t>TensorFlow</a:t>
+            </a:r>
+            <a:r>
+              <a:rPr lang="en-US" altLang="ko-KR" sz="1200" smtClean="0">
+                <a:solidFill>
+                  <a:schemeClr val="tx1">
+                    <a:lumMod val="50000"/>
+                    <a:lumOff val="50000"/>
+                  </a:schemeClr>
+                </a:solidFill>
+                <a:latin typeface="Arial" panose="020B0604020202020204" pitchFamily="34" charset="0"/>
+                <a:cs typeface="Arial" panose="020B0604020202020204" pitchFamily="34" charset="0"/>
+              </a:rPr>
+              <a:t> in Deep Learning Conference</a:t>
+            </a:r>
+            <a:endParaRPr lang="ko-KR" altLang="ko-KR" sz="1200">
+              <a:solidFill>
+                <a:schemeClr val="tx1">
+                  <a:lumMod val="50000"/>
+                  <a:lumOff val="50000"/>
+                </a:schemeClr>
+              </a:solidFill>
+              <a:latin typeface="Arial" panose="020B0604020202020204" pitchFamily="34" charset="0"/>
+              <a:cs typeface="Arial" panose="020B0604020202020204" pitchFamily="34" charset="0"/>
+            </a:endParaRPr>
+          </a:p>
+        </p:txBody>
+      </p:sp>
+      <p:sp>
+        <p:nvSpPr>
+          <p:cNvPr id="16" name="Rectangle 4"/>
+          <p:cNvSpPr>
+            <a:spLocks noGrp="1" noChangeArrowheads="1"/>
+          </p:cNvSpPr>
+          <p:nvPr>
+            <p:ph type="ctrTitle"/>
+          </p:nvPr>
+        </p:nvSpPr>
+        <p:spPr bwMode="auto">
+          <a:xfrm>
+            <a:off x="970443" y="2684652"/>
+            <a:ext cx="10255355" cy="611115"/>
+          </a:xfrm>
+          <a:prstGeom prst="rect">
+            <a:avLst/>
+          </a:prstGeom>
+          <a:noFill/>
+          <a:ln>
+            <a:noFill/>
+          </a:ln>
+          <a:effectLst/>
+          <a:extLst>
+            <a:ext uri="{909E8E84-426E-40DD-AFC4-6F175D3DCCD1}">
+              <a14:hiddenFill xmlns:a14="http://schemas.microsoft.com/office/drawing/2010/main">
+                <a:solidFill>
+                  <a:schemeClr val="accent1"/>
+                </a:solidFill>
+              </a14:hiddenFill>
+            </a:ext>
+            <a:ext uri="{91240B29-F687-4F45-9708-019B960494DF}">
+              <a14:hiddenLine xmlns:a14="http://schemas.microsoft.com/office/drawing/2010/main" w="9525">
+                <a:solidFill>
+                  <a:schemeClr val="tx1"/>
+                </a:solidFill>
+                <a:miter lim="800000"/>
+                <a:headEnd/>
+                <a:tailEnd/>
+              </a14:hiddenLine>
+            </a:ext>
+            <a:ext uri="{AF507438-7753-43E0-B8FC-AC1667EBCBE1}">
+              <a14:hiddenEffects xmlns:a14="http://schemas.microsoft.com/office/drawing/2010/main">
+                <a:effectLst>
+                  <a:outerShdw dist="35921" dir="2700000" algn="ctr" rotWithShape="0">
+                    <a:schemeClr val="bg2"/>
+                  </a:outerShdw>
+                </a:effectLst>
+              </a14:hiddenEffects>
+            </a:ext>
+          </a:extLst>
+        </p:spPr>
+        <p:txBody>
+          <a:bodyPr vert="horz" wrap="square" lIns="91440" tIns="45720" rIns="91440" bIns="45720" numCol="1" anchor="ctr" anchorCtr="0" compatLnSpc="1">
+            <a:prstTxWarp prst="textNoShape">
+              <a:avLst/>
+            </a:prstTxWarp>
+            <a:noAutofit/>
+          </a:bodyPr>
+          <a:lstStyle/>
+          <a:p>
+            <a:pPr marL="285750" lvl="0" indent="-285750" algn="l" eaLnBrk="0" fontAlgn="base" latinLnBrk="0" hangingPunct="0">
+              <a:lnSpc>
+                <a:spcPct val="100000"/>
+              </a:lnSpc>
+              <a:spcAft>
+                <a:spcPct val="0"/>
+              </a:spcAft>
+              <a:buFont typeface="Arial" panose="020B0604020202020204" pitchFamily="34" charset="0"/>
+              <a:buChar char="•"/>
+            </a:pPr>
+            <a:r>
+              <a:rPr lang="en-US" altLang="ko-KR" sz="1800" smtClean="0">
+                <a:latin typeface="Arial" panose="020B0604020202020204" pitchFamily="34" charset="0"/>
+                <a:cs typeface="Arial" panose="020B0604020202020204" pitchFamily="34" charset="0"/>
+              </a:rPr>
+              <a:t>Open and challenge `</a:t>
+            </a:r>
+            <a:r>
+              <a:rPr lang="en-US" altLang="ko-KR" sz="1800" b="1" smtClean="0">
+                <a:latin typeface="Arial" panose="020B0604020202020204" pitchFamily="34" charset="0"/>
+                <a:cs typeface="Arial" panose="020B0604020202020204" pitchFamily="34" charset="0"/>
+              </a:rPr>
+              <a:t>Ch1. Variables.ipynb</a:t>
+            </a:r>
+            <a:r>
+              <a:rPr lang="en-US" altLang="ko-KR" sz="1800" smtClean="0">
+                <a:latin typeface="Arial" panose="020B0604020202020204" pitchFamily="34" charset="0"/>
+                <a:cs typeface="Arial" panose="020B0604020202020204" pitchFamily="34" charset="0"/>
+              </a:rPr>
+              <a:t>`.</a:t>
+            </a:r>
+            <a:endParaRPr lang="ko-KR" altLang="ko-KR" sz="1800">
+              <a:latin typeface="Arial" panose="020B0604020202020204" pitchFamily="34" charset="0"/>
+              <a:cs typeface="Arial" panose="020B0604020202020204" pitchFamily="34" charset="0"/>
+            </a:endParaRPr>
+          </a:p>
+        </p:txBody>
+      </p:sp>
+    </p:spTree>
+    <p:extLst>
+      <p:ext uri="{BB962C8B-B14F-4D97-AF65-F5344CB8AC3E}">
+        <p14:creationId xmlns:p14="http://schemas.microsoft.com/office/powerpoint/2010/main" val="3191759094"/>
+      </p:ext>
+    </p:extLst>
+  </p:cSld>
+  <p:clrMapOvr>
+    <a:masterClrMapping/>
+  </p:clrMapOvr>
+  <p:timing>
+    <p:tnLst>
+      <p:par>
+        <p:cTn id="1" dur="indefinite" restart="never" nodeType="tmRoot"/>
+      </p:par>
+    </p:tnLst>
+  </p:timing>
+</p:sld>
+</file>
+
+<file path=ppt/slides/slide17.xml><?xml version="1.0" encoding="utf-8"?>
 <p:sld xmlns:a="http://schemas.openxmlformats.org/drawingml/2006/main" xmlns:r="http://schemas.openxmlformats.org/officeDocument/2006/relationships" xmlns:p="http://schemas.openxmlformats.org/presentationml/2006/main">
   <p:cSld>
     <p:spTree>
@@ -9484,7 +11742,7 @@
           <a:p>
             <a:fld id="{9D5625A4-ACAF-42E4-A765-CDD0F5B0771F}" type="slidenum">
               <a:rPr lang="ko-KR" altLang="en-US" smtClean="0"/>
-              <a:t>14</a:t>
+              <a:t>17</a:t>
             </a:fld>
             <a:endParaRPr lang="ko-KR" altLang="en-US"/>
           </a:p>
@@ -9792,7 +12050,7 @@
 </p:sld>
 </file>
 
-<file path=ppt/slides/slide15.xml><?xml version="1.0" encoding="utf-8"?>
+<file path=ppt/slides/slide18.xml><?xml version="1.0" encoding="utf-8"?>
 <p:sld xmlns:a="http://schemas.openxmlformats.org/drawingml/2006/main" xmlns:r="http://schemas.openxmlformats.org/officeDocument/2006/relationships" xmlns:p="http://schemas.openxmlformats.org/presentationml/2006/main">
   <p:cSld>
     <p:spTree>
@@ -10142,7 +12400,7 @@
           <a:p>
             <a:fld id="{9D5625A4-ACAF-42E4-A765-CDD0F5B0771F}" type="slidenum">
               <a:rPr lang="ko-KR" altLang="en-US" smtClean="0"/>
-              <a:t>15</a:t>
+              <a:t>18</a:t>
             </a:fld>
             <a:endParaRPr lang="ko-KR" altLang="en-US"/>
           </a:p>
@@ -10376,7 +12634,7 @@
 </p:sld>
 </file>
 
-<file path=ppt/slides/slide16.xml><?xml version="1.0" encoding="utf-8"?>
+<file path=ppt/slides/slide19.xml><?xml version="1.0" encoding="utf-8"?>
 <p:sld xmlns:a="http://schemas.openxmlformats.org/drawingml/2006/main" xmlns:r="http://schemas.openxmlformats.org/officeDocument/2006/relationships" xmlns:p="http://schemas.openxmlformats.org/presentationml/2006/main">
   <p:cSld>
     <p:spTree>
@@ -10948,7 +13206,7 @@
           <a:p>
             <a:fld id="{9D5625A4-ACAF-42E4-A765-CDD0F5B0771F}" type="slidenum">
               <a:rPr lang="ko-KR" altLang="en-US" smtClean="0"/>
-              <a:t>16</a:t>
+              <a:t>19</a:t>
             </a:fld>
             <a:endParaRPr lang="ko-KR" altLang="en-US"/>
           </a:p>
@@ -11111,7 +13369,1168 @@
 </p:sld>
 </file>
 
-<file path=ppt/slides/slide17.xml><?xml version="1.0" encoding="utf-8"?>
+<file path=ppt/slides/slide2.xml><?xml version="1.0" encoding="utf-8"?>
+<p:sld xmlns:a="http://schemas.openxmlformats.org/drawingml/2006/main" xmlns:r="http://schemas.openxmlformats.org/officeDocument/2006/relationships" xmlns:p="http://schemas.openxmlformats.org/presentationml/2006/main">
+  <p:cSld>
+    <p:spTree>
+      <p:nvGrpSpPr>
+        <p:cNvPr id="1" name=""/>
+        <p:cNvGrpSpPr/>
+        <p:nvPr/>
+      </p:nvGrpSpPr>
+      <p:grpSpPr>
+        <a:xfrm>
+          <a:off x="0" y="0"/>
+          <a:ext cx="0" cy="0"/>
+          <a:chOff x="0" y="0"/>
+          <a:chExt cx="0" cy="0"/>
+        </a:xfrm>
+      </p:grpSpPr>
+      <p:sp>
+        <p:nvSpPr>
+          <p:cNvPr id="5" name="Rectangle 1"/>
+          <p:cNvSpPr txBox="1">
+            <a:spLocks noChangeArrowheads="1"/>
+          </p:cNvSpPr>
+          <p:nvPr/>
+        </p:nvSpPr>
+        <p:spPr bwMode="auto">
+          <a:xfrm>
+            <a:off x="515425" y="200413"/>
+            <a:ext cx="2428870" cy="338554"/>
+          </a:xfrm>
+          <a:prstGeom prst="rect">
+            <a:avLst/>
+          </a:prstGeom>
+          <a:noFill/>
+          <a:ln>
+            <a:noFill/>
+          </a:ln>
+          <a:effectLst/>
+          <a:extLst>
+            <a:ext uri="{909E8E84-426E-40DD-AFC4-6F175D3DCCD1}">
+              <a14:hiddenFill xmlns:a14="http://schemas.microsoft.com/office/drawing/2010/main">
+                <a:solidFill>
+                  <a:schemeClr val="accent1"/>
+                </a:solidFill>
+              </a14:hiddenFill>
+            </a:ext>
+            <a:ext uri="{91240B29-F687-4F45-9708-019B960494DF}">
+              <a14:hiddenLine xmlns:a14="http://schemas.microsoft.com/office/drawing/2010/main" w="9525">
+                <a:solidFill>
+                  <a:schemeClr val="tx1"/>
+                </a:solidFill>
+                <a:miter lim="800000"/>
+                <a:headEnd/>
+                <a:tailEnd/>
+              </a14:hiddenLine>
+            </a:ext>
+            <a:ext uri="{AF507438-7753-43E0-B8FC-AC1667EBCBE1}">
+              <a14:hiddenEffects xmlns:a14="http://schemas.microsoft.com/office/drawing/2010/main">
+                <a:effectLst>
+                  <a:outerShdw dist="35921" dir="2700000" algn="ctr" rotWithShape="0">
+                    <a:schemeClr val="bg2"/>
+                  </a:outerShdw>
+                </a:effectLst>
+              </a14:hiddenEffects>
+            </a:ext>
+          </a:extLst>
+        </p:spPr>
+        <p:txBody>
+          <a:bodyPr vert="horz" wrap="none" lIns="91440" tIns="45720" rIns="91440" bIns="45720" numCol="1" rtlCol="0" anchor="ctr" anchorCtr="0" compatLnSpc="1">
+            <a:prstTxWarp prst="textNoShape">
+              <a:avLst/>
+            </a:prstTxWarp>
+            <a:spAutoFit/>
+          </a:bodyPr>
+          <a:lstStyle>
+            <a:lvl1pPr algn="ctr" defTabSz="914400" rtl="0" eaLnBrk="1" latinLnBrk="1" hangingPunct="1">
+              <a:lnSpc>
+                <a:spcPct val="90000"/>
+              </a:lnSpc>
+              <a:spcBef>
+                <a:spcPct val="0"/>
+              </a:spcBef>
+              <a:buNone/>
+              <a:defRPr sz="6000" kern="1200">
+                <a:solidFill>
+                  <a:schemeClr val="tx1"/>
+                </a:solidFill>
+                <a:latin typeface="+mj-lt"/>
+                <a:ea typeface="+mj-ea"/>
+                <a:cs typeface="+mj-cs"/>
+              </a:defRPr>
+            </a:lvl1pPr>
+          </a:lstStyle>
+          <a:p>
+            <a:pPr algn="l" eaLnBrk="0" fontAlgn="base" latinLnBrk="0" hangingPunct="0">
+              <a:lnSpc>
+                <a:spcPct val="100000"/>
+              </a:lnSpc>
+              <a:spcAft>
+                <a:spcPct val="0"/>
+              </a:spcAft>
+            </a:pPr>
+            <a:r>
+              <a:rPr lang="en-US" altLang="ko-KR" sz="1600" b="1" smtClean="0">
+                <a:solidFill>
+                  <a:schemeClr val="tx1">
+                    <a:lumMod val="50000"/>
+                    <a:lumOff val="50000"/>
+                  </a:schemeClr>
+                </a:solidFill>
+                <a:latin typeface="Arial" panose="020B0604020202020204" pitchFamily="34" charset="0"/>
+                <a:cs typeface="Arial" panose="020B0604020202020204" pitchFamily="34" charset="0"/>
+              </a:rPr>
+              <a:t>Deep Learning Hurdles</a:t>
+            </a:r>
+            <a:endParaRPr lang="ko-KR" altLang="ko-KR" sz="1600">
+              <a:solidFill>
+                <a:schemeClr val="tx1">
+                  <a:lumMod val="50000"/>
+                  <a:lumOff val="50000"/>
+                </a:schemeClr>
+              </a:solidFill>
+              <a:latin typeface="Arial" panose="020B0604020202020204" pitchFamily="34" charset="0"/>
+              <a:cs typeface="Arial" panose="020B0604020202020204" pitchFamily="34" charset="0"/>
+            </a:endParaRPr>
+          </a:p>
+        </p:txBody>
+      </p:sp>
+      <p:sp>
+        <p:nvSpPr>
+          <p:cNvPr id="6" name="Rectangle 1"/>
+          <p:cNvSpPr txBox="1">
+            <a:spLocks noChangeArrowheads="1"/>
+          </p:cNvSpPr>
+          <p:nvPr/>
+        </p:nvSpPr>
+        <p:spPr bwMode="auto">
+          <a:xfrm>
+            <a:off x="6477844" y="6400412"/>
+            <a:ext cx="4475328" cy="276999"/>
+          </a:xfrm>
+          <a:prstGeom prst="rect">
+            <a:avLst/>
+          </a:prstGeom>
+          <a:noFill/>
+          <a:ln>
+            <a:noFill/>
+          </a:ln>
+          <a:effectLst/>
+          <a:extLst>
+            <a:ext uri="{909E8E84-426E-40DD-AFC4-6F175D3DCCD1}">
+              <a14:hiddenFill xmlns:a14="http://schemas.microsoft.com/office/drawing/2010/main">
+                <a:solidFill>
+                  <a:schemeClr val="accent1"/>
+                </a:solidFill>
+              </a14:hiddenFill>
+            </a:ext>
+            <a:ext uri="{91240B29-F687-4F45-9708-019B960494DF}">
+              <a14:hiddenLine xmlns:a14="http://schemas.microsoft.com/office/drawing/2010/main" w="9525">
+                <a:solidFill>
+                  <a:schemeClr val="tx1"/>
+                </a:solidFill>
+                <a:miter lim="800000"/>
+                <a:headEnd/>
+                <a:tailEnd/>
+              </a14:hiddenLine>
+            </a:ext>
+            <a:ext uri="{AF507438-7753-43E0-B8FC-AC1667EBCBE1}">
+              <a14:hiddenEffects xmlns:a14="http://schemas.microsoft.com/office/drawing/2010/main">
+                <a:effectLst>
+                  <a:outerShdw dist="35921" dir="2700000" algn="ctr" rotWithShape="0">
+                    <a:schemeClr val="bg2"/>
+                  </a:outerShdw>
+                </a:effectLst>
+              </a14:hiddenEffects>
+            </a:ext>
+          </a:extLst>
+        </p:spPr>
+        <p:txBody>
+          <a:bodyPr vert="horz" wrap="none" lIns="91440" tIns="45720" rIns="91440" bIns="45720" numCol="1" rtlCol="0" anchor="ctr" anchorCtr="0" compatLnSpc="1">
+            <a:prstTxWarp prst="textNoShape">
+              <a:avLst/>
+            </a:prstTxWarp>
+            <a:spAutoFit/>
+          </a:bodyPr>
+          <a:lstStyle>
+            <a:lvl1pPr algn="ctr" defTabSz="914400" rtl="0" eaLnBrk="1" latinLnBrk="1" hangingPunct="1">
+              <a:lnSpc>
+                <a:spcPct val="90000"/>
+              </a:lnSpc>
+              <a:spcBef>
+                <a:spcPct val="0"/>
+              </a:spcBef>
+              <a:buNone/>
+              <a:defRPr sz="6000" kern="1200">
+                <a:solidFill>
+                  <a:schemeClr val="tx1"/>
+                </a:solidFill>
+                <a:latin typeface="+mj-lt"/>
+                <a:ea typeface="+mj-ea"/>
+                <a:cs typeface="+mj-cs"/>
+              </a:defRPr>
+            </a:lvl1pPr>
+          </a:lstStyle>
+          <a:p>
+            <a:pPr algn="l" eaLnBrk="0" fontAlgn="base" latinLnBrk="0" hangingPunct="0">
+              <a:lnSpc>
+                <a:spcPct val="100000"/>
+              </a:lnSpc>
+              <a:spcAft>
+                <a:spcPct val="0"/>
+              </a:spcAft>
+            </a:pPr>
+            <a:r>
+              <a:rPr lang="en-US" altLang="ko-KR" sz="1200" smtClean="0">
+                <a:solidFill>
+                  <a:schemeClr val="tx1">
+                    <a:lumMod val="50000"/>
+                    <a:lumOff val="50000"/>
+                  </a:schemeClr>
+                </a:solidFill>
+                <a:latin typeface="Arial" panose="020B0604020202020204" pitchFamily="34" charset="0"/>
+                <a:cs typeface="Arial" panose="020B0604020202020204" pitchFamily="34" charset="0"/>
+              </a:rPr>
+              <a:t>Up and Running with </a:t>
+            </a:r>
+            <a:r>
+              <a:rPr lang="en-US" altLang="ko-KR" sz="1200" err="1" smtClean="0">
+                <a:solidFill>
+                  <a:schemeClr val="tx1">
+                    <a:lumMod val="50000"/>
+                    <a:lumOff val="50000"/>
+                  </a:schemeClr>
+                </a:solidFill>
+                <a:latin typeface="Arial" panose="020B0604020202020204" pitchFamily="34" charset="0"/>
+                <a:cs typeface="Arial" panose="020B0604020202020204" pitchFamily="34" charset="0"/>
+              </a:rPr>
+              <a:t>TensorFlow</a:t>
+            </a:r>
+            <a:r>
+              <a:rPr lang="en-US" altLang="ko-KR" sz="1200" smtClean="0">
+                <a:solidFill>
+                  <a:schemeClr val="tx1">
+                    <a:lumMod val="50000"/>
+                    <a:lumOff val="50000"/>
+                  </a:schemeClr>
+                </a:solidFill>
+                <a:latin typeface="Arial" panose="020B0604020202020204" pitchFamily="34" charset="0"/>
+                <a:cs typeface="Arial" panose="020B0604020202020204" pitchFamily="34" charset="0"/>
+              </a:rPr>
+              <a:t> in Deep Learning Conference</a:t>
+            </a:r>
+            <a:endParaRPr lang="ko-KR" altLang="ko-KR" sz="1200">
+              <a:solidFill>
+                <a:schemeClr val="tx1">
+                  <a:lumMod val="50000"/>
+                  <a:lumOff val="50000"/>
+                </a:schemeClr>
+              </a:solidFill>
+              <a:latin typeface="Arial" panose="020B0604020202020204" pitchFamily="34" charset="0"/>
+              <a:cs typeface="Arial" panose="020B0604020202020204" pitchFamily="34" charset="0"/>
+            </a:endParaRPr>
+          </a:p>
+        </p:txBody>
+      </p:sp>
+      <p:sp>
+        <p:nvSpPr>
+          <p:cNvPr id="9" name="Rectangle 4"/>
+          <p:cNvSpPr>
+            <a:spLocks noGrp="1" noChangeArrowheads="1"/>
+          </p:cNvSpPr>
+          <p:nvPr>
+            <p:ph type="ctrTitle"/>
+          </p:nvPr>
+        </p:nvSpPr>
+        <p:spPr bwMode="auto">
+          <a:xfrm>
+            <a:off x="1033703" y="1396440"/>
+            <a:ext cx="10255355" cy="611115"/>
+          </a:xfrm>
+          <a:prstGeom prst="rect">
+            <a:avLst/>
+          </a:prstGeom>
+          <a:noFill/>
+          <a:ln>
+            <a:noFill/>
+          </a:ln>
+          <a:effectLst/>
+          <a:extLst>
+            <a:ext uri="{909E8E84-426E-40DD-AFC4-6F175D3DCCD1}">
+              <a14:hiddenFill xmlns:a14="http://schemas.microsoft.com/office/drawing/2010/main">
+                <a:solidFill>
+                  <a:schemeClr val="accent1"/>
+                </a:solidFill>
+              </a14:hiddenFill>
+            </a:ext>
+            <a:ext uri="{91240B29-F687-4F45-9708-019B960494DF}">
+              <a14:hiddenLine xmlns:a14="http://schemas.microsoft.com/office/drawing/2010/main" w="9525">
+                <a:solidFill>
+                  <a:schemeClr val="tx1"/>
+                </a:solidFill>
+                <a:miter lim="800000"/>
+                <a:headEnd/>
+                <a:tailEnd/>
+              </a14:hiddenLine>
+            </a:ext>
+            <a:ext uri="{AF507438-7753-43E0-B8FC-AC1667EBCBE1}">
+              <a14:hiddenEffects xmlns:a14="http://schemas.microsoft.com/office/drawing/2010/main">
+                <a:effectLst>
+                  <a:outerShdw dist="35921" dir="2700000" algn="ctr" rotWithShape="0">
+                    <a:schemeClr val="bg2"/>
+                  </a:outerShdw>
+                </a:effectLst>
+              </a14:hiddenEffects>
+            </a:ext>
+          </a:extLst>
+        </p:spPr>
+        <p:txBody>
+          <a:bodyPr vert="horz" wrap="square" lIns="91440" tIns="45720" rIns="91440" bIns="45720" numCol="1" anchor="ctr" anchorCtr="0" compatLnSpc="1">
+            <a:prstTxWarp prst="textNoShape">
+              <a:avLst/>
+            </a:prstTxWarp>
+            <a:noAutofit/>
+          </a:bodyPr>
+          <a:lstStyle/>
+          <a:p>
+            <a:pPr marL="285750" marR="0" lvl="0" indent="-285750" algn="l" defTabSz="914400" rtl="0" eaLnBrk="0" fontAlgn="base" latinLnBrk="0" hangingPunct="0">
+              <a:lnSpc>
+                <a:spcPct val="100000"/>
+              </a:lnSpc>
+              <a:spcBef>
+                <a:spcPct val="0"/>
+              </a:spcBef>
+              <a:spcAft>
+                <a:spcPct val="0"/>
+              </a:spcAft>
+              <a:buClrTx/>
+              <a:buSzTx/>
+              <a:buFont typeface="Arial" panose="020B0604020202020204" pitchFamily="34" charset="0"/>
+              <a:buChar char="•"/>
+              <a:tabLst/>
+            </a:pPr>
+            <a:r>
+              <a:rPr kumimoji="0" lang="en-US" altLang="ko-KR" sz="1800" b="0" i="0" u="none" strike="noStrike" cap="none" normalizeH="0" baseline="0" smtClean="0">
+                <a:ln>
+                  <a:noFill/>
+                </a:ln>
+                <a:solidFill>
+                  <a:schemeClr val="tx1"/>
+                </a:solidFill>
+                <a:effectLst/>
+                <a:latin typeface="Arial" panose="020B0604020202020204" pitchFamily="34" charset="0"/>
+              </a:rPr>
+              <a:t>Theories (Back-prop, activation, normalization, …)</a:t>
+            </a:r>
+            <a:endParaRPr kumimoji="0" lang="ko-KR" altLang="ko-KR" sz="1800" b="0" i="0" u="none" strike="noStrike" cap="none" normalizeH="0" baseline="0" smtClean="0">
+              <a:ln>
+                <a:noFill/>
+              </a:ln>
+              <a:solidFill>
+                <a:schemeClr val="tx1"/>
+              </a:solidFill>
+              <a:effectLst/>
+              <a:latin typeface="Arial" panose="020B0604020202020204" pitchFamily="34" charset="0"/>
+            </a:endParaRPr>
+          </a:p>
+        </p:txBody>
+      </p:sp>
+      <p:sp>
+        <p:nvSpPr>
+          <p:cNvPr id="8" name="Rectangle 4"/>
+          <p:cNvSpPr txBox="1">
+            <a:spLocks noChangeArrowheads="1"/>
+          </p:cNvSpPr>
+          <p:nvPr/>
+        </p:nvSpPr>
+        <p:spPr bwMode="auto">
+          <a:xfrm>
+            <a:off x="1033703" y="2037328"/>
+            <a:ext cx="10255355" cy="611115"/>
+          </a:xfrm>
+          <a:prstGeom prst="rect">
+            <a:avLst/>
+          </a:prstGeom>
+          <a:noFill/>
+          <a:ln>
+            <a:noFill/>
+          </a:ln>
+          <a:effectLst/>
+          <a:extLst>
+            <a:ext uri="{909E8E84-426E-40DD-AFC4-6F175D3DCCD1}">
+              <a14:hiddenFill xmlns:a14="http://schemas.microsoft.com/office/drawing/2010/main">
+                <a:solidFill>
+                  <a:schemeClr val="accent1"/>
+                </a:solidFill>
+              </a14:hiddenFill>
+            </a:ext>
+            <a:ext uri="{91240B29-F687-4F45-9708-019B960494DF}">
+              <a14:hiddenLine xmlns:a14="http://schemas.microsoft.com/office/drawing/2010/main" w="9525">
+                <a:solidFill>
+                  <a:schemeClr val="tx1"/>
+                </a:solidFill>
+                <a:miter lim="800000"/>
+                <a:headEnd/>
+                <a:tailEnd/>
+              </a14:hiddenLine>
+            </a:ext>
+            <a:ext uri="{AF507438-7753-43E0-B8FC-AC1667EBCBE1}">
+              <a14:hiddenEffects xmlns:a14="http://schemas.microsoft.com/office/drawing/2010/main">
+                <a:effectLst>
+                  <a:outerShdw dist="35921" dir="2700000" algn="ctr" rotWithShape="0">
+                    <a:schemeClr val="bg2"/>
+                  </a:outerShdw>
+                </a:effectLst>
+              </a14:hiddenEffects>
+            </a:ext>
+          </a:extLst>
+        </p:spPr>
+        <p:txBody>
+          <a:bodyPr vert="horz" wrap="square" lIns="91440" tIns="45720" rIns="91440" bIns="45720" numCol="1" rtlCol="0" anchor="ctr" anchorCtr="0" compatLnSpc="1">
+            <a:prstTxWarp prst="textNoShape">
+              <a:avLst/>
+            </a:prstTxWarp>
+            <a:noAutofit/>
+          </a:bodyPr>
+          <a:lstStyle>
+            <a:lvl1pPr algn="ctr" defTabSz="914400" rtl="0" eaLnBrk="1" latinLnBrk="1" hangingPunct="1">
+              <a:lnSpc>
+                <a:spcPct val="90000"/>
+              </a:lnSpc>
+              <a:spcBef>
+                <a:spcPct val="0"/>
+              </a:spcBef>
+              <a:buNone/>
+              <a:defRPr sz="6000" kern="1200">
+                <a:solidFill>
+                  <a:schemeClr val="tx1"/>
+                </a:solidFill>
+                <a:latin typeface="+mj-lt"/>
+                <a:ea typeface="+mj-ea"/>
+                <a:cs typeface="+mj-cs"/>
+              </a:defRPr>
+            </a:lvl1pPr>
+          </a:lstStyle>
+          <a:p>
+            <a:pPr marL="285750" indent="-285750" algn="l" eaLnBrk="0" fontAlgn="base" latinLnBrk="0" hangingPunct="0">
+              <a:lnSpc>
+                <a:spcPct val="100000"/>
+              </a:lnSpc>
+              <a:spcAft>
+                <a:spcPct val="0"/>
+              </a:spcAft>
+              <a:buFont typeface="Arial" panose="020B0604020202020204" pitchFamily="34" charset="0"/>
+              <a:buChar char="•"/>
+            </a:pPr>
+            <a:r>
+              <a:rPr lang="en-US" altLang="ko-KR" sz="1800" smtClean="0">
+                <a:latin typeface="Arial" panose="020B0604020202020204" pitchFamily="34" charset="0"/>
+              </a:rPr>
+              <a:t>Speed of progression</a:t>
+            </a:r>
+            <a:endParaRPr lang="ko-KR" altLang="ko-KR" sz="1800" smtClean="0">
+              <a:latin typeface="Arial" panose="020B0604020202020204" pitchFamily="34" charset="0"/>
+            </a:endParaRPr>
+          </a:p>
+        </p:txBody>
+      </p:sp>
+      <p:sp>
+        <p:nvSpPr>
+          <p:cNvPr id="13" name="Rectangle 4"/>
+          <p:cNvSpPr txBox="1">
+            <a:spLocks noChangeArrowheads="1"/>
+          </p:cNvSpPr>
+          <p:nvPr/>
+        </p:nvSpPr>
+        <p:spPr bwMode="auto">
+          <a:xfrm>
+            <a:off x="1033703" y="2691640"/>
+            <a:ext cx="10255355" cy="611115"/>
+          </a:xfrm>
+          <a:prstGeom prst="rect">
+            <a:avLst/>
+          </a:prstGeom>
+          <a:noFill/>
+          <a:ln>
+            <a:noFill/>
+          </a:ln>
+          <a:effectLst/>
+          <a:extLst>
+            <a:ext uri="{909E8E84-426E-40DD-AFC4-6F175D3DCCD1}">
+              <a14:hiddenFill xmlns:a14="http://schemas.microsoft.com/office/drawing/2010/main">
+                <a:solidFill>
+                  <a:schemeClr val="accent1"/>
+                </a:solidFill>
+              </a14:hiddenFill>
+            </a:ext>
+            <a:ext uri="{91240B29-F687-4F45-9708-019B960494DF}">
+              <a14:hiddenLine xmlns:a14="http://schemas.microsoft.com/office/drawing/2010/main" w="9525">
+                <a:solidFill>
+                  <a:schemeClr val="tx1"/>
+                </a:solidFill>
+                <a:miter lim="800000"/>
+                <a:headEnd/>
+                <a:tailEnd/>
+              </a14:hiddenLine>
+            </a:ext>
+            <a:ext uri="{AF507438-7753-43E0-B8FC-AC1667EBCBE1}">
+              <a14:hiddenEffects xmlns:a14="http://schemas.microsoft.com/office/drawing/2010/main">
+                <a:effectLst>
+                  <a:outerShdw dist="35921" dir="2700000" algn="ctr" rotWithShape="0">
+                    <a:schemeClr val="bg2"/>
+                  </a:outerShdw>
+                </a:effectLst>
+              </a14:hiddenEffects>
+            </a:ext>
+          </a:extLst>
+        </p:spPr>
+        <p:txBody>
+          <a:bodyPr vert="horz" wrap="square" lIns="91440" tIns="45720" rIns="91440" bIns="45720" numCol="1" rtlCol="0" anchor="ctr" anchorCtr="0" compatLnSpc="1">
+            <a:prstTxWarp prst="textNoShape">
+              <a:avLst/>
+            </a:prstTxWarp>
+            <a:noAutofit/>
+          </a:bodyPr>
+          <a:lstStyle>
+            <a:lvl1pPr algn="ctr" defTabSz="914400" rtl="0" eaLnBrk="1" latinLnBrk="1" hangingPunct="1">
+              <a:lnSpc>
+                <a:spcPct val="90000"/>
+              </a:lnSpc>
+              <a:spcBef>
+                <a:spcPct val="0"/>
+              </a:spcBef>
+              <a:buNone/>
+              <a:defRPr sz="6000" kern="1200">
+                <a:solidFill>
+                  <a:schemeClr val="tx1"/>
+                </a:solidFill>
+                <a:latin typeface="+mj-lt"/>
+                <a:ea typeface="+mj-ea"/>
+                <a:cs typeface="+mj-cs"/>
+              </a:defRPr>
+            </a:lvl1pPr>
+          </a:lstStyle>
+          <a:p>
+            <a:pPr marL="285750" indent="-285750" algn="l" eaLnBrk="0" fontAlgn="base" latinLnBrk="0" hangingPunct="0">
+              <a:lnSpc>
+                <a:spcPct val="100000"/>
+              </a:lnSpc>
+              <a:spcAft>
+                <a:spcPct val="0"/>
+              </a:spcAft>
+              <a:buFont typeface="Arial" panose="020B0604020202020204" pitchFamily="34" charset="0"/>
+              <a:buChar char="•"/>
+            </a:pPr>
+            <a:r>
+              <a:rPr lang="en-US" altLang="ko-KR" sz="1800" smtClean="0">
+                <a:latin typeface="Arial" panose="020B0604020202020204" pitchFamily="34" charset="0"/>
+              </a:rPr>
+              <a:t>Programming skills (Python, NumPy, TensorFlow, Theano, …)</a:t>
+            </a:r>
+            <a:endParaRPr lang="ko-KR" altLang="ko-KR" sz="1800" smtClean="0">
+              <a:latin typeface="Arial" panose="020B0604020202020204" pitchFamily="34" charset="0"/>
+            </a:endParaRPr>
+          </a:p>
+        </p:txBody>
+      </p:sp>
+      <p:sp>
+        <p:nvSpPr>
+          <p:cNvPr id="14" name="Rectangle 4"/>
+          <p:cNvSpPr txBox="1">
+            <a:spLocks noChangeArrowheads="1"/>
+          </p:cNvSpPr>
+          <p:nvPr/>
+        </p:nvSpPr>
+        <p:spPr bwMode="auto">
+          <a:xfrm>
+            <a:off x="1033703" y="3367532"/>
+            <a:ext cx="10255355" cy="611115"/>
+          </a:xfrm>
+          <a:prstGeom prst="rect">
+            <a:avLst/>
+          </a:prstGeom>
+          <a:noFill/>
+          <a:ln>
+            <a:noFill/>
+          </a:ln>
+          <a:effectLst/>
+          <a:extLst>
+            <a:ext uri="{909E8E84-426E-40DD-AFC4-6F175D3DCCD1}">
+              <a14:hiddenFill xmlns:a14="http://schemas.microsoft.com/office/drawing/2010/main">
+                <a:solidFill>
+                  <a:schemeClr val="accent1"/>
+                </a:solidFill>
+              </a14:hiddenFill>
+            </a:ext>
+            <a:ext uri="{91240B29-F687-4F45-9708-019B960494DF}">
+              <a14:hiddenLine xmlns:a14="http://schemas.microsoft.com/office/drawing/2010/main" w="9525">
+                <a:solidFill>
+                  <a:schemeClr val="tx1"/>
+                </a:solidFill>
+                <a:miter lim="800000"/>
+                <a:headEnd/>
+                <a:tailEnd/>
+              </a14:hiddenLine>
+            </a:ext>
+            <a:ext uri="{AF507438-7753-43E0-B8FC-AC1667EBCBE1}">
+              <a14:hiddenEffects xmlns:a14="http://schemas.microsoft.com/office/drawing/2010/main">
+                <a:effectLst>
+                  <a:outerShdw dist="35921" dir="2700000" algn="ctr" rotWithShape="0">
+                    <a:schemeClr val="bg2"/>
+                  </a:outerShdw>
+                </a:effectLst>
+              </a14:hiddenEffects>
+            </a:ext>
+          </a:extLst>
+        </p:spPr>
+        <p:txBody>
+          <a:bodyPr vert="horz" wrap="square" lIns="91440" tIns="45720" rIns="91440" bIns="45720" numCol="1" rtlCol="0" anchor="ctr" anchorCtr="0" compatLnSpc="1">
+            <a:prstTxWarp prst="textNoShape">
+              <a:avLst/>
+            </a:prstTxWarp>
+            <a:noAutofit/>
+          </a:bodyPr>
+          <a:lstStyle>
+            <a:lvl1pPr algn="ctr" defTabSz="914400" rtl="0" eaLnBrk="1" latinLnBrk="1" hangingPunct="1">
+              <a:lnSpc>
+                <a:spcPct val="90000"/>
+              </a:lnSpc>
+              <a:spcBef>
+                <a:spcPct val="0"/>
+              </a:spcBef>
+              <a:buNone/>
+              <a:defRPr sz="6000" kern="1200">
+                <a:solidFill>
+                  <a:schemeClr val="tx1"/>
+                </a:solidFill>
+                <a:latin typeface="+mj-lt"/>
+                <a:ea typeface="+mj-ea"/>
+                <a:cs typeface="+mj-cs"/>
+              </a:defRPr>
+            </a:lvl1pPr>
+          </a:lstStyle>
+          <a:p>
+            <a:pPr marL="285750" indent="-285750" algn="l" eaLnBrk="0" fontAlgn="base" latinLnBrk="0" hangingPunct="0">
+              <a:lnSpc>
+                <a:spcPct val="100000"/>
+              </a:lnSpc>
+              <a:spcAft>
+                <a:spcPct val="0"/>
+              </a:spcAft>
+              <a:buFont typeface="Arial" panose="020B0604020202020204" pitchFamily="34" charset="0"/>
+              <a:buChar char="•"/>
+            </a:pPr>
+            <a:r>
+              <a:rPr lang="en-US" altLang="ko-KR" sz="1800" smtClean="0">
+                <a:latin typeface="Arial" panose="020B0604020202020204" pitchFamily="34" charset="0"/>
+              </a:rPr>
+              <a:t>Math (statistics, probabilities, linear algebra, …)</a:t>
+            </a:r>
+            <a:endParaRPr lang="ko-KR" altLang="ko-KR" sz="1800" smtClean="0">
+              <a:latin typeface="Arial" panose="020B0604020202020204" pitchFamily="34" charset="0"/>
+            </a:endParaRPr>
+          </a:p>
+        </p:txBody>
+      </p:sp>
+      <p:sp>
+        <p:nvSpPr>
+          <p:cNvPr id="16" name="Rectangle 4"/>
+          <p:cNvSpPr txBox="1">
+            <a:spLocks noChangeArrowheads="1"/>
+          </p:cNvSpPr>
+          <p:nvPr/>
+        </p:nvSpPr>
+        <p:spPr bwMode="auto">
+          <a:xfrm>
+            <a:off x="1033703" y="4025849"/>
+            <a:ext cx="10255355" cy="611115"/>
+          </a:xfrm>
+          <a:prstGeom prst="rect">
+            <a:avLst/>
+          </a:prstGeom>
+          <a:noFill/>
+          <a:ln>
+            <a:noFill/>
+          </a:ln>
+          <a:effectLst/>
+          <a:extLst>
+            <a:ext uri="{909E8E84-426E-40DD-AFC4-6F175D3DCCD1}">
+              <a14:hiddenFill xmlns:a14="http://schemas.microsoft.com/office/drawing/2010/main">
+                <a:solidFill>
+                  <a:schemeClr val="accent1"/>
+                </a:solidFill>
+              </a14:hiddenFill>
+            </a:ext>
+            <a:ext uri="{91240B29-F687-4F45-9708-019B960494DF}">
+              <a14:hiddenLine xmlns:a14="http://schemas.microsoft.com/office/drawing/2010/main" w="9525">
+                <a:solidFill>
+                  <a:schemeClr val="tx1"/>
+                </a:solidFill>
+                <a:miter lim="800000"/>
+                <a:headEnd/>
+                <a:tailEnd/>
+              </a14:hiddenLine>
+            </a:ext>
+            <a:ext uri="{AF507438-7753-43E0-B8FC-AC1667EBCBE1}">
+              <a14:hiddenEffects xmlns:a14="http://schemas.microsoft.com/office/drawing/2010/main">
+                <a:effectLst>
+                  <a:outerShdw dist="35921" dir="2700000" algn="ctr" rotWithShape="0">
+                    <a:schemeClr val="bg2"/>
+                  </a:outerShdw>
+                </a:effectLst>
+              </a14:hiddenEffects>
+            </a:ext>
+          </a:extLst>
+        </p:spPr>
+        <p:txBody>
+          <a:bodyPr vert="horz" wrap="square" lIns="91440" tIns="45720" rIns="91440" bIns="45720" numCol="1" rtlCol="0" anchor="ctr" anchorCtr="0" compatLnSpc="1">
+            <a:prstTxWarp prst="textNoShape">
+              <a:avLst/>
+            </a:prstTxWarp>
+            <a:noAutofit/>
+          </a:bodyPr>
+          <a:lstStyle>
+            <a:lvl1pPr algn="ctr" defTabSz="914400" rtl="0" eaLnBrk="1" latinLnBrk="1" hangingPunct="1">
+              <a:lnSpc>
+                <a:spcPct val="90000"/>
+              </a:lnSpc>
+              <a:spcBef>
+                <a:spcPct val="0"/>
+              </a:spcBef>
+              <a:buNone/>
+              <a:defRPr sz="6000" kern="1200">
+                <a:solidFill>
+                  <a:schemeClr val="tx1"/>
+                </a:solidFill>
+                <a:latin typeface="+mj-lt"/>
+                <a:ea typeface="+mj-ea"/>
+                <a:cs typeface="+mj-cs"/>
+              </a:defRPr>
+            </a:lvl1pPr>
+          </a:lstStyle>
+          <a:p>
+            <a:pPr marL="285750" indent="-285750" algn="l" eaLnBrk="0" fontAlgn="base" latinLnBrk="0" hangingPunct="0">
+              <a:lnSpc>
+                <a:spcPct val="100000"/>
+              </a:lnSpc>
+              <a:spcAft>
+                <a:spcPct val="0"/>
+              </a:spcAft>
+              <a:buFont typeface="Arial" panose="020B0604020202020204" pitchFamily="34" charset="0"/>
+              <a:buChar char="•"/>
+            </a:pPr>
+            <a:r>
+              <a:rPr lang="en-US" altLang="ko-KR" sz="1800" smtClean="0">
+                <a:latin typeface="Arial" panose="020B0604020202020204" pitchFamily="34" charset="0"/>
+              </a:rPr>
+              <a:t>English (paper reading, lecture listening, …) </a:t>
+            </a:r>
+            <a:endParaRPr lang="ko-KR" altLang="ko-KR" sz="1800" smtClean="0">
+              <a:latin typeface="Arial" panose="020B0604020202020204" pitchFamily="34" charset="0"/>
+            </a:endParaRPr>
+          </a:p>
+        </p:txBody>
+      </p:sp>
+      <p:sp>
+        <p:nvSpPr>
+          <p:cNvPr id="17" name="Rectangle 4"/>
+          <p:cNvSpPr txBox="1">
+            <a:spLocks noChangeArrowheads="1"/>
+          </p:cNvSpPr>
+          <p:nvPr/>
+        </p:nvSpPr>
+        <p:spPr bwMode="auto">
+          <a:xfrm>
+            <a:off x="1033703" y="4734399"/>
+            <a:ext cx="10255355" cy="611115"/>
+          </a:xfrm>
+          <a:prstGeom prst="rect">
+            <a:avLst/>
+          </a:prstGeom>
+          <a:noFill/>
+          <a:ln>
+            <a:noFill/>
+          </a:ln>
+          <a:effectLst/>
+          <a:extLst>
+            <a:ext uri="{909E8E84-426E-40DD-AFC4-6F175D3DCCD1}">
+              <a14:hiddenFill xmlns:a14="http://schemas.microsoft.com/office/drawing/2010/main">
+                <a:solidFill>
+                  <a:schemeClr val="accent1"/>
+                </a:solidFill>
+              </a14:hiddenFill>
+            </a:ext>
+            <a:ext uri="{91240B29-F687-4F45-9708-019B960494DF}">
+              <a14:hiddenLine xmlns:a14="http://schemas.microsoft.com/office/drawing/2010/main" w="9525">
+                <a:solidFill>
+                  <a:schemeClr val="tx1"/>
+                </a:solidFill>
+                <a:miter lim="800000"/>
+                <a:headEnd/>
+                <a:tailEnd/>
+              </a14:hiddenLine>
+            </a:ext>
+            <a:ext uri="{AF507438-7753-43E0-B8FC-AC1667EBCBE1}">
+              <a14:hiddenEffects xmlns:a14="http://schemas.microsoft.com/office/drawing/2010/main">
+                <a:effectLst>
+                  <a:outerShdw dist="35921" dir="2700000" algn="ctr" rotWithShape="0">
+                    <a:schemeClr val="bg2"/>
+                  </a:outerShdw>
+                </a:effectLst>
+              </a14:hiddenEffects>
+            </a:ext>
+          </a:extLst>
+        </p:spPr>
+        <p:txBody>
+          <a:bodyPr vert="horz" wrap="square" lIns="91440" tIns="45720" rIns="91440" bIns="45720" numCol="1" rtlCol="0" anchor="ctr" anchorCtr="0" compatLnSpc="1">
+            <a:prstTxWarp prst="textNoShape">
+              <a:avLst/>
+            </a:prstTxWarp>
+            <a:noAutofit/>
+          </a:bodyPr>
+          <a:lstStyle>
+            <a:lvl1pPr algn="ctr" defTabSz="914400" rtl="0" eaLnBrk="1" latinLnBrk="1" hangingPunct="1">
+              <a:lnSpc>
+                <a:spcPct val="90000"/>
+              </a:lnSpc>
+              <a:spcBef>
+                <a:spcPct val="0"/>
+              </a:spcBef>
+              <a:buNone/>
+              <a:defRPr sz="6000" kern="1200">
+                <a:solidFill>
+                  <a:schemeClr val="tx1"/>
+                </a:solidFill>
+                <a:latin typeface="+mj-lt"/>
+                <a:ea typeface="+mj-ea"/>
+                <a:cs typeface="+mj-cs"/>
+              </a:defRPr>
+            </a:lvl1pPr>
+          </a:lstStyle>
+          <a:p>
+            <a:pPr marL="285750" indent="-285750" algn="l" eaLnBrk="0" fontAlgn="base" latinLnBrk="0" hangingPunct="0">
+              <a:lnSpc>
+                <a:spcPct val="100000"/>
+              </a:lnSpc>
+              <a:spcAft>
+                <a:spcPct val="0"/>
+              </a:spcAft>
+              <a:buFont typeface="Arial" panose="020B0604020202020204" pitchFamily="34" charset="0"/>
+              <a:buChar char="•"/>
+            </a:pPr>
+            <a:r>
+              <a:rPr lang="en-US" altLang="ko-KR" sz="1800" smtClean="0">
+                <a:latin typeface="Arial" panose="020B0604020202020204" pitchFamily="34" charset="0"/>
+              </a:rPr>
+              <a:t>Money (GPUs, decent computer environment, …)</a:t>
+            </a:r>
+            <a:endParaRPr lang="ko-KR" altLang="ko-KR" sz="1800" smtClean="0">
+              <a:latin typeface="Arial" panose="020B0604020202020204" pitchFamily="34" charset="0"/>
+            </a:endParaRPr>
+          </a:p>
+        </p:txBody>
+      </p:sp>
+      <p:sp>
+        <p:nvSpPr>
+          <p:cNvPr id="2" name="슬라이드 번호 개체 틀 1"/>
+          <p:cNvSpPr>
+            <a:spLocks noGrp="1"/>
+          </p:cNvSpPr>
+          <p:nvPr>
+            <p:ph type="sldNum" sz="quarter" idx="12"/>
+          </p:nvPr>
+        </p:nvSpPr>
+        <p:spPr/>
+        <p:txBody>
+          <a:bodyPr/>
+          <a:lstStyle/>
+          <a:p>
+            <a:fld id="{9D5625A4-ACAF-42E4-A765-CDD0F5B0771F}" type="slidenum">
+              <a:rPr lang="ko-KR" altLang="en-US" smtClean="0"/>
+              <a:t>2</a:t>
+            </a:fld>
+            <a:endParaRPr lang="ko-KR" altLang="en-US"/>
+          </a:p>
+        </p:txBody>
+      </p:sp>
+    </p:spTree>
+    <p:extLst>
+      <p:ext uri="{BB962C8B-B14F-4D97-AF65-F5344CB8AC3E}">
+        <p14:creationId xmlns:p14="http://schemas.microsoft.com/office/powerpoint/2010/main" val="2027896320"/>
+      </p:ext>
+    </p:extLst>
+  </p:cSld>
+  <p:clrMapOvr>
+    <a:masterClrMapping/>
+  </p:clrMapOvr>
+  <p:timing>
+    <p:tnLst>
+      <p:par>
+        <p:cTn id="1" dur="indefinite" restart="never" nodeType="tmRoot">
+          <p:childTnLst>
+            <p:seq concurrent="1" nextAc="seek">
+              <p:cTn id="2" dur="indefinite" nodeType="mainSeq">
+                <p:childTnLst>
+                  <p:par>
+                    <p:cTn id="3" fill="hold">
+                      <p:stCondLst>
+                        <p:cond delay="indefinite"/>
+                      </p:stCondLst>
+                      <p:childTnLst>
+                        <p:par>
+                          <p:cTn id="4" fill="hold">
+                            <p:stCondLst>
+                              <p:cond delay="0"/>
+                            </p:stCondLst>
+                            <p:childTnLst>
+                              <p:par>
+                                <p:cTn id="5" presetID="1" presetClass="entr" presetSubtype="0" fill="hold" grpId="0" nodeType="clickEffect">
+                                  <p:stCondLst>
+                                    <p:cond delay="0"/>
+                                  </p:stCondLst>
+                                  <p:childTnLst>
+                                    <p:set>
+                                      <p:cBhvr>
+                                        <p:cTn id="6" dur="1" fill="hold">
+                                          <p:stCondLst>
+                                            <p:cond delay="0"/>
+                                          </p:stCondLst>
+                                        </p:cTn>
+                                        <p:tgtEl>
+                                          <p:spTgt spid="8"/>
+                                        </p:tgtEl>
+                                        <p:attrNameLst>
+                                          <p:attrName>style.visibility</p:attrName>
+                                        </p:attrNameLst>
+                                      </p:cBhvr>
+                                      <p:to>
+                                        <p:strVal val="visible"/>
+                                      </p:to>
+                                    </p:set>
+                                  </p:childTnLst>
+                                </p:cTn>
+                              </p:par>
+                            </p:childTnLst>
+                          </p:cTn>
+                        </p:par>
+                      </p:childTnLst>
+                    </p:cTn>
+                  </p:par>
+                  <p:par>
+                    <p:cTn id="7" fill="hold">
+                      <p:stCondLst>
+                        <p:cond delay="indefinite"/>
+                      </p:stCondLst>
+                      <p:childTnLst>
+                        <p:par>
+                          <p:cTn id="8" fill="hold">
+                            <p:stCondLst>
+                              <p:cond delay="0"/>
+                            </p:stCondLst>
+                            <p:childTnLst>
+                              <p:par>
+                                <p:cTn id="9" presetID="1" presetClass="entr" presetSubtype="0" fill="hold" grpId="0" nodeType="clickEffect">
+                                  <p:stCondLst>
+                                    <p:cond delay="0"/>
+                                  </p:stCondLst>
+                                  <p:childTnLst>
+                                    <p:set>
+                                      <p:cBhvr>
+                                        <p:cTn id="10" dur="1" fill="hold">
+                                          <p:stCondLst>
+                                            <p:cond delay="0"/>
+                                          </p:stCondLst>
+                                        </p:cTn>
+                                        <p:tgtEl>
+                                          <p:spTgt spid="13"/>
+                                        </p:tgtEl>
+                                        <p:attrNameLst>
+                                          <p:attrName>style.visibility</p:attrName>
+                                        </p:attrNameLst>
+                                      </p:cBhvr>
+                                      <p:to>
+                                        <p:strVal val="visible"/>
+                                      </p:to>
+                                    </p:set>
+                                  </p:childTnLst>
+                                </p:cTn>
+                              </p:par>
+                            </p:childTnLst>
+                          </p:cTn>
+                        </p:par>
+                      </p:childTnLst>
+                    </p:cTn>
+                  </p:par>
+                  <p:par>
+                    <p:cTn id="11" fill="hold">
+                      <p:stCondLst>
+                        <p:cond delay="indefinite"/>
+                      </p:stCondLst>
+                      <p:childTnLst>
+                        <p:par>
+                          <p:cTn id="12" fill="hold">
+                            <p:stCondLst>
+                              <p:cond delay="0"/>
+                            </p:stCondLst>
+                            <p:childTnLst>
+                              <p:par>
+                                <p:cTn id="13" presetID="1" presetClass="entr" presetSubtype="0" fill="hold" grpId="0" nodeType="clickEffect">
+                                  <p:stCondLst>
+                                    <p:cond delay="0"/>
+                                  </p:stCondLst>
+                                  <p:childTnLst>
+                                    <p:set>
+                                      <p:cBhvr>
+                                        <p:cTn id="14" dur="1" fill="hold">
+                                          <p:stCondLst>
+                                            <p:cond delay="0"/>
+                                          </p:stCondLst>
+                                        </p:cTn>
+                                        <p:tgtEl>
+                                          <p:spTgt spid="14"/>
+                                        </p:tgtEl>
+                                        <p:attrNameLst>
+                                          <p:attrName>style.visibility</p:attrName>
+                                        </p:attrNameLst>
+                                      </p:cBhvr>
+                                      <p:to>
+                                        <p:strVal val="visible"/>
+                                      </p:to>
+                                    </p:set>
+                                  </p:childTnLst>
+                                </p:cTn>
+                              </p:par>
+                            </p:childTnLst>
+                          </p:cTn>
+                        </p:par>
+                      </p:childTnLst>
+                    </p:cTn>
+                  </p:par>
+                  <p:par>
+                    <p:cTn id="15" fill="hold">
+                      <p:stCondLst>
+                        <p:cond delay="indefinite"/>
+                      </p:stCondLst>
+                      <p:childTnLst>
+                        <p:par>
+                          <p:cTn id="16" fill="hold">
+                            <p:stCondLst>
+                              <p:cond delay="0"/>
+                            </p:stCondLst>
+                            <p:childTnLst>
+                              <p:par>
+                                <p:cTn id="17" presetID="1" presetClass="entr" presetSubtype="0" fill="hold" grpId="0" nodeType="clickEffect">
+                                  <p:stCondLst>
+                                    <p:cond delay="0"/>
+                                  </p:stCondLst>
+                                  <p:childTnLst>
+                                    <p:set>
+                                      <p:cBhvr>
+                                        <p:cTn id="18" dur="1" fill="hold">
+                                          <p:stCondLst>
+                                            <p:cond delay="0"/>
+                                          </p:stCondLst>
+                                        </p:cTn>
+                                        <p:tgtEl>
+                                          <p:spTgt spid="16"/>
+                                        </p:tgtEl>
+                                        <p:attrNameLst>
+                                          <p:attrName>style.visibility</p:attrName>
+                                        </p:attrNameLst>
+                                      </p:cBhvr>
+                                      <p:to>
+                                        <p:strVal val="visible"/>
+                                      </p:to>
+                                    </p:set>
+                                  </p:childTnLst>
+                                </p:cTn>
+                              </p:par>
+                            </p:childTnLst>
+                          </p:cTn>
+                        </p:par>
+                      </p:childTnLst>
+                    </p:cTn>
+                  </p:par>
+                  <p:par>
+                    <p:cTn id="19" fill="hold">
+                      <p:stCondLst>
+                        <p:cond delay="indefinite"/>
+                      </p:stCondLst>
+                      <p:childTnLst>
+                        <p:par>
+                          <p:cTn id="20" fill="hold">
+                            <p:stCondLst>
+                              <p:cond delay="0"/>
+                            </p:stCondLst>
+                            <p:childTnLst>
+                              <p:par>
+                                <p:cTn id="21" presetID="1" presetClass="entr" presetSubtype="0" fill="hold" grpId="0" nodeType="clickEffect">
+                                  <p:stCondLst>
+                                    <p:cond delay="0"/>
+                                  </p:stCondLst>
+                                  <p:childTnLst>
+                                    <p:set>
+                                      <p:cBhvr>
+                                        <p:cTn id="22" dur="1" fill="hold">
+                                          <p:stCondLst>
+                                            <p:cond delay="0"/>
+                                          </p:stCondLst>
+                                        </p:cTn>
+                                        <p:tgtEl>
+                                          <p:spTgt spid="17"/>
+                                        </p:tgtEl>
+                                        <p:attrNameLst>
+                                          <p:attrName>style.visibility</p:attrName>
+                                        </p:attrNameLst>
+                                      </p:cBhvr>
+                                      <p:to>
+                                        <p:strVal val="visible"/>
+                                      </p:to>
+                                    </p:set>
+                                  </p:childTnLst>
+                                </p:cTn>
+                              </p:par>
+                            </p:childTnLst>
+                          </p:cTn>
+                        </p:par>
+                      </p:childTnLst>
+                    </p:cTn>
+                  </p:par>
+                </p:childTnLst>
+              </p:cTn>
+              <p:prevCondLst>
+                <p:cond evt="onPrev" delay="0">
+                  <p:tgtEl>
+                    <p:sldTgt/>
+                  </p:tgtEl>
+                </p:cond>
+              </p:prevCondLst>
+              <p:nextCondLst>
+                <p:cond evt="onNext" delay="0">
+                  <p:tgtEl>
+                    <p:sldTgt/>
+                  </p:tgtEl>
+                </p:cond>
+              </p:nextCondLst>
+            </p:seq>
+          </p:childTnLst>
+        </p:cTn>
+      </p:par>
+    </p:tnLst>
+    <p:bldLst>
+      <p:bldP spid="8" grpId="0"/>
+      <p:bldP spid="13" grpId="0"/>
+      <p:bldP spid="14" grpId="0"/>
+      <p:bldP spid="16" grpId="0"/>
+      <p:bldP spid="17" grpId="0"/>
+    </p:bldLst>
+  </p:timing>
+</p:sld>
+</file>
+
+<file path=ppt/slides/slide20.xml><?xml version="1.0" encoding="utf-8"?>
 <p:sld xmlns:a="http://schemas.openxmlformats.org/drawingml/2006/main" xmlns:r="http://schemas.openxmlformats.org/officeDocument/2006/relationships" xmlns:p="http://schemas.openxmlformats.org/presentationml/2006/main">
   <p:cSld>
     <p:spTree>
@@ -12369,7 +15788,7 @@
           <a:p>
             <a:fld id="{9D5625A4-ACAF-42E4-A765-CDD0F5B0771F}" type="slidenum">
               <a:rPr lang="ko-KR" altLang="en-US" smtClean="0"/>
-              <a:t>17</a:t>
+              <a:t>20</a:t>
             </a:fld>
             <a:endParaRPr lang="ko-KR" altLang="en-US"/>
           </a:p>
@@ -12927,7 +16346,414 @@
 </p:sld>
 </file>
 
-<file path=ppt/slides/slide18.xml><?xml version="1.0" encoding="utf-8"?>
+<file path=ppt/slides/slide21.xml><?xml version="1.0" encoding="utf-8"?>
+<p:sld xmlns:a="http://schemas.openxmlformats.org/drawingml/2006/main" xmlns:r="http://schemas.openxmlformats.org/officeDocument/2006/relationships" xmlns:p="http://schemas.openxmlformats.org/presentationml/2006/main">
+  <p:cSld>
+    <p:spTree>
+      <p:nvGrpSpPr>
+        <p:cNvPr id="1" name=""/>
+        <p:cNvGrpSpPr/>
+        <p:nvPr/>
+      </p:nvGrpSpPr>
+      <p:grpSpPr>
+        <a:xfrm>
+          <a:off x="0" y="0"/>
+          <a:ext cx="0" cy="0"/>
+          <a:chOff x="0" y="0"/>
+          <a:chExt cx="0" cy="0"/>
+        </a:xfrm>
+      </p:grpSpPr>
+      <p:sp>
+        <p:nvSpPr>
+          <p:cNvPr id="5" name="Rectangle 1"/>
+          <p:cNvSpPr txBox="1">
+            <a:spLocks noChangeArrowheads="1"/>
+          </p:cNvSpPr>
+          <p:nvPr/>
+        </p:nvSpPr>
+        <p:spPr bwMode="auto">
+          <a:xfrm>
+            <a:off x="515425" y="200413"/>
+            <a:ext cx="1164101" cy="338554"/>
+          </a:xfrm>
+          <a:prstGeom prst="rect">
+            <a:avLst/>
+          </a:prstGeom>
+          <a:noFill/>
+          <a:ln>
+            <a:noFill/>
+          </a:ln>
+          <a:effectLst/>
+          <a:extLst>
+            <a:ext uri="{909E8E84-426E-40DD-AFC4-6F175D3DCCD1}">
+              <a14:hiddenFill xmlns:a14="http://schemas.microsoft.com/office/drawing/2010/main">
+                <a:solidFill>
+                  <a:schemeClr val="accent1"/>
+                </a:solidFill>
+              </a14:hiddenFill>
+            </a:ext>
+            <a:ext uri="{91240B29-F687-4F45-9708-019B960494DF}">
+              <a14:hiddenLine xmlns:a14="http://schemas.microsoft.com/office/drawing/2010/main" w="9525">
+                <a:solidFill>
+                  <a:schemeClr val="tx1"/>
+                </a:solidFill>
+                <a:miter lim="800000"/>
+                <a:headEnd/>
+                <a:tailEnd/>
+              </a14:hiddenLine>
+            </a:ext>
+            <a:ext uri="{AF507438-7753-43E0-B8FC-AC1667EBCBE1}">
+              <a14:hiddenEffects xmlns:a14="http://schemas.microsoft.com/office/drawing/2010/main">
+                <a:effectLst>
+                  <a:outerShdw dist="35921" dir="2700000" algn="ctr" rotWithShape="0">
+                    <a:schemeClr val="bg2"/>
+                  </a:outerShdw>
+                </a:effectLst>
+              </a14:hiddenEffects>
+            </a:ext>
+          </a:extLst>
+        </p:spPr>
+        <p:txBody>
+          <a:bodyPr vert="horz" wrap="none" lIns="91440" tIns="45720" rIns="91440" bIns="45720" numCol="1" rtlCol="0" anchor="ctr" anchorCtr="0" compatLnSpc="1">
+            <a:prstTxWarp prst="textNoShape">
+              <a:avLst/>
+            </a:prstTxWarp>
+            <a:spAutoFit/>
+          </a:bodyPr>
+          <a:lstStyle>
+            <a:lvl1pPr algn="ctr" defTabSz="914400" rtl="0" eaLnBrk="1" latinLnBrk="1" hangingPunct="1">
+              <a:lnSpc>
+                <a:spcPct val="90000"/>
+              </a:lnSpc>
+              <a:spcBef>
+                <a:spcPct val="0"/>
+              </a:spcBef>
+              <a:buNone/>
+              <a:defRPr sz="6000" kern="1200">
+                <a:solidFill>
+                  <a:schemeClr val="tx1"/>
+                </a:solidFill>
+                <a:latin typeface="+mj-lt"/>
+                <a:ea typeface="+mj-ea"/>
+                <a:cs typeface="+mj-cs"/>
+              </a:defRPr>
+            </a:lvl1pPr>
+          </a:lstStyle>
+          <a:p>
+            <a:pPr algn="l" eaLnBrk="0" fontAlgn="base" latinLnBrk="0" hangingPunct="0">
+              <a:lnSpc>
+                <a:spcPct val="100000"/>
+              </a:lnSpc>
+              <a:spcAft>
+                <a:spcPct val="0"/>
+              </a:spcAft>
+            </a:pPr>
+            <a:r>
+              <a:rPr lang="en-US" altLang="ko-KR" sz="1600" b="1" smtClean="0">
+                <a:solidFill>
+                  <a:schemeClr val="tx1">
+                    <a:lumMod val="50000"/>
+                    <a:lumOff val="50000"/>
+                  </a:schemeClr>
+                </a:solidFill>
+                <a:latin typeface="Arial" panose="020B0604020202020204" pitchFamily="34" charset="0"/>
+                <a:cs typeface="Arial" panose="020B0604020202020204" pitchFamily="34" charset="0"/>
+              </a:rPr>
+              <a:t>Challenge</a:t>
+            </a:r>
+            <a:endParaRPr lang="ko-KR" altLang="ko-KR" sz="1600">
+              <a:solidFill>
+                <a:schemeClr val="tx1">
+                  <a:lumMod val="50000"/>
+                  <a:lumOff val="50000"/>
+                </a:schemeClr>
+              </a:solidFill>
+              <a:latin typeface="Arial" panose="020B0604020202020204" pitchFamily="34" charset="0"/>
+              <a:cs typeface="Arial" panose="020B0604020202020204" pitchFamily="34" charset="0"/>
+            </a:endParaRPr>
+          </a:p>
+        </p:txBody>
+      </p:sp>
+      <p:sp>
+        <p:nvSpPr>
+          <p:cNvPr id="2" name="슬라이드 번호 개체 틀 1"/>
+          <p:cNvSpPr>
+            <a:spLocks noGrp="1"/>
+          </p:cNvSpPr>
+          <p:nvPr>
+            <p:ph type="sldNum" sz="quarter" idx="12"/>
+          </p:nvPr>
+        </p:nvSpPr>
+        <p:spPr/>
+        <p:txBody>
+          <a:bodyPr/>
+          <a:lstStyle/>
+          <a:p>
+            <a:fld id="{9D5625A4-ACAF-42E4-A765-CDD0F5B0771F}" type="slidenum">
+              <a:rPr lang="ko-KR" altLang="en-US" smtClean="0"/>
+              <a:t>21</a:t>
+            </a:fld>
+            <a:endParaRPr lang="ko-KR" altLang="en-US"/>
+          </a:p>
+        </p:txBody>
+      </p:sp>
+      <p:sp>
+        <p:nvSpPr>
+          <p:cNvPr id="10" name="Rectangle 1"/>
+          <p:cNvSpPr txBox="1">
+            <a:spLocks noChangeArrowheads="1"/>
+          </p:cNvSpPr>
+          <p:nvPr/>
+        </p:nvSpPr>
+        <p:spPr bwMode="auto">
+          <a:xfrm>
+            <a:off x="6477844" y="6400412"/>
+            <a:ext cx="4475328" cy="276999"/>
+          </a:xfrm>
+          <a:prstGeom prst="rect">
+            <a:avLst/>
+          </a:prstGeom>
+          <a:noFill/>
+          <a:ln>
+            <a:noFill/>
+          </a:ln>
+          <a:effectLst/>
+          <a:extLst>
+            <a:ext uri="{909E8E84-426E-40DD-AFC4-6F175D3DCCD1}">
+              <a14:hiddenFill xmlns:a14="http://schemas.microsoft.com/office/drawing/2010/main">
+                <a:solidFill>
+                  <a:schemeClr val="accent1"/>
+                </a:solidFill>
+              </a14:hiddenFill>
+            </a:ext>
+            <a:ext uri="{91240B29-F687-4F45-9708-019B960494DF}">
+              <a14:hiddenLine xmlns:a14="http://schemas.microsoft.com/office/drawing/2010/main" w="9525">
+                <a:solidFill>
+                  <a:schemeClr val="tx1"/>
+                </a:solidFill>
+                <a:miter lim="800000"/>
+                <a:headEnd/>
+                <a:tailEnd/>
+              </a14:hiddenLine>
+            </a:ext>
+            <a:ext uri="{AF507438-7753-43E0-B8FC-AC1667EBCBE1}">
+              <a14:hiddenEffects xmlns:a14="http://schemas.microsoft.com/office/drawing/2010/main">
+                <a:effectLst>
+                  <a:outerShdw dist="35921" dir="2700000" algn="ctr" rotWithShape="0">
+                    <a:schemeClr val="bg2"/>
+                  </a:outerShdw>
+                </a:effectLst>
+              </a14:hiddenEffects>
+            </a:ext>
+          </a:extLst>
+        </p:spPr>
+        <p:txBody>
+          <a:bodyPr vert="horz" wrap="none" lIns="91440" tIns="45720" rIns="91440" bIns="45720" numCol="1" rtlCol="0" anchor="ctr" anchorCtr="0" compatLnSpc="1">
+            <a:prstTxWarp prst="textNoShape">
+              <a:avLst/>
+            </a:prstTxWarp>
+            <a:spAutoFit/>
+          </a:bodyPr>
+          <a:lstStyle>
+            <a:lvl1pPr algn="ctr" defTabSz="914400" rtl="0" eaLnBrk="1" latinLnBrk="1" hangingPunct="1">
+              <a:lnSpc>
+                <a:spcPct val="90000"/>
+              </a:lnSpc>
+              <a:spcBef>
+                <a:spcPct val="0"/>
+              </a:spcBef>
+              <a:buNone/>
+              <a:defRPr sz="6000" kern="1200">
+                <a:solidFill>
+                  <a:schemeClr val="tx1"/>
+                </a:solidFill>
+                <a:latin typeface="+mj-lt"/>
+                <a:ea typeface="+mj-ea"/>
+                <a:cs typeface="+mj-cs"/>
+              </a:defRPr>
+            </a:lvl1pPr>
+          </a:lstStyle>
+          <a:p>
+            <a:pPr algn="l" eaLnBrk="0" fontAlgn="base" latinLnBrk="0" hangingPunct="0">
+              <a:lnSpc>
+                <a:spcPct val="100000"/>
+              </a:lnSpc>
+              <a:spcAft>
+                <a:spcPct val="0"/>
+              </a:spcAft>
+            </a:pPr>
+            <a:r>
+              <a:rPr lang="en-US" altLang="ko-KR" sz="1200" smtClean="0">
+                <a:solidFill>
+                  <a:schemeClr val="tx1">
+                    <a:lumMod val="50000"/>
+                    <a:lumOff val="50000"/>
+                  </a:schemeClr>
+                </a:solidFill>
+                <a:latin typeface="Arial" panose="020B0604020202020204" pitchFamily="34" charset="0"/>
+                <a:cs typeface="Arial" panose="020B0604020202020204" pitchFamily="34" charset="0"/>
+              </a:rPr>
+              <a:t>Up and Running with </a:t>
+            </a:r>
+            <a:r>
+              <a:rPr lang="en-US" altLang="ko-KR" sz="1200" err="1" smtClean="0">
+                <a:solidFill>
+                  <a:schemeClr val="tx1">
+                    <a:lumMod val="50000"/>
+                    <a:lumOff val="50000"/>
+                  </a:schemeClr>
+                </a:solidFill>
+                <a:latin typeface="Arial" panose="020B0604020202020204" pitchFamily="34" charset="0"/>
+                <a:cs typeface="Arial" panose="020B0604020202020204" pitchFamily="34" charset="0"/>
+              </a:rPr>
+              <a:t>TensorFlow</a:t>
+            </a:r>
+            <a:r>
+              <a:rPr lang="en-US" altLang="ko-KR" sz="1200" smtClean="0">
+                <a:solidFill>
+                  <a:schemeClr val="tx1">
+                    <a:lumMod val="50000"/>
+                    <a:lumOff val="50000"/>
+                  </a:schemeClr>
+                </a:solidFill>
+                <a:latin typeface="Arial" panose="020B0604020202020204" pitchFamily="34" charset="0"/>
+                <a:cs typeface="Arial" panose="020B0604020202020204" pitchFamily="34" charset="0"/>
+              </a:rPr>
+              <a:t> in Deep Learning Conference</a:t>
+            </a:r>
+            <a:endParaRPr lang="ko-KR" altLang="ko-KR" sz="1200">
+              <a:solidFill>
+                <a:schemeClr val="tx1">
+                  <a:lumMod val="50000"/>
+                  <a:lumOff val="50000"/>
+                </a:schemeClr>
+              </a:solidFill>
+              <a:latin typeface="Arial" panose="020B0604020202020204" pitchFamily="34" charset="0"/>
+              <a:cs typeface="Arial" panose="020B0604020202020204" pitchFamily="34" charset="0"/>
+            </a:endParaRPr>
+          </a:p>
+        </p:txBody>
+      </p:sp>
+      <p:sp>
+        <p:nvSpPr>
+          <p:cNvPr id="16" name="Rectangle 4"/>
+          <p:cNvSpPr>
+            <a:spLocks noGrp="1" noChangeArrowheads="1"/>
+          </p:cNvSpPr>
+          <p:nvPr>
+            <p:ph type="ctrTitle"/>
+          </p:nvPr>
+        </p:nvSpPr>
+        <p:spPr bwMode="auto">
+          <a:xfrm>
+            <a:off x="970443" y="2684652"/>
+            <a:ext cx="10255355" cy="611115"/>
+          </a:xfrm>
+          <a:prstGeom prst="rect">
+            <a:avLst/>
+          </a:prstGeom>
+          <a:noFill/>
+          <a:ln>
+            <a:noFill/>
+          </a:ln>
+          <a:effectLst/>
+          <a:extLst>
+            <a:ext uri="{909E8E84-426E-40DD-AFC4-6F175D3DCCD1}">
+              <a14:hiddenFill xmlns:a14="http://schemas.microsoft.com/office/drawing/2010/main">
+                <a:solidFill>
+                  <a:schemeClr val="accent1"/>
+                </a:solidFill>
+              </a14:hiddenFill>
+            </a:ext>
+            <a:ext uri="{91240B29-F687-4F45-9708-019B960494DF}">
+              <a14:hiddenLine xmlns:a14="http://schemas.microsoft.com/office/drawing/2010/main" w="9525">
+                <a:solidFill>
+                  <a:schemeClr val="tx1"/>
+                </a:solidFill>
+                <a:miter lim="800000"/>
+                <a:headEnd/>
+                <a:tailEnd/>
+              </a14:hiddenLine>
+            </a:ext>
+            <a:ext uri="{AF507438-7753-43E0-B8FC-AC1667EBCBE1}">
+              <a14:hiddenEffects xmlns:a14="http://schemas.microsoft.com/office/drawing/2010/main">
+                <a:effectLst>
+                  <a:outerShdw dist="35921" dir="2700000" algn="ctr" rotWithShape="0">
+                    <a:schemeClr val="bg2"/>
+                  </a:outerShdw>
+                </a:effectLst>
+              </a14:hiddenEffects>
+            </a:ext>
+          </a:extLst>
+        </p:spPr>
+        <p:txBody>
+          <a:bodyPr vert="horz" wrap="square" lIns="91440" tIns="45720" rIns="91440" bIns="45720" numCol="1" anchor="ctr" anchorCtr="0" compatLnSpc="1">
+            <a:prstTxWarp prst="textNoShape">
+              <a:avLst/>
+            </a:prstTxWarp>
+            <a:noAutofit/>
+          </a:bodyPr>
+          <a:lstStyle/>
+          <a:p>
+            <a:pPr marL="285750" lvl="0" indent="-285750" algn="l" eaLnBrk="0" fontAlgn="base" latinLnBrk="0" hangingPunct="0">
+              <a:lnSpc>
+                <a:spcPct val="100000"/>
+              </a:lnSpc>
+              <a:spcAft>
+                <a:spcPct val="0"/>
+              </a:spcAft>
+              <a:buFont typeface="Arial" panose="020B0604020202020204" pitchFamily="34" charset="0"/>
+              <a:buChar char="•"/>
+            </a:pPr>
+            <a:r>
+              <a:rPr lang="en-US" altLang="ko-KR" sz="1800" smtClean="0">
+                <a:latin typeface="Arial" panose="020B0604020202020204" pitchFamily="34" charset="0"/>
+                <a:cs typeface="Arial" panose="020B0604020202020204" pitchFamily="34" charset="0"/>
+              </a:rPr>
+              <a:t>Open and challenge `</a:t>
+            </a:r>
+            <a:r>
+              <a:rPr lang="en-US" altLang="ko-KR" sz="1800" b="1" smtClean="0">
+                <a:latin typeface="Arial" panose="020B0604020202020204" pitchFamily="34" charset="0"/>
+                <a:cs typeface="Arial" panose="020B0604020202020204" pitchFamily="34" charset="0"/>
+              </a:rPr>
+              <a:t>Ch2. Placeholder.ipynb</a:t>
+            </a:r>
+            <a:r>
+              <a:rPr lang="en-US" altLang="ko-KR" sz="1800" smtClean="0">
+                <a:latin typeface="Arial" panose="020B0604020202020204" pitchFamily="34" charset="0"/>
+                <a:cs typeface="Arial" panose="020B0604020202020204" pitchFamily="34" charset="0"/>
+              </a:rPr>
+              <a:t>`.</a:t>
+            </a:r>
+            <a:endParaRPr lang="ko-KR" altLang="ko-KR" sz="1800">
+              <a:latin typeface="Arial" panose="020B0604020202020204" pitchFamily="34" charset="0"/>
+              <a:cs typeface="Arial" panose="020B0604020202020204" pitchFamily="34" charset="0"/>
+            </a:endParaRPr>
+          </a:p>
+        </p:txBody>
+      </p:sp>
+    </p:spTree>
+    <p:extLst>
+      <p:ext uri="{BB962C8B-B14F-4D97-AF65-F5344CB8AC3E}">
+        <p14:creationId xmlns:p14="http://schemas.microsoft.com/office/powerpoint/2010/main" val="1806500474"/>
+      </p:ext>
+    </p:extLst>
+  </p:cSld>
+  <p:clrMapOvr>
+    <a:masterClrMapping/>
+  </p:clrMapOvr>
+  <p:timing>
+    <p:tnLst>
+      <p:par>
+        <p:cTn id="1" dur="indefinite" restart="never" nodeType="tmRoot"/>
+      </p:par>
+    </p:tnLst>
+  </p:timing>
+</p:sld>
+</file>
+
+<file path=ppt/slides/slide22.xml><?xml version="1.0" encoding="utf-8"?>
 <p:sld xmlns:a="http://schemas.openxmlformats.org/drawingml/2006/main" xmlns:r="http://schemas.openxmlformats.org/officeDocument/2006/relationships" xmlns:p="http://schemas.openxmlformats.org/presentationml/2006/main">
   <p:cSld>
     <p:spTree>
@@ -13182,7 +17008,7 @@
           <a:p>
             <a:fld id="{9D5625A4-ACAF-42E4-A765-CDD0F5B0771F}" type="slidenum">
               <a:rPr lang="ko-KR" altLang="en-US" smtClean="0"/>
-              <a:t>18</a:t>
+              <a:t>22</a:t>
             </a:fld>
             <a:endParaRPr lang="ko-KR" altLang="en-US"/>
           </a:p>
@@ -13345,7 +17171,7 @@
 </p:sld>
 </file>
 
-<file path=ppt/slides/slide19.xml><?xml version="1.0" encoding="utf-8"?>
+<file path=ppt/slides/slide23.xml><?xml version="1.0" encoding="utf-8"?>
 <p:sld xmlns:a="http://schemas.openxmlformats.org/drawingml/2006/main" xmlns:r="http://schemas.openxmlformats.org/officeDocument/2006/relationships" xmlns:p="http://schemas.openxmlformats.org/presentationml/2006/main">
   <p:cSld>
     <p:spTree>
@@ -13372,8 +17198,8 @@
         </p:nvSpPr>
         <p:spPr bwMode="auto">
           <a:xfrm>
-            <a:off x="870955" y="281476"/>
-            <a:ext cx="1600118" cy="313932"/>
+            <a:off x="515425" y="200413"/>
+            <a:ext cx="1164101" cy="338554"/>
           </a:xfrm>
           <a:prstGeom prst="rect">
             <a:avLst/>
@@ -13439,6 +17265,14 @@
             </a:lvl1pPr>
           </a:lstStyle>
           <a:p>
+            <a:pPr algn="l" eaLnBrk="0" fontAlgn="base" latinLnBrk="0" hangingPunct="0">
+              <a:lnSpc>
+                <a:spcPct val="100000"/>
+              </a:lnSpc>
+              <a:spcAft>
+                <a:spcPct val="0"/>
+              </a:spcAft>
+            </a:pPr>
             <a:r>
               <a:rPr lang="en-US" altLang="ko-KR" sz="1600" b="1" smtClean="0">
                 <a:solidFill>
@@ -13447,23 +17281,27 @@
                     <a:lumOff val="50000"/>
                   </a:schemeClr>
                 </a:solidFill>
-              </a:rPr>
-              <a:t>Last Comment</a:t>
-            </a:r>
-            <a:endParaRPr lang="en-US" altLang="ko-KR" sz="1600" b="1">
+                <a:latin typeface="Arial" panose="020B0604020202020204" pitchFamily="34" charset="0"/>
+                <a:cs typeface="Arial" panose="020B0604020202020204" pitchFamily="34" charset="0"/>
+              </a:rPr>
+              <a:t>Challenge</a:t>
+            </a:r>
+            <a:endParaRPr lang="ko-KR" altLang="ko-KR" sz="1600">
               <a:solidFill>
                 <a:schemeClr val="tx1">
                   <a:lumMod val="50000"/>
                   <a:lumOff val="50000"/>
                 </a:schemeClr>
               </a:solidFill>
+              <a:latin typeface="Arial" panose="020B0604020202020204" pitchFamily="34" charset="0"/>
+              <a:cs typeface="Arial" panose="020B0604020202020204" pitchFamily="34" charset="0"/>
             </a:endParaRPr>
           </a:p>
         </p:txBody>
       </p:sp>
       <p:sp>
         <p:nvSpPr>
-          <p:cNvPr id="3" name="슬라이드 번호 개체 틀 2"/>
+          <p:cNvPr id="2" name="슬라이드 번호 개체 틀 1"/>
           <p:cNvSpPr>
             <a:spLocks noGrp="1"/>
           </p:cNvSpPr>
@@ -13478,7 +17316,7 @@
           <a:p>
             <a:fld id="{9D5625A4-ACAF-42E4-A765-CDD0F5B0771F}" type="slidenum">
               <a:rPr lang="ko-KR" altLang="en-US" smtClean="0"/>
-              <a:t>19</a:t>
+              <a:t>23</a:t>
             </a:fld>
             <a:endParaRPr lang="ko-KR" altLang="en-US"/>
           </a:p>
@@ -13486,7 +17324,7 @@
       </p:sp>
       <p:sp>
         <p:nvSpPr>
-          <p:cNvPr id="8" name="Rectangle 1"/>
+          <p:cNvPr id="10" name="Rectangle 1"/>
           <p:cNvSpPr txBox="1">
             <a:spLocks noChangeArrowheads="1"/>
           </p:cNvSpPr>
@@ -13623,7 +17461,7 @@
       </p:sp>
       <p:sp>
         <p:nvSpPr>
-          <p:cNvPr id="9" name="Rectangle 4"/>
+          <p:cNvPr id="16" name="Rectangle 4"/>
           <p:cNvSpPr>
             <a:spLocks noGrp="1" noChangeArrowheads="1"/>
           </p:cNvSpPr>
@@ -13633,8 +17471,8 @@
         </p:nvSpPr>
         <p:spPr bwMode="auto">
           <a:xfrm>
-            <a:off x="2583489" y="2259238"/>
-            <a:ext cx="10255355" cy="1093272"/>
+            <a:off x="970443" y="2684652"/>
+            <a:ext cx="10255355" cy="611115"/>
           </a:xfrm>
           <a:prstGeom prst="rect">
             <a:avLst/>
@@ -13674,7 +17512,7 @@
           </a:extLst>
         </p:spPr>
         <p:txBody>
-          <a:bodyPr vert="horz" wrap="square" lIns="91440" tIns="45720" rIns="91440" bIns="45720" numCol="1" anchor="t" anchorCtr="0" compatLnSpc="1">
+          <a:bodyPr vert="horz" wrap="square" lIns="91440" tIns="45720" rIns="91440" bIns="45720" numCol="1" anchor="ctr" anchorCtr="0" compatLnSpc="1">
             <a:prstTxWarp prst="textNoShape">
               <a:avLst/>
             </a:prstTxWarp>
@@ -13682,58 +17520,177 @@
           </a:bodyPr>
           <a:lstStyle/>
           <a:p>
-            <a:pPr lvl="0" algn="l" eaLnBrk="0" fontAlgn="base" latinLnBrk="0" hangingPunct="0">
+            <a:pPr marL="285750" lvl="0" indent="-285750" algn="l" eaLnBrk="0" fontAlgn="base" latinLnBrk="0" hangingPunct="0">
               <a:lnSpc>
                 <a:spcPct val="100000"/>
               </a:lnSpc>
               <a:spcAft>
                 <a:spcPct val="0"/>
               </a:spcAft>
+              <a:buFont typeface="Arial" panose="020B0604020202020204" pitchFamily="34" charset="0"/>
+              <a:buChar char="•"/>
             </a:pPr>
             <a:r>
-              <a:rPr lang="en-US" altLang="ko-KR" sz="3600" smtClean="0">
-                <a:latin typeface="Arial" panose="020B0604020202020204" pitchFamily="34" charset="0"/>
-                <a:cs typeface="Arial" panose="020B0604020202020204" pitchFamily="34" charset="0"/>
-              </a:rPr>
-              <a:t>              Thank you.</a:t>
-            </a:r>
-            <a:br>
-              <a:rPr lang="en-US" altLang="ko-KR" sz="3600" smtClean="0">
-                <a:latin typeface="Arial" panose="020B0604020202020204" pitchFamily="34" charset="0"/>
-                <a:cs typeface="Arial" panose="020B0604020202020204" pitchFamily="34" charset="0"/>
-              </a:rPr>
-            </a:br>
-            <a:r>
-              <a:rPr lang="en-US" altLang="ko-KR" sz="3600">
-                <a:latin typeface="Arial" panose="020B0604020202020204" pitchFamily="34" charset="0"/>
-                <a:cs typeface="Arial" panose="020B0604020202020204" pitchFamily="34" charset="0"/>
-              </a:rPr>
-              <a:t/>
-            </a:r>
-            <a:br>
-              <a:rPr lang="en-US" altLang="ko-KR" sz="3600">
-                <a:latin typeface="Arial" panose="020B0604020202020204" pitchFamily="34" charset="0"/>
-                <a:cs typeface="Arial" panose="020B0604020202020204" pitchFamily="34" charset="0"/>
-              </a:rPr>
-            </a:br>
-            <a:r>
-              <a:rPr lang="en-US" altLang="ko-KR" sz="3600" smtClean="0">
-                <a:latin typeface="Arial" panose="020B0604020202020204" pitchFamily="34" charset="0"/>
-                <a:cs typeface="Arial" panose="020B0604020202020204" pitchFamily="34" charset="0"/>
-              </a:rPr>
-              <a:t>             + We’re hiring.</a:t>
-            </a:r>
-            <a:endParaRPr lang="ko-KR" altLang="ko-KR" sz="3600">
+              <a:rPr lang="en-US" altLang="ko-KR" sz="1800">
+                <a:latin typeface="Arial" panose="020B0604020202020204" pitchFamily="34" charset="0"/>
+                <a:cs typeface="Arial" panose="020B0604020202020204" pitchFamily="34" charset="0"/>
+              </a:rPr>
+              <a:t>Open and check `</a:t>
+            </a:r>
+            <a:r>
+              <a:rPr lang="en-US" altLang="ko-KR" sz="1800" b="1">
+                <a:latin typeface="Arial" panose="020B0604020202020204" pitchFamily="34" charset="0"/>
+                <a:cs typeface="Arial" panose="020B0604020202020204" pitchFamily="34" charset="0"/>
+              </a:rPr>
+              <a:t>Demo3. Simple </a:t>
+            </a:r>
+            <a:r>
+              <a:rPr lang="en-US" altLang="ko-KR" sz="1800" b="1">
+                <a:latin typeface="Arial" panose="020B0604020202020204" pitchFamily="34" charset="0"/>
+                <a:cs typeface="Arial" panose="020B0604020202020204" pitchFamily="34" charset="0"/>
+              </a:rPr>
+              <a:t>Linear </a:t>
+            </a:r>
+            <a:r>
+              <a:rPr lang="en-US" altLang="ko-KR" sz="1800" b="1" smtClean="0">
+                <a:latin typeface="Arial" panose="020B0604020202020204" pitchFamily="34" charset="0"/>
+                <a:cs typeface="Arial" panose="020B0604020202020204" pitchFamily="34" charset="0"/>
+              </a:rPr>
+              <a:t>Regression.ipynb</a:t>
+            </a:r>
+            <a:r>
+              <a:rPr lang="en-US" altLang="ko-KR" sz="1800" smtClean="0">
+                <a:latin typeface="Arial" panose="020B0604020202020204" pitchFamily="34" charset="0"/>
+                <a:cs typeface="Arial" panose="020B0604020202020204" pitchFamily="34" charset="0"/>
+              </a:rPr>
+              <a:t>`.</a:t>
+            </a:r>
+            <a:endParaRPr lang="ko-KR" altLang="ko-KR" sz="1800">
               <a:latin typeface="Arial" panose="020B0604020202020204" pitchFamily="34" charset="0"/>
               <a:cs typeface="Arial" panose="020B0604020202020204" pitchFamily="34" charset="0"/>
             </a:endParaRPr>
           </a:p>
         </p:txBody>
       </p:sp>
+      <p:sp>
+        <p:nvSpPr>
+          <p:cNvPr id="6" name="Rectangle 4"/>
+          <p:cNvSpPr txBox="1">
+            <a:spLocks noChangeArrowheads="1"/>
+          </p:cNvSpPr>
+          <p:nvPr/>
+        </p:nvSpPr>
+        <p:spPr bwMode="auto">
+          <a:xfrm>
+            <a:off x="970443" y="3409271"/>
+            <a:ext cx="10255355" cy="611115"/>
+          </a:xfrm>
+          <a:prstGeom prst="rect">
+            <a:avLst/>
+          </a:prstGeom>
+          <a:noFill/>
+          <a:ln>
+            <a:noFill/>
+          </a:ln>
+          <a:effectLst/>
+          <a:extLst>
+            <a:ext uri="{909E8E84-426E-40DD-AFC4-6F175D3DCCD1}">
+              <a14:hiddenFill xmlns:a14="http://schemas.microsoft.com/office/drawing/2010/main">
+                <a:solidFill>
+                  <a:schemeClr val="accent1"/>
+                </a:solidFill>
+              </a14:hiddenFill>
+            </a:ext>
+            <a:ext uri="{91240B29-F687-4F45-9708-019B960494DF}">
+              <a14:hiddenLine xmlns:a14="http://schemas.microsoft.com/office/drawing/2010/main" w="9525">
+                <a:solidFill>
+                  <a:schemeClr val="tx1"/>
+                </a:solidFill>
+                <a:miter lim="800000"/>
+                <a:headEnd/>
+                <a:tailEnd/>
+              </a14:hiddenLine>
+            </a:ext>
+            <a:ext uri="{AF507438-7753-43E0-B8FC-AC1667EBCBE1}">
+              <a14:hiddenEffects xmlns:a14="http://schemas.microsoft.com/office/drawing/2010/main">
+                <a:effectLst>
+                  <a:outerShdw dist="35921" dir="2700000" algn="ctr" rotWithShape="0">
+                    <a:schemeClr val="bg2"/>
+                  </a:outerShdw>
+                </a:effectLst>
+              </a14:hiddenEffects>
+            </a:ext>
+          </a:extLst>
+        </p:spPr>
+        <p:txBody>
+          <a:bodyPr vert="horz" wrap="square" lIns="91440" tIns="45720" rIns="91440" bIns="45720" numCol="1" rtlCol="0" anchor="ctr" anchorCtr="0" compatLnSpc="1">
+            <a:prstTxWarp prst="textNoShape">
+              <a:avLst/>
+            </a:prstTxWarp>
+            <a:noAutofit/>
+          </a:bodyPr>
+          <a:lstStyle>
+            <a:lvl1pPr algn="ctr" defTabSz="914400" rtl="0" eaLnBrk="1" latinLnBrk="1" hangingPunct="1">
+              <a:lnSpc>
+                <a:spcPct val="90000"/>
+              </a:lnSpc>
+              <a:spcBef>
+                <a:spcPct val="0"/>
+              </a:spcBef>
+              <a:buNone/>
+              <a:defRPr sz="6000" kern="1200">
+                <a:solidFill>
+                  <a:schemeClr val="tx1"/>
+                </a:solidFill>
+                <a:latin typeface="+mj-lt"/>
+                <a:ea typeface="+mj-ea"/>
+                <a:cs typeface="+mj-cs"/>
+              </a:defRPr>
+            </a:lvl1pPr>
+          </a:lstStyle>
+          <a:p>
+            <a:pPr marL="285750" indent="-285750" algn="l" eaLnBrk="0" fontAlgn="base" latinLnBrk="0" hangingPunct="0">
+              <a:lnSpc>
+                <a:spcPct val="100000"/>
+              </a:lnSpc>
+              <a:spcAft>
+                <a:spcPct val="0"/>
+              </a:spcAft>
+              <a:buFont typeface="Arial" panose="020B0604020202020204" pitchFamily="34" charset="0"/>
+              <a:buChar char="•"/>
+            </a:pPr>
+            <a:r>
+              <a:rPr lang="en-US" altLang="ko-KR" sz="1800" smtClean="0">
+                <a:latin typeface="Arial" panose="020B0604020202020204" pitchFamily="34" charset="0"/>
+                <a:cs typeface="Arial" panose="020B0604020202020204" pitchFamily="34" charset="0"/>
+              </a:rPr>
+              <a:t>Open and challenge `</a:t>
+            </a:r>
+            <a:r>
+              <a:rPr lang="en-US" altLang="ko-KR" sz="1800" b="1" smtClean="0">
+                <a:latin typeface="Arial" panose="020B0604020202020204" pitchFamily="34" charset="0"/>
+                <a:cs typeface="Arial" panose="020B0604020202020204" pitchFamily="34" charset="0"/>
+              </a:rPr>
+              <a:t>Ch3. Linear Regression.ipynb</a:t>
+            </a:r>
+            <a:r>
+              <a:rPr lang="en-US" altLang="ko-KR" sz="1800" smtClean="0">
+                <a:latin typeface="Arial" panose="020B0604020202020204" pitchFamily="34" charset="0"/>
+                <a:cs typeface="Arial" panose="020B0604020202020204" pitchFamily="34" charset="0"/>
+              </a:rPr>
+              <a:t>`.</a:t>
+            </a:r>
+            <a:endParaRPr lang="ko-KR" altLang="ko-KR" sz="1800">
+              <a:latin typeface="Arial" panose="020B0604020202020204" pitchFamily="34" charset="0"/>
+              <a:cs typeface="Arial" panose="020B0604020202020204" pitchFamily="34" charset="0"/>
+            </a:endParaRPr>
+          </a:p>
+        </p:txBody>
+      </p:sp>
     </p:spTree>
     <p:extLst>
       <p:ext uri="{BB962C8B-B14F-4D97-AF65-F5344CB8AC3E}">
-        <p14:creationId xmlns:p14="http://schemas.microsoft.com/office/powerpoint/2010/main" val="632804255"/>
+        <p14:creationId xmlns:p14="http://schemas.microsoft.com/office/powerpoint/2010/main" val="3556180354"/>
       </p:ext>
     </p:extLst>
   </p:cSld>
@@ -13750,7 +17707,7 @@
 </p:sld>
 </file>
 
-<file path=ppt/slides/slide2.xml><?xml version="1.0" encoding="utf-8"?>
+<file path=ppt/slides/slide24.xml><?xml version="1.0" encoding="utf-8"?>
 <p:sld xmlns:a="http://schemas.openxmlformats.org/drawingml/2006/main" xmlns:r="http://schemas.openxmlformats.org/officeDocument/2006/relationships" xmlns:p="http://schemas.openxmlformats.org/presentationml/2006/main">
   <p:cSld>
     <p:spTree>
@@ -13777,8 +17734,8 @@
         </p:nvSpPr>
         <p:spPr bwMode="auto">
           <a:xfrm>
-            <a:off x="515425" y="200413"/>
-            <a:ext cx="2428870" cy="338554"/>
+            <a:off x="500399" y="315982"/>
+            <a:ext cx="4630114" cy="313932"/>
           </a:xfrm>
           <a:prstGeom prst="rect">
             <a:avLst/>
@@ -13844,14 +17801,6 @@
             </a:lvl1pPr>
           </a:lstStyle>
           <a:p>
-            <a:pPr algn="l" eaLnBrk="0" fontAlgn="base" latinLnBrk="0" hangingPunct="0">
-              <a:lnSpc>
-                <a:spcPct val="100000"/>
-              </a:lnSpc>
-              <a:spcAft>
-                <a:spcPct val="0"/>
-              </a:spcAft>
-            </a:pPr>
             <a:r>
               <a:rPr lang="en-US" altLang="ko-KR" sz="1600" b="1" smtClean="0">
                 <a:solidFill>
@@ -13860,27 +17809,57 @@
                     <a:lumOff val="50000"/>
                   </a:schemeClr>
                 </a:solidFill>
-                <a:latin typeface="Arial" panose="020B0604020202020204" pitchFamily="34" charset="0"/>
-                <a:cs typeface="Arial" panose="020B0604020202020204" pitchFamily="34" charset="0"/>
-              </a:rPr>
-              <a:t>Deep Learning Hurdles</a:t>
-            </a:r>
-            <a:endParaRPr lang="ko-KR" altLang="ko-KR" sz="1600">
+              </a:rPr>
+              <a:t>Regression using Neural Networks (</a:t>
+            </a:r>
+            <a:r>
+              <a:rPr lang="en-US" altLang="ko-KR" sz="1600" b="1" smtClean="0">
+                <a:solidFill>
+                  <a:schemeClr val="tx1">
+                    <a:lumMod val="50000"/>
+                    <a:lumOff val="50000"/>
+                  </a:schemeClr>
+                </a:solidFill>
+              </a:rPr>
+              <a:t>Optional)</a:t>
+            </a:r>
+            <a:endParaRPr lang="en-US" altLang="ko-KR" sz="1600" b="1">
               <a:solidFill>
                 <a:schemeClr val="tx1">
                   <a:lumMod val="50000"/>
                   <a:lumOff val="50000"/>
                 </a:schemeClr>
               </a:solidFill>
-              <a:latin typeface="Arial" panose="020B0604020202020204" pitchFamily="34" charset="0"/>
-              <a:cs typeface="Arial" panose="020B0604020202020204" pitchFamily="34" charset="0"/>
             </a:endParaRPr>
           </a:p>
         </p:txBody>
       </p:sp>
       <p:sp>
         <p:nvSpPr>
-          <p:cNvPr id="6" name="Rectangle 1"/>
+          <p:cNvPr id="3" name="슬라이드 번호 개체 틀 2"/>
+          <p:cNvSpPr>
+            <a:spLocks noGrp="1"/>
+          </p:cNvSpPr>
+          <p:nvPr>
+            <p:ph type="sldNum" sz="quarter" idx="12"/>
+          </p:nvPr>
+        </p:nvSpPr>
+        <p:spPr/>
+        <p:txBody>
+          <a:bodyPr/>
+          <a:lstStyle/>
+          <a:p>
+            <a:fld id="{9D5625A4-ACAF-42E4-A765-CDD0F5B0771F}" type="slidenum">
+              <a:rPr lang="ko-KR" altLang="en-US" smtClean="0"/>
+              <a:t>24</a:t>
+            </a:fld>
+            <a:endParaRPr lang="ko-KR" altLang="en-US"/>
+          </a:p>
+        </p:txBody>
+      </p:sp>
+      <p:sp>
+        <p:nvSpPr>
+          <p:cNvPr id="8" name="Rectangle 1"/>
           <p:cNvSpPr txBox="1">
             <a:spLocks noChangeArrowheads="1"/>
           </p:cNvSpPr>
@@ -14027,7 +18006,7 @@
         </p:nvSpPr>
         <p:spPr bwMode="auto">
           <a:xfrm>
-            <a:off x="1033703" y="1396440"/>
+            <a:off x="970443" y="2684652"/>
             <a:ext cx="10255355" cy="611115"/>
           </a:xfrm>
           <a:prstGeom prst="rect">
@@ -14076,51 +18055,98 @@
           </a:bodyPr>
           <a:lstStyle/>
           <a:p>
-            <a:pPr marL="285750" marR="0" lvl="0" indent="-285750" algn="l" defTabSz="914400" rtl="0" eaLnBrk="0" fontAlgn="base" latinLnBrk="0" hangingPunct="0">
+            <a:pPr marL="285750" lvl="0" indent="-285750" algn="l" eaLnBrk="0" fontAlgn="base" latinLnBrk="0" hangingPunct="0">
               <a:lnSpc>
                 <a:spcPct val="100000"/>
               </a:lnSpc>
-              <a:spcBef>
-                <a:spcPct val="0"/>
-              </a:spcBef>
               <a:spcAft>
                 <a:spcPct val="0"/>
               </a:spcAft>
-              <a:buClrTx/>
-              <a:buSzTx/>
               <a:buFont typeface="Arial" panose="020B0604020202020204" pitchFamily="34" charset="0"/>
               <a:buChar char="•"/>
-              <a:tabLst/>
             </a:pPr>
             <a:r>
-              <a:rPr kumimoji="0" lang="en-US" altLang="ko-KR" sz="1800" b="0" i="0" u="none" strike="noStrike" cap="none" normalizeH="0" baseline="0" smtClean="0">
-                <a:ln>
-                  <a:noFill/>
-                </a:ln>
-                <a:solidFill>
-                  <a:schemeClr val="tx1"/>
-                </a:solidFill>
-                <a:effectLst/>
-                <a:latin typeface="Arial" panose="020B0604020202020204" pitchFamily="34" charset="0"/>
-              </a:rPr>
-              <a:t>Theories (Back-prop, activation, normalization, …)</a:t>
-            </a:r>
-            <a:endParaRPr kumimoji="0" lang="ko-KR" altLang="ko-KR" sz="1800" b="0" i="0" u="none" strike="noStrike" cap="none" normalizeH="0" baseline="0" smtClean="0">
-              <a:ln>
-                <a:noFill/>
-              </a:ln>
-              <a:solidFill>
-                <a:schemeClr val="tx1"/>
-              </a:solidFill>
-              <a:effectLst/>
+              <a:rPr lang="en-US" altLang="ko-KR" sz="1800">
+                <a:latin typeface="Arial" panose="020B0604020202020204" pitchFamily="34" charset="0"/>
+                <a:cs typeface="Arial" panose="020B0604020202020204" pitchFamily="34" charset="0"/>
+              </a:rPr>
+              <a:t>Open and </a:t>
+            </a:r>
+            <a:r>
+              <a:rPr lang="en-US" altLang="ko-KR" sz="1800">
+                <a:latin typeface="Arial" panose="020B0604020202020204" pitchFamily="34" charset="0"/>
+                <a:cs typeface="Arial" panose="020B0604020202020204" pitchFamily="34" charset="0"/>
+              </a:rPr>
+              <a:t>check </a:t>
+            </a:r>
+            <a:r>
+              <a:rPr lang="en-US" altLang="ko-KR" sz="1800" smtClean="0">
+                <a:latin typeface="Arial" panose="020B0604020202020204" pitchFamily="34" charset="0"/>
+                <a:cs typeface="Arial" panose="020B0604020202020204" pitchFamily="34" charset="0"/>
+              </a:rPr>
+              <a:t>`</a:t>
+            </a:r>
+            <a:r>
+              <a:rPr lang="en-US" altLang="ko-KR" sz="1800" b="1">
+                <a:latin typeface="Arial" panose="020B0604020202020204" pitchFamily="34" charset="0"/>
+                <a:cs typeface="Arial" panose="020B0604020202020204" pitchFamily="34" charset="0"/>
+              </a:rPr>
+              <a:t>Demo4. Regression with Neural Networks</a:t>
+            </a:r>
+            <a:r>
+              <a:rPr lang="en-US" altLang="ko-KR" sz="1800" smtClean="0">
+                <a:latin typeface="Arial" panose="020B0604020202020204" pitchFamily="34" charset="0"/>
+                <a:cs typeface="Arial" panose="020B0604020202020204" pitchFamily="34" charset="0"/>
+              </a:rPr>
+              <a:t>`.</a:t>
+            </a:r>
+            <a:endParaRPr lang="ko-KR" altLang="ko-KR" sz="1800">
               <a:latin typeface="Arial" panose="020B0604020202020204" pitchFamily="34" charset="0"/>
+              <a:cs typeface="Arial" panose="020B0604020202020204" pitchFamily="34" charset="0"/>
             </a:endParaRPr>
           </a:p>
         </p:txBody>
       </p:sp>
-      <p:sp>
-        <p:nvSpPr>
-          <p:cNvPr id="8" name="Rectangle 4"/>
+    </p:spTree>
+    <p:extLst>
+      <p:ext uri="{BB962C8B-B14F-4D97-AF65-F5344CB8AC3E}">
+        <p14:creationId xmlns:p14="http://schemas.microsoft.com/office/powerpoint/2010/main" val="1650359834"/>
+      </p:ext>
+    </p:extLst>
+  </p:cSld>
+  <p:clrMapOvr>
+    <a:masterClrMapping/>
+  </p:clrMapOvr>
+  <p:timing>
+    <p:tnLst>
+      <p:par>
+        <p:cTn id="1" dur="indefinite" restart="never" nodeType="tmRoot"/>
+      </p:par>
+    </p:tnLst>
+  </p:timing>
+</p:sld>
+</file>
+
+<file path=ppt/slides/slide25.xml><?xml version="1.0" encoding="utf-8"?>
+<p:sld xmlns:a="http://schemas.openxmlformats.org/drawingml/2006/main" xmlns:r="http://schemas.openxmlformats.org/officeDocument/2006/relationships" xmlns:p="http://schemas.openxmlformats.org/presentationml/2006/main">
+  <p:cSld>
+    <p:spTree>
+      <p:nvGrpSpPr>
+        <p:cNvPr id="1" name=""/>
+        <p:cNvGrpSpPr/>
+        <p:nvPr/>
+      </p:nvGrpSpPr>
+      <p:grpSpPr>
+        <a:xfrm>
+          <a:off x="0" y="0"/>
+          <a:ext cx="0" cy="0"/>
+          <a:chOff x="0" y="0"/>
+          <a:chExt cx="0" cy="0"/>
+        </a:xfrm>
+      </p:grpSpPr>
+      <p:sp>
+        <p:nvSpPr>
+          <p:cNvPr id="5" name="Rectangle 1"/>
           <p:cNvSpPr txBox="1">
             <a:spLocks noChangeArrowheads="1"/>
           </p:cNvSpPr>
@@ -14128,8 +18154,8 @@
         </p:nvSpPr>
         <p:spPr bwMode="auto">
           <a:xfrm>
-            <a:off x="1033703" y="2037328"/>
-            <a:ext cx="10255355" cy="611115"/>
+            <a:off x="870955" y="281476"/>
+            <a:ext cx="1600118" cy="313932"/>
           </a:xfrm>
           <a:prstGeom prst="rect">
             <a:avLst/>
@@ -14169,11 +18195,11 @@
           </a:extLst>
         </p:spPr>
         <p:txBody>
-          <a:bodyPr vert="horz" wrap="square" lIns="91440" tIns="45720" rIns="91440" bIns="45720" numCol="1" rtlCol="0" anchor="ctr" anchorCtr="0" compatLnSpc="1">
+          <a:bodyPr vert="horz" wrap="none" lIns="91440" tIns="45720" rIns="91440" bIns="45720" numCol="1" rtlCol="0" anchor="ctr" anchorCtr="0" compatLnSpc="1">
             <a:prstTxWarp prst="textNoShape">
               <a:avLst/>
             </a:prstTxWarp>
-            <a:noAutofit/>
+            <a:spAutoFit/>
           </a:bodyPr>
           <a:lstStyle>
             <a:lvl1pPr algn="ctr" defTabSz="914400" rtl="0" eaLnBrk="1" latinLnBrk="1" hangingPunct="1">
@@ -14195,31 +18221,54 @@
             </a:lvl1pPr>
           </a:lstStyle>
           <a:p>
-            <a:pPr marL="285750" indent="-285750" algn="l" eaLnBrk="0" fontAlgn="base" latinLnBrk="0" hangingPunct="0">
-              <a:lnSpc>
-                <a:spcPct val="100000"/>
-              </a:lnSpc>
-              <a:spcAft>
-                <a:spcPct val="0"/>
-              </a:spcAft>
-              <a:buFont typeface="Arial" panose="020B0604020202020204" pitchFamily="34" charset="0"/>
-              <a:buChar char="•"/>
-            </a:pPr>
-            <a:r>
-              <a:rPr lang="en-US" altLang="ko-KR" sz="1800" smtClean="0">
-                <a:latin typeface="Arial" panose="020B0604020202020204" pitchFamily="34" charset="0"/>
-              </a:rPr>
-              <a:t>Speed of progression</a:t>
-            </a:r>
-            <a:endParaRPr lang="ko-KR" altLang="ko-KR" sz="1800" smtClean="0">
-              <a:latin typeface="Arial" panose="020B0604020202020204" pitchFamily="34" charset="0"/>
+            <a:r>
+              <a:rPr lang="en-US" altLang="ko-KR" sz="1600" b="1" smtClean="0">
+                <a:solidFill>
+                  <a:schemeClr val="tx1">
+                    <a:lumMod val="50000"/>
+                    <a:lumOff val="50000"/>
+                  </a:schemeClr>
+                </a:solidFill>
+              </a:rPr>
+              <a:t>Last Comment</a:t>
+            </a:r>
+            <a:endParaRPr lang="en-US" altLang="ko-KR" sz="1600" b="1">
+              <a:solidFill>
+                <a:schemeClr val="tx1">
+                  <a:lumMod val="50000"/>
+                  <a:lumOff val="50000"/>
+                </a:schemeClr>
+              </a:solidFill>
             </a:endParaRPr>
           </a:p>
         </p:txBody>
       </p:sp>
       <p:sp>
         <p:nvSpPr>
-          <p:cNvPr id="13" name="Rectangle 4"/>
+          <p:cNvPr id="3" name="슬라이드 번호 개체 틀 2"/>
+          <p:cNvSpPr>
+            <a:spLocks noGrp="1"/>
+          </p:cNvSpPr>
+          <p:nvPr>
+            <p:ph type="sldNum" sz="quarter" idx="12"/>
+          </p:nvPr>
+        </p:nvSpPr>
+        <p:spPr/>
+        <p:txBody>
+          <a:bodyPr/>
+          <a:lstStyle/>
+          <a:p>
+            <a:fld id="{9D5625A4-ACAF-42E4-A765-CDD0F5B0771F}" type="slidenum">
+              <a:rPr lang="ko-KR" altLang="en-US" smtClean="0"/>
+              <a:t>25</a:t>
+            </a:fld>
+            <a:endParaRPr lang="ko-KR" altLang="en-US"/>
+          </a:p>
+        </p:txBody>
+      </p:sp>
+      <p:sp>
+        <p:nvSpPr>
+          <p:cNvPr id="8" name="Rectangle 1"/>
           <p:cNvSpPr txBox="1">
             <a:spLocks noChangeArrowheads="1"/>
           </p:cNvSpPr>
@@ -14227,8 +18276,8 @@
         </p:nvSpPr>
         <p:spPr bwMode="auto">
           <a:xfrm>
-            <a:off x="1033703" y="2691640"/>
-            <a:ext cx="10255355" cy="611115"/>
+            <a:off x="6477844" y="6400412"/>
+            <a:ext cx="4475328" cy="276999"/>
           </a:xfrm>
           <a:prstGeom prst="rect">
             <a:avLst/>
@@ -14268,11 +18317,11 @@
           </a:extLst>
         </p:spPr>
         <p:txBody>
-          <a:bodyPr vert="horz" wrap="square" lIns="91440" tIns="45720" rIns="91440" bIns="45720" numCol="1" rtlCol="0" anchor="ctr" anchorCtr="0" compatLnSpc="1">
+          <a:bodyPr vert="horz" wrap="none" lIns="91440" tIns="45720" rIns="91440" bIns="45720" numCol="1" rtlCol="0" anchor="ctr" anchorCtr="0" compatLnSpc="1">
             <a:prstTxWarp prst="textNoShape">
               <a:avLst/>
             </a:prstTxWarp>
-            <a:noAutofit/>
+            <a:spAutoFit/>
           </a:bodyPr>
           <a:lstStyle>
             <a:lvl1pPr algn="ctr" defTabSz="914400" rtl="0" eaLnBrk="1" latinLnBrk="1" hangingPunct="1">
@@ -14294,40 +18343,80 @@
             </a:lvl1pPr>
           </a:lstStyle>
           <a:p>
-            <a:pPr marL="285750" indent="-285750" algn="l" eaLnBrk="0" fontAlgn="base" latinLnBrk="0" hangingPunct="0">
+            <a:pPr algn="l" eaLnBrk="0" fontAlgn="base" latinLnBrk="0" hangingPunct="0">
               <a:lnSpc>
                 <a:spcPct val="100000"/>
               </a:lnSpc>
               <a:spcAft>
                 <a:spcPct val="0"/>
               </a:spcAft>
-              <a:buFont typeface="Arial" panose="020B0604020202020204" pitchFamily="34" charset="0"/>
-              <a:buChar char="•"/>
             </a:pPr>
             <a:r>
-              <a:rPr lang="en-US" altLang="ko-KR" sz="1800" smtClean="0">
-                <a:latin typeface="Arial" panose="020B0604020202020204" pitchFamily="34" charset="0"/>
-              </a:rPr>
-              <a:t>Programming skills (Python, NumPy, TensorFlow, Theano, …)</a:t>
-            </a:r>
-            <a:endParaRPr lang="ko-KR" altLang="ko-KR" sz="1800" smtClean="0">
+              <a:rPr lang="en-US" altLang="ko-KR" sz="1200" smtClean="0">
+                <a:solidFill>
+                  <a:schemeClr val="tx1">
+                    <a:lumMod val="50000"/>
+                    <a:lumOff val="50000"/>
+                  </a:schemeClr>
+                </a:solidFill>
+                <a:latin typeface="Arial" panose="020B0604020202020204" pitchFamily="34" charset="0"/>
+                <a:cs typeface="Arial" panose="020B0604020202020204" pitchFamily="34" charset="0"/>
+              </a:rPr>
+              <a:t>Up and Running with </a:t>
+            </a:r>
+            <a:r>
+              <a:rPr lang="en-US" altLang="ko-KR" sz="1200" err="1" smtClean="0">
+                <a:solidFill>
+                  <a:schemeClr val="tx1">
+                    <a:lumMod val="50000"/>
+                    <a:lumOff val="50000"/>
+                  </a:schemeClr>
+                </a:solidFill>
+                <a:latin typeface="Arial" panose="020B0604020202020204" pitchFamily="34" charset="0"/>
+                <a:cs typeface="Arial" panose="020B0604020202020204" pitchFamily="34" charset="0"/>
+              </a:rPr>
+              <a:t>TensorFlow</a:t>
+            </a:r>
+            <a:r>
+              <a:rPr lang="en-US" altLang="ko-KR" sz="1200" smtClean="0">
+                <a:solidFill>
+                  <a:schemeClr val="tx1">
+                    <a:lumMod val="50000"/>
+                    <a:lumOff val="50000"/>
+                  </a:schemeClr>
+                </a:solidFill>
+                <a:latin typeface="Arial" panose="020B0604020202020204" pitchFamily="34" charset="0"/>
+                <a:cs typeface="Arial" panose="020B0604020202020204" pitchFamily="34" charset="0"/>
+              </a:rPr>
+              <a:t> in Deep Learning Conference</a:t>
+            </a:r>
+            <a:endParaRPr lang="ko-KR" altLang="ko-KR" sz="1200">
+              <a:solidFill>
+                <a:schemeClr val="tx1">
+                  <a:lumMod val="50000"/>
+                  <a:lumOff val="50000"/>
+                </a:schemeClr>
+              </a:solidFill>
               <a:latin typeface="Arial" panose="020B0604020202020204" pitchFamily="34" charset="0"/>
+              <a:cs typeface="Arial" panose="020B0604020202020204" pitchFamily="34" charset="0"/>
             </a:endParaRPr>
           </a:p>
         </p:txBody>
       </p:sp>
       <p:sp>
         <p:nvSpPr>
-          <p:cNvPr id="14" name="Rectangle 4"/>
-          <p:cNvSpPr txBox="1">
-            <a:spLocks noChangeArrowheads="1"/>
+          <p:cNvPr id="9" name="Rectangle 4"/>
+          <p:cNvSpPr>
+            <a:spLocks noGrp="1" noChangeArrowheads="1"/>
           </p:cNvSpPr>
-          <p:nvPr/>
+          <p:nvPr>
+            <p:ph type="ctrTitle"/>
+          </p:nvPr>
         </p:nvSpPr>
         <p:spPr bwMode="auto">
           <a:xfrm>
-            <a:off x="1033703" y="3367532"/>
-            <a:ext cx="10255355" cy="611115"/>
+            <a:off x="2583489" y="2259238"/>
+            <a:ext cx="10255355" cy="1093272"/>
           </a:xfrm>
           <a:prstGeom prst="rect">
             <a:avLst/>
@@ -14367,279 +18456,66 @@
           </a:extLst>
         </p:spPr>
         <p:txBody>
-          <a:bodyPr vert="horz" wrap="square" lIns="91440" tIns="45720" rIns="91440" bIns="45720" numCol="1" rtlCol="0" anchor="ctr" anchorCtr="0" compatLnSpc="1">
+          <a:bodyPr vert="horz" wrap="square" lIns="91440" tIns="45720" rIns="91440" bIns="45720" numCol="1" anchor="t" anchorCtr="0" compatLnSpc="1">
             <a:prstTxWarp prst="textNoShape">
               <a:avLst/>
             </a:prstTxWarp>
             <a:noAutofit/>
           </a:bodyPr>
-          <a:lstStyle>
-            <a:lvl1pPr algn="ctr" defTabSz="914400" rtl="0" eaLnBrk="1" latinLnBrk="1" hangingPunct="1">
-              <a:lnSpc>
-                <a:spcPct val="90000"/>
-              </a:lnSpc>
-              <a:spcBef>
-                <a:spcPct val="0"/>
-              </a:spcBef>
-              <a:buNone/>
-              <a:defRPr sz="6000" kern="1200">
-                <a:solidFill>
-                  <a:schemeClr val="tx1"/>
-                </a:solidFill>
-                <a:latin typeface="+mj-lt"/>
-                <a:ea typeface="+mj-ea"/>
-                <a:cs typeface="+mj-cs"/>
-              </a:defRPr>
-            </a:lvl1pPr>
-          </a:lstStyle>
-          <a:p>
-            <a:pPr marL="285750" indent="-285750" algn="l" eaLnBrk="0" fontAlgn="base" latinLnBrk="0" hangingPunct="0">
+          <a:lstStyle/>
+          <a:p>
+            <a:pPr lvl="0" algn="l" eaLnBrk="0" fontAlgn="base" latinLnBrk="0" hangingPunct="0">
               <a:lnSpc>
                 <a:spcPct val="100000"/>
               </a:lnSpc>
               <a:spcAft>
                 <a:spcPct val="0"/>
               </a:spcAft>
-              <a:buFont typeface="Arial" panose="020B0604020202020204" pitchFamily="34" charset="0"/>
-              <a:buChar char="•"/>
             </a:pPr>
             <a:r>
-              <a:rPr lang="en-US" altLang="ko-KR" sz="1800" smtClean="0">
-                <a:latin typeface="Arial" panose="020B0604020202020204" pitchFamily="34" charset="0"/>
-              </a:rPr>
-              <a:t>Math (statistics, probabilities, linear algebra, …)</a:t>
-            </a:r>
-            <a:endParaRPr lang="ko-KR" altLang="ko-KR" sz="1800" smtClean="0">
+              <a:rPr lang="en-US" altLang="ko-KR" sz="3600" smtClean="0">
+                <a:latin typeface="Arial" panose="020B0604020202020204" pitchFamily="34" charset="0"/>
+                <a:cs typeface="Arial" panose="020B0604020202020204" pitchFamily="34" charset="0"/>
+              </a:rPr>
+              <a:t>              Thank you.</a:t>
+            </a:r>
+            <a:br>
+              <a:rPr lang="en-US" altLang="ko-KR" sz="3600" smtClean="0">
+                <a:latin typeface="Arial" panose="020B0604020202020204" pitchFamily="34" charset="0"/>
+                <a:cs typeface="Arial" panose="020B0604020202020204" pitchFamily="34" charset="0"/>
+              </a:rPr>
+            </a:br>
+            <a:r>
+              <a:rPr lang="en-US" altLang="ko-KR" sz="3600">
+                <a:latin typeface="Arial" panose="020B0604020202020204" pitchFamily="34" charset="0"/>
+                <a:cs typeface="Arial" panose="020B0604020202020204" pitchFamily="34" charset="0"/>
+              </a:rPr>
+              <a:t/>
+            </a:r>
+            <a:br>
+              <a:rPr lang="en-US" altLang="ko-KR" sz="3600">
+                <a:latin typeface="Arial" panose="020B0604020202020204" pitchFamily="34" charset="0"/>
+                <a:cs typeface="Arial" panose="020B0604020202020204" pitchFamily="34" charset="0"/>
+              </a:rPr>
+            </a:br>
+            <a:r>
+              <a:rPr lang="en-US" altLang="ko-KR" sz="3600" smtClean="0">
+                <a:latin typeface="Arial" panose="020B0604020202020204" pitchFamily="34" charset="0"/>
+                <a:cs typeface="Arial" panose="020B0604020202020204" pitchFamily="34" charset="0"/>
+              </a:rPr>
+              <a:t>             + We’re hiring.</a:t>
+            </a:r>
+            <a:endParaRPr lang="ko-KR" altLang="ko-KR" sz="3600">
               <a:latin typeface="Arial" panose="020B0604020202020204" pitchFamily="34" charset="0"/>
+              <a:cs typeface="Arial" panose="020B0604020202020204" pitchFamily="34" charset="0"/>
             </a:endParaRPr>
-          </a:p>
-        </p:txBody>
-      </p:sp>
-      <p:sp>
-        <p:nvSpPr>
-          <p:cNvPr id="16" name="Rectangle 4"/>
-          <p:cNvSpPr txBox="1">
-            <a:spLocks noChangeArrowheads="1"/>
-          </p:cNvSpPr>
-          <p:nvPr/>
-        </p:nvSpPr>
-        <p:spPr bwMode="auto">
-          <a:xfrm>
-            <a:off x="1033703" y="4025849"/>
-            <a:ext cx="10255355" cy="611115"/>
-          </a:xfrm>
-          <a:prstGeom prst="rect">
-            <a:avLst/>
-          </a:prstGeom>
-          <a:noFill/>
-          <a:ln>
-            <a:noFill/>
-          </a:ln>
-          <a:effectLst/>
-          <a:extLst>
-            <a:ext uri="{909E8E84-426E-40DD-AFC4-6F175D3DCCD1}">
-              <a14:hiddenFill xmlns:a14="http://schemas.microsoft.com/office/drawing/2010/main">
-                <a:solidFill>
-                  <a:schemeClr val="accent1"/>
-                </a:solidFill>
-              </a14:hiddenFill>
-            </a:ext>
-            <a:ext uri="{91240B29-F687-4F45-9708-019B960494DF}">
-              <a14:hiddenLine xmlns:a14="http://schemas.microsoft.com/office/drawing/2010/main" w="9525">
-                <a:solidFill>
-                  <a:schemeClr val="tx1"/>
-                </a:solidFill>
-                <a:miter lim="800000"/>
-                <a:headEnd/>
-                <a:tailEnd/>
-              </a14:hiddenLine>
-            </a:ext>
-            <a:ext uri="{AF507438-7753-43E0-B8FC-AC1667EBCBE1}">
-              <a14:hiddenEffects xmlns:a14="http://schemas.microsoft.com/office/drawing/2010/main">
-                <a:effectLst>
-                  <a:outerShdw dist="35921" dir="2700000" algn="ctr" rotWithShape="0">
-                    <a:schemeClr val="bg2"/>
-                  </a:outerShdw>
-                </a:effectLst>
-              </a14:hiddenEffects>
-            </a:ext>
-          </a:extLst>
-        </p:spPr>
-        <p:txBody>
-          <a:bodyPr vert="horz" wrap="square" lIns="91440" tIns="45720" rIns="91440" bIns="45720" numCol="1" rtlCol="0" anchor="ctr" anchorCtr="0" compatLnSpc="1">
-            <a:prstTxWarp prst="textNoShape">
-              <a:avLst/>
-            </a:prstTxWarp>
-            <a:noAutofit/>
-          </a:bodyPr>
-          <a:lstStyle>
-            <a:lvl1pPr algn="ctr" defTabSz="914400" rtl="0" eaLnBrk="1" latinLnBrk="1" hangingPunct="1">
-              <a:lnSpc>
-                <a:spcPct val="90000"/>
-              </a:lnSpc>
-              <a:spcBef>
-                <a:spcPct val="0"/>
-              </a:spcBef>
-              <a:buNone/>
-              <a:defRPr sz="6000" kern="1200">
-                <a:solidFill>
-                  <a:schemeClr val="tx1"/>
-                </a:solidFill>
-                <a:latin typeface="+mj-lt"/>
-                <a:ea typeface="+mj-ea"/>
-                <a:cs typeface="+mj-cs"/>
-              </a:defRPr>
-            </a:lvl1pPr>
-          </a:lstStyle>
-          <a:p>
-            <a:pPr marL="285750" indent="-285750" algn="l" eaLnBrk="0" fontAlgn="base" latinLnBrk="0" hangingPunct="0">
-              <a:lnSpc>
-                <a:spcPct val="100000"/>
-              </a:lnSpc>
-              <a:spcAft>
-                <a:spcPct val="0"/>
-              </a:spcAft>
-              <a:buFont typeface="Arial" panose="020B0604020202020204" pitchFamily="34" charset="0"/>
-              <a:buChar char="•"/>
-            </a:pPr>
-            <a:r>
-              <a:rPr lang="en-US" altLang="ko-KR" sz="1800" smtClean="0">
-                <a:latin typeface="Arial" panose="020B0604020202020204" pitchFamily="34" charset="0"/>
-              </a:rPr>
-              <a:t>English (paper reading, lecture listening, …) </a:t>
-            </a:r>
-            <a:endParaRPr lang="ko-KR" altLang="ko-KR" sz="1800" smtClean="0">
-              <a:latin typeface="Arial" panose="020B0604020202020204" pitchFamily="34" charset="0"/>
-            </a:endParaRPr>
-          </a:p>
-        </p:txBody>
-      </p:sp>
-      <p:sp>
-        <p:nvSpPr>
-          <p:cNvPr id="17" name="Rectangle 4"/>
-          <p:cNvSpPr txBox="1">
-            <a:spLocks noChangeArrowheads="1"/>
-          </p:cNvSpPr>
-          <p:nvPr/>
-        </p:nvSpPr>
-        <p:spPr bwMode="auto">
-          <a:xfrm>
-            <a:off x="1033703" y="4734399"/>
-            <a:ext cx="10255355" cy="611115"/>
-          </a:xfrm>
-          <a:prstGeom prst="rect">
-            <a:avLst/>
-          </a:prstGeom>
-          <a:noFill/>
-          <a:ln>
-            <a:noFill/>
-          </a:ln>
-          <a:effectLst/>
-          <a:extLst>
-            <a:ext uri="{909E8E84-426E-40DD-AFC4-6F175D3DCCD1}">
-              <a14:hiddenFill xmlns:a14="http://schemas.microsoft.com/office/drawing/2010/main">
-                <a:solidFill>
-                  <a:schemeClr val="accent1"/>
-                </a:solidFill>
-              </a14:hiddenFill>
-            </a:ext>
-            <a:ext uri="{91240B29-F687-4F45-9708-019B960494DF}">
-              <a14:hiddenLine xmlns:a14="http://schemas.microsoft.com/office/drawing/2010/main" w="9525">
-                <a:solidFill>
-                  <a:schemeClr val="tx1"/>
-                </a:solidFill>
-                <a:miter lim="800000"/>
-                <a:headEnd/>
-                <a:tailEnd/>
-              </a14:hiddenLine>
-            </a:ext>
-            <a:ext uri="{AF507438-7753-43E0-B8FC-AC1667EBCBE1}">
-              <a14:hiddenEffects xmlns:a14="http://schemas.microsoft.com/office/drawing/2010/main">
-                <a:effectLst>
-                  <a:outerShdw dist="35921" dir="2700000" algn="ctr" rotWithShape="0">
-                    <a:schemeClr val="bg2"/>
-                  </a:outerShdw>
-                </a:effectLst>
-              </a14:hiddenEffects>
-            </a:ext>
-          </a:extLst>
-        </p:spPr>
-        <p:txBody>
-          <a:bodyPr vert="horz" wrap="square" lIns="91440" tIns="45720" rIns="91440" bIns="45720" numCol="1" rtlCol="0" anchor="ctr" anchorCtr="0" compatLnSpc="1">
-            <a:prstTxWarp prst="textNoShape">
-              <a:avLst/>
-            </a:prstTxWarp>
-            <a:noAutofit/>
-          </a:bodyPr>
-          <a:lstStyle>
-            <a:lvl1pPr algn="ctr" defTabSz="914400" rtl="0" eaLnBrk="1" latinLnBrk="1" hangingPunct="1">
-              <a:lnSpc>
-                <a:spcPct val="90000"/>
-              </a:lnSpc>
-              <a:spcBef>
-                <a:spcPct val="0"/>
-              </a:spcBef>
-              <a:buNone/>
-              <a:defRPr sz="6000" kern="1200">
-                <a:solidFill>
-                  <a:schemeClr val="tx1"/>
-                </a:solidFill>
-                <a:latin typeface="+mj-lt"/>
-                <a:ea typeface="+mj-ea"/>
-                <a:cs typeface="+mj-cs"/>
-              </a:defRPr>
-            </a:lvl1pPr>
-          </a:lstStyle>
-          <a:p>
-            <a:pPr marL="285750" indent="-285750" algn="l" eaLnBrk="0" fontAlgn="base" latinLnBrk="0" hangingPunct="0">
-              <a:lnSpc>
-                <a:spcPct val="100000"/>
-              </a:lnSpc>
-              <a:spcAft>
-                <a:spcPct val="0"/>
-              </a:spcAft>
-              <a:buFont typeface="Arial" panose="020B0604020202020204" pitchFamily="34" charset="0"/>
-              <a:buChar char="•"/>
-            </a:pPr>
-            <a:r>
-              <a:rPr lang="en-US" altLang="ko-KR" sz="1800" smtClean="0">
-                <a:latin typeface="Arial" panose="020B0604020202020204" pitchFamily="34" charset="0"/>
-              </a:rPr>
-              <a:t>Money (GPUs, decent computer environment, …)</a:t>
-            </a:r>
-            <a:endParaRPr lang="ko-KR" altLang="ko-KR" sz="1800" smtClean="0">
-              <a:latin typeface="Arial" panose="020B0604020202020204" pitchFamily="34" charset="0"/>
-            </a:endParaRPr>
-          </a:p>
-        </p:txBody>
-      </p:sp>
-      <p:sp>
-        <p:nvSpPr>
-          <p:cNvPr id="2" name="슬라이드 번호 개체 틀 1"/>
-          <p:cNvSpPr>
-            <a:spLocks noGrp="1"/>
-          </p:cNvSpPr>
-          <p:nvPr>
-            <p:ph type="sldNum" sz="quarter" idx="12"/>
-          </p:nvPr>
-        </p:nvSpPr>
-        <p:spPr/>
-        <p:txBody>
-          <a:bodyPr/>
-          <a:lstStyle/>
-          <a:p>
-            <a:fld id="{9D5625A4-ACAF-42E4-A765-CDD0F5B0771F}" type="slidenum">
-              <a:rPr lang="ko-KR" altLang="en-US" smtClean="0"/>
-              <a:t>2</a:t>
-            </a:fld>
-            <a:endParaRPr lang="ko-KR" altLang="en-US"/>
           </a:p>
         </p:txBody>
       </p:sp>
     </p:spTree>
     <p:extLst>
       <p:ext uri="{BB962C8B-B14F-4D97-AF65-F5344CB8AC3E}">
-        <p14:creationId xmlns:p14="http://schemas.microsoft.com/office/powerpoint/2010/main" val="2027896320"/>
+        <p14:creationId xmlns:p14="http://schemas.microsoft.com/office/powerpoint/2010/main" val="632804255"/>
       </p:ext>
     </p:extLst>
   </p:cSld>
@@ -14649,264 +18525,9 @@
   <p:timing>
     <p:tnLst>
       <p:par>
-        <p:cTn id="1" dur="indefinite" restart="never" nodeType="tmRoot">
-          <p:childTnLst>
-            <p:seq concurrent="1" nextAc="seek">
-              <p:cTn id="2" dur="indefinite" nodeType="mainSeq">
-                <p:childTnLst>
-                  <p:par>
-                    <p:cTn id="3" fill="hold">
-                      <p:stCondLst>
-                        <p:cond delay="indefinite"/>
-                      </p:stCondLst>
-                      <p:childTnLst>
-                        <p:par>
-                          <p:cTn id="4" fill="hold">
-                            <p:stCondLst>
-                              <p:cond delay="0"/>
-                            </p:stCondLst>
-                            <p:childTnLst>
-                              <p:par>
-                                <p:cTn id="5" presetID="1" presetClass="entr" presetSubtype="0" fill="hold" grpId="0" nodeType="clickEffect">
-                                  <p:stCondLst>
-                                    <p:cond delay="0"/>
-                                  </p:stCondLst>
-                                  <p:childTnLst>
-                                    <p:set>
-                                      <p:cBhvr>
-                                        <p:cTn id="6" dur="1" fill="hold">
-                                          <p:stCondLst>
-                                            <p:cond delay="0"/>
-                                          </p:stCondLst>
-                                        </p:cTn>
-                                        <p:tgtEl>
-                                          <p:spTgt spid="8"/>
-                                        </p:tgtEl>
-                                        <p:attrNameLst>
-                                          <p:attrName>style.visibility</p:attrName>
-                                        </p:attrNameLst>
-                                      </p:cBhvr>
-                                      <p:to>
-                                        <p:strVal val="visible"/>
-                                      </p:to>
-                                    </p:set>
-                                  </p:childTnLst>
-                                </p:cTn>
-                              </p:par>
-                            </p:childTnLst>
-                          </p:cTn>
-                        </p:par>
-                      </p:childTnLst>
-                    </p:cTn>
-                  </p:par>
-                  <p:par>
-                    <p:cTn id="7" fill="hold">
-                      <p:stCondLst>
-                        <p:cond delay="indefinite"/>
-                      </p:stCondLst>
-                      <p:childTnLst>
-                        <p:par>
-                          <p:cTn id="8" fill="hold">
-                            <p:stCondLst>
-                              <p:cond delay="0"/>
-                            </p:stCondLst>
-                            <p:childTnLst>
-                              <p:par>
-                                <p:cTn id="9" presetID="1" presetClass="entr" presetSubtype="0" fill="hold" grpId="0" nodeType="clickEffect">
-                                  <p:stCondLst>
-                                    <p:cond delay="0"/>
-                                  </p:stCondLst>
-                                  <p:childTnLst>
-                                    <p:set>
-                                      <p:cBhvr>
-                                        <p:cTn id="10" dur="1" fill="hold">
-                                          <p:stCondLst>
-                                            <p:cond delay="0"/>
-                                          </p:stCondLst>
-                                        </p:cTn>
-                                        <p:tgtEl>
-                                          <p:spTgt spid="13"/>
-                                        </p:tgtEl>
-                                        <p:attrNameLst>
-                                          <p:attrName>style.visibility</p:attrName>
-                                        </p:attrNameLst>
-                                      </p:cBhvr>
-                                      <p:to>
-                                        <p:strVal val="visible"/>
-                                      </p:to>
-                                    </p:set>
-                                  </p:childTnLst>
-                                </p:cTn>
-                              </p:par>
-                            </p:childTnLst>
-                          </p:cTn>
-                        </p:par>
-                      </p:childTnLst>
-                    </p:cTn>
-                  </p:par>
-                  <p:par>
-                    <p:cTn id="11" fill="hold">
-                      <p:stCondLst>
-                        <p:cond delay="indefinite"/>
-                      </p:stCondLst>
-                      <p:childTnLst>
-                        <p:par>
-                          <p:cTn id="12" fill="hold">
-                            <p:stCondLst>
-                              <p:cond delay="0"/>
-                            </p:stCondLst>
-                            <p:childTnLst>
-                              <p:par>
-                                <p:cTn id="13" presetID="1" presetClass="entr" presetSubtype="0" fill="hold" grpId="0" nodeType="clickEffect">
-                                  <p:stCondLst>
-                                    <p:cond delay="0"/>
-                                  </p:stCondLst>
-                                  <p:childTnLst>
-                                    <p:set>
-                                      <p:cBhvr>
-                                        <p:cTn id="14" dur="1" fill="hold">
-                                          <p:stCondLst>
-                                            <p:cond delay="0"/>
-                                          </p:stCondLst>
-                                        </p:cTn>
-                                        <p:tgtEl>
-                                          <p:spTgt spid="14"/>
-                                        </p:tgtEl>
-                                        <p:attrNameLst>
-                                          <p:attrName>style.visibility</p:attrName>
-                                        </p:attrNameLst>
-                                      </p:cBhvr>
-                                      <p:to>
-                                        <p:strVal val="visible"/>
-                                      </p:to>
-                                    </p:set>
-                                  </p:childTnLst>
-                                </p:cTn>
-                              </p:par>
-                            </p:childTnLst>
-                          </p:cTn>
-                        </p:par>
-                      </p:childTnLst>
-                    </p:cTn>
-                  </p:par>
-                  <p:par>
-                    <p:cTn id="15" fill="hold">
-                      <p:stCondLst>
-                        <p:cond delay="indefinite"/>
-                      </p:stCondLst>
-                      <p:childTnLst>
-                        <p:par>
-                          <p:cTn id="16" fill="hold">
-                            <p:stCondLst>
-                              <p:cond delay="0"/>
-                            </p:stCondLst>
-                            <p:childTnLst>
-                              <p:par>
-                                <p:cTn id="17" presetID="1" presetClass="entr" presetSubtype="0" fill="hold" grpId="0" nodeType="clickEffect">
-                                  <p:stCondLst>
-                                    <p:cond delay="0"/>
-                                  </p:stCondLst>
-                                  <p:childTnLst>
-                                    <p:set>
-                                      <p:cBhvr>
-                                        <p:cTn id="18" dur="1" fill="hold">
-                                          <p:stCondLst>
-                                            <p:cond delay="0"/>
-                                          </p:stCondLst>
-                                        </p:cTn>
-                                        <p:tgtEl>
-                                          <p:spTgt spid="16"/>
-                                        </p:tgtEl>
-                                        <p:attrNameLst>
-                                          <p:attrName>style.visibility</p:attrName>
-                                        </p:attrNameLst>
-                                      </p:cBhvr>
-                                      <p:to>
-                                        <p:strVal val="visible"/>
-                                      </p:to>
-                                    </p:set>
-                                  </p:childTnLst>
-                                </p:cTn>
-                              </p:par>
-                            </p:childTnLst>
-                          </p:cTn>
-                        </p:par>
-                      </p:childTnLst>
-                    </p:cTn>
-                  </p:par>
-                  <p:par>
-                    <p:cTn id="19" fill="hold">
-                      <p:stCondLst>
-                        <p:cond delay="indefinite"/>
-                      </p:stCondLst>
-                      <p:childTnLst>
-                        <p:par>
-                          <p:cTn id="20" fill="hold">
-                            <p:stCondLst>
-                              <p:cond delay="0"/>
-                            </p:stCondLst>
-                            <p:childTnLst>
-                              <p:par>
-                                <p:cTn id="21" presetID="1" presetClass="entr" presetSubtype="0" fill="hold" grpId="0" nodeType="clickEffect">
-                                  <p:stCondLst>
-                                    <p:cond delay="0"/>
-                                  </p:stCondLst>
-                                  <p:childTnLst>
-                                    <p:set>
-                                      <p:cBhvr>
-                                        <p:cTn id="22" dur="1" fill="hold">
-                                          <p:stCondLst>
-                                            <p:cond delay="0"/>
-                                          </p:stCondLst>
-                                        </p:cTn>
-                                        <p:tgtEl>
-                                          <p:spTgt spid="17"/>
-                                        </p:tgtEl>
-                                        <p:attrNameLst>
-                                          <p:attrName>style.visibility</p:attrName>
-                                        </p:attrNameLst>
-                                      </p:cBhvr>
-                                      <p:to>
-                                        <p:strVal val="visible"/>
-                                      </p:to>
-                                    </p:set>
-                                  </p:childTnLst>
-                                </p:cTn>
-                              </p:par>
-                            </p:childTnLst>
-                          </p:cTn>
-                        </p:par>
-                      </p:childTnLst>
-                    </p:cTn>
-                  </p:par>
-                </p:childTnLst>
-              </p:cTn>
-              <p:prevCondLst>
-                <p:cond evt="onPrev" delay="0">
-                  <p:tgtEl>
-                    <p:sldTgt/>
-                  </p:tgtEl>
-                </p:cond>
-              </p:prevCondLst>
-              <p:nextCondLst>
-                <p:cond evt="onNext" delay="0">
-                  <p:tgtEl>
-                    <p:sldTgt/>
-                  </p:tgtEl>
-                </p:cond>
-              </p:nextCondLst>
-            </p:seq>
-          </p:childTnLst>
-        </p:cTn>
+        <p:cTn id="1" dur="indefinite" restart="never" nodeType="tmRoot"/>
       </p:par>
     </p:tnLst>
-    <p:bldLst>
-      <p:bldP spid="8" grpId="0"/>
-      <p:bldP spid="13" grpId="0"/>
-      <p:bldP spid="14" grpId="0"/>
-      <p:bldP spid="16" grpId="0"/>
-      <p:bldP spid="17" grpId="0"/>
-    </p:bldLst>
   </p:timing>
 </p:sld>
 </file>
@@ -20600,6 +24221,413 @@
         <p:spPr bwMode="auto">
           <a:xfrm>
             <a:off x="515425" y="200413"/>
+            <a:ext cx="1164101" cy="338554"/>
+          </a:xfrm>
+          <a:prstGeom prst="rect">
+            <a:avLst/>
+          </a:prstGeom>
+          <a:noFill/>
+          <a:ln>
+            <a:noFill/>
+          </a:ln>
+          <a:effectLst/>
+          <a:extLst>
+            <a:ext uri="{909E8E84-426E-40DD-AFC4-6F175D3DCCD1}">
+              <a14:hiddenFill xmlns:a14="http://schemas.microsoft.com/office/drawing/2010/main">
+                <a:solidFill>
+                  <a:schemeClr val="accent1"/>
+                </a:solidFill>
+              </a14:hiddenFill>
+            </a:ext>
+            <a:ext uri="{91240B29-F687-4F45-9708-019B960494DF}">
+              <a14:hiddenLine xmlns:a14="http://schemas.microsoft.com/office/drawing/2010/main" w="9525">
+                <a:solidFill>
+                  <a:schemeClr val="tx1"/>
+                </a:solidFill>
+                <a:miter lim="800000"/>
+                <a:headEnd/>
+                <a:tailEnd/>
+              </a14:hiddenLine>
+            </a:ext>
+            <a:ext uri="{AF507438-7753-43E0-B8FC-AC1667EBCBE1}">
+              <a14:hiddenEffects xmlns:a14="http://schemas.microsoft.com/office/drawing/2010/main">
+                <a:effectLst>
+                  <a:outerShdw dist="35921" dir="2700000" algn="ctr" rotWithShape="0">
+                    <a:schemeClr val="bg2"/>
+                  </a:outerShdw>
+                </a:effectLst>
+              </a14:hiddenEffects>
+            </a:ext>
+          </a:extLst>
+        </p:spPr>
+        <p:txBody>
+          <a:bodyPr vert="horz" wrap="none" lIns="91440" tIns="45720" rIns="91440" bIns="45720" numCol="1" rtlCol="0" anchor="ctr" anchorCtr="0" compatLnSpc="1">
+            <a:prstTxWarp prst="textNoShape">
+              <a:avLst/>
+            </a:prstTxWarp>
+            <a:spAutoFit/>
+          </a:bodyPr>
+          <a:lstStyle>
+            <a:lvl1pPr algn="ctr" defTabSz="914400" rtl="0" eaLnBrk="1" latinLnBrk="1" hangingPunct="1">
+              <a:lnSpc>
+                <a:spcPct val="90000"/>
+              </a:lnSpc>
+              <a:spcBef>
+                <a:spcPct val="0"/>
+              </a:spcBef>
+              <a:buNone/>
+              <a:defRPr sz="6000" kern="1200">
+                <a:solidFill>
+                  <a:schemeClr val="tx1"/>
+                </a:solidFill>
+                <a:latin typeface="+mj-lt"/>
+                <a:ea typeface="+mj-ea"/>
+                <a:cs typeface="+mj-cs"/>
+              </a:defRPr>
+            </a:lvl1pPr>
+          </a:lstStyle>
+          <a:p>
+            <a:pPr algn="l" eaLnBrk="0" fontAlgn="base" latinLnBrk="0" hangingPunct="0">
+              <a:lnSpc>
+                <a:spcPct val="100000"/>
+              </a:lnSpc>
+              <a:spcAft>
+                <a:spcPct val="0"/>
+              </a:spcAft>
+            </a:pPr>
+            <a:r>
+              <a:rPr lang="en-US" altLang="ko-KR" sz="1600" b="1" smtClean="0">
+                <a:solidFill>
+                  <a:schemeClr val="tx1">
+                    <a:lumMod val="50000"/>
+                    <a:lumOff val="50000"/>
+                  </a:schemeClr>
+                </a:solidFill>
+                <a:latin typeface="Arial" panose="020B0604020202020204" pitchFamily="34" charset="0"/>
+                <a:cs typeface="Arial" panose="020B0604020202020204" pitchFamily="34" charset="0"/>
+              </a:rPr>
+              <a:t>Challenge</a:t>
+            </a:r>
+            <a:endParaRPr lang="ko-KR" altLang="ko-KR" sz="1600">
+              <a:solidFill>
+                <a:schemeClr val="tx1">
+                  <a:lumMod val="50000"/>
+                  <a:lumOff val="50000"/>
+                </a:schemeClr>
+              </a:solidFill>
+              <a:latin typeface="Arial" panose="020B0604020202020204" pitchFamily="34" charset="0"/>
+              <a:cs typeface="Arial" panose="020B0604020202020204" pitchFamily="34" charset="0"/>
+            </a:endParaRPr>
+          </a:p>
+        </p:txBody>
+      </p:sp>
+      <p:sp>
+        <p:nvSpPr>
+          <p:cNvPr id="9" name="Rectangle 4"/>
+          <p:cNvSpPr>
+            <a:spLocks noGrp="1" noChangeArrowheads="1"/>
+          </p:cNvSpPr>
+          <p:nvPr>
+            <p:ph type="ctrTitle"/>
+          </p:nvPr>
+        </p:nvSpPr>
+        <p:spPr bwMode="auto">
+          <a:xfrm>
+            <a:off x="970443" y="2684652"/>
+            <a:ext cx="10255355" cy="611115"/>
+          </a:xfrm>
+          <a:prstGeom prst="rect">
+            <a:avLst/>
+          </a:prstGeom>
+          <a:noFill/>
+          <a:ln>
+            <a:noFill/>
+          </a:ln>
+          <a:effectLst/>
+          <a:extLst>
+            <a:ext uri="{909E8E84-426E-40DD-AFC4-6F175D3DCCD1}">
+              <a14:hiddenFill xmlns:a14="http://schemas.microsoft.com/office/drawing/2010/main">
+                <a:solidFill>
+                  <a:schemeClr val="accent1"/>
+                </a:solidFill>
+              </a14:hiddenFill>
+            </a:ext>
+            <a:ext uri="{91240B29-F687-4F45-9708-019B960494DF}">
+              <a14:hiddenLine xmlns:a14="http://schemas.microsoft.com/office/drawing/2010/main" w="9525">
+                <a:solidFill>
+                  <a:schemeClr val="tx1"/>
+                </a:solidFill>
+                <a:miter lim="800000"/>
+                <a:headEnd/>
+                <a:tailEnd/>
+              </a14:hiddenLine>
+            </a:ext>
+            <a:ext uri="{AF507438-7753-43E0-B8FC-AC1667EBCBE1}">
+              <a14:hiddenEffects xmlns:a14="http://schemas.microsoft.com/office/drawing/2010/main">
+                <a:effectLst>
+                  <a:outerShdw dist="35921" dir="2700000" algn="ctr" rotWithShape="0">
+                    <a:schemeClr val="bg2"/>
+                  </a:outerShdw>
+                </a:effectLst>
+              </a14:hiddenEffects>
+            </a:ext>
+          </a:extLst>
+        </p:spPr>
+        <p:txBody>
+          <a:bodyPr vert="horz" wrap="square" lIns="91440" tIns="45720" rIns="91440" bIns="45720" numCol="1" anchor="ctr" anchorCtr="0" compatLnSpc="1">
+            <a:prstTxWarp prst="textNoShape">
+              <a:avLst/>
+            </a:prstTxWarp>
+            <a:noAutofit/>
+          </a:bodyPr>
+          <a:lstStyle/>
+          <a:p>
+            <a:pPr marL="285750" lvl="0" indent="-285750" algn="l" eaLnBrk="0" fontAlgn="base" latinLnBrk="0" hangingPunct="0">
+              <a:lnSpc>
+                <a:spcPct val="100000"/>
+              </a:lnSpc>
+              <a:spcAft>
+                <a:spcPct val="0"/>
+              </a:spcAft>
+              <a:buFont typeface="Arial" panose="020B0604020202020204" pitchFamily="34" charset="0"/>
+              <a:buChar char="•"/>
+            </a:pPr>
+            <a:r>
+              <a:rPr lang="en-US" altLang="ko-KR" sz="1800" smtClean="0">
+                <a:latin typeface="Arial" panose="020B0604020202020204" pitchFamily="34" charset="0"/>
+                <a:cs typeface="Arial" panose="020B0604020202020204" pitchFamily="34" charset="0"/>
+              </a:rPr>
+              <a:t>Open and challenge `</a:t>
+            </a:r>
+            <a:r>
+              <a:rPr lang="en-US" altLang="ko-KR" sz="1800" b="1" smtClean="0">
+                <a:latin typeface="Arial" panose="020B0604020202020204" pitchFamily="34" charset="0"/>
+                <a:cs typeface="Arial" panose="020B0604020202020204" pitchFamily="34" charset="0"/>
+              </a:rPr>
+              <a:t>Ch0. Graph.ipynb</a:t>
+            </a:r>
+            <a:r>
+              <a:rPr lang="en-US" altLang="ko-KR" sz="1800" smtClean="0">
+                <a:latin typeface="Arial" panose="020B0604020202020204" pitchFamily="34" charset="0"/>
+                <a:cs typeface="Arial" panose="020B0604020202020204" pitchFamily="34" charset="0"/>
+              </a:rPr>
+              <a:t>`.</a:t>
+            </a:r>
+            <a:endParaRPr lang="ko-KR" altLang="ko-KR" sz="1800">
+              <a:latin typeface="Arial" panose="020B0604020202020204" pitchFamily="34" charset="0"/>
+              <a:cs typeface="Arial" panose="020B0604020202020204" pitchFamily="34" charset="0"/>
+            </a:endParaRPr>
+          </a:p>
+        </p:txBody>
+      </p:sp>
+      <p:sp>
+        <p:nvSpPr>
+          <p:cNvPr id="2" name="슬라이드 번호 개체 틀 1"/>
+          <p:cNvSpPr>
+            <a:spLocks noGrp="1"/>
+          </p:cNvSpPr>
+          <p:nvPr>
+            <p:ph type="sldNum" sz="quarter" idx="12"/>
+          </p:nvPr>
+        </p:nvSpPr>
+        <p:spPr/>
+        <p:txBody>
+          <a:bodyPr/>
+          <a:lstStyle/>
+          <a:p>
+            <a:fld id="{9D5625A4-ACAF-42E4-A765-CDD0F5B0771F}" type="slidenum">
+              <a:rPr lang="ko-KR" altLang="en-US" smtClean="0"/>
+              <a:t>8</a:t>
+            </a:fld>
+            <a:endParaRPr lang="ko-KR" altLang="en-US"/>
+          </a:p>
+        </p:txBody>
+      </p:sp>
+      <p:sp>
+        <p:nvSpPr>
+          <p:cNvPr id="10" name="Rectangle 1"/>
+          <p:cNvSpPr txBox="1">
+            <a:spLocks noChangeArrowheads="1"/>
+          </p:cNvSpPr>
+          <p:nvPr/>
+        </p:nvSpPr>
+        <p:spPr bwMode="auto">
+          <a:xfrm>
+            <a:off x="6477844" y="6400412"/>
+            <a:ext cx="4475328" cy="276999"/>
+          </a:xfrm>
+          <a:prstGeom prst="rect">
+            <a:avLst/>
+          </a:prstGeom>
+          <a:noFill/>
+          <a:ln>
+            <a:noFill/>
+          </a:ln>
+          <a:effectLst/>
+          <a:extLst>
+            <a:ext uri="{909E8E84-426E-40DD-AFC4-6F175D3DCCD1}">
+              <a14:hiddenFill xmlns:a14="http://schemas.microsoft.com/office/drawing/2010/main">
+                <a:solidFill>
+                  <a:schemeClr val="accent1"/>
+                </a:solidFill>
+              </a14:hiddenFill>
+            </a:ext>
+            <a:ext uri="{91240B29-F687-4F45-9708-019B960494DF}">
+              <a14:hiddenLine xmlns:a14="http://schemas.microsoft.com/office/drawing/2010/main" w="9525">
+                <a:solidFill>
+                  <a:schemeClr val="tx1"/>
+                </a:solidFill>
+                <a:miter lim="800000"/>
+                <a:headEnd/>
+                <a:tailEnd/>
+              </a14:hiddenLine>
+            </a:ext>
+            <a:ext uri="{AF507438-7753-43E0-B8FC-AC1667EBCBE1}">
+              <a14:hiddenEffects xmlns:a14="http://schemas.microsoft.com/office/drawing/2010/main">
+                <a:effectLst>
+                  <a:outerShdw dist="35921" dir="2700000" algn="ctr" rotWithShape="0">
+                    <a:schemeClr val="bg2"/>
+                  </a:outerShdw>
+                </a:effectLst>
+              </a14:hiddenEffects>
+            </a:ext>
+          </a:extLst>
+        </p:spPr>
+        <p:txBody>
+          <a:bodyPr vert="horz" wrap="none" lIns="91440" tIns="45720" rIns="91440" bIns="45720" numCol="1" rtlCol="0" anchor="ctr" anchorCtr="0" compatLnSpc="1">
+            <a:prstTxWarp prst="textNoShape">
+              <a:avLst/>
+            </a:prstTxWarp>
+            <a:spAutoFit/>
+          </a:bodyPr>
+          <a:lstStyle>
+            <a:lvl1pPr algn="ctr" defTabSz="914400" rtl="0" eaLnBrk="1" latinLnBrk="1" hangingPunct="1">
+              <a:lnSpc>
+                <a:spcPct val="90000"/>
+              </a:lnSpc>
+              <a:spcBef>
+                <a:spcPct val="0"/>
+              </a:spcBef>
+              <a:buNone/>
+              <a:defRPr sz="6000" kern="1200">
+                <a:solidFill>
+                  <a:schemeClr val="tx1"/>
+                </a:solidFill>
+                <a:latin typeface="+mj-lt"/>
+                <a:ea typeface="+mj-ea"/>
+                <a:cs typeface="+mj-cs"/>
+              </a:defRPr>
+            </a:lvl1pPr>
+          </a:lstStyle>
+          <a:p>
+            <a:pPr algn="l" eaLnBrk="0" fontAlgn="base" latinLnBrk="0" hangingPunct="0">
+              <a:lnSpc>
+                <a:spcPct val="100000"/>
+              </a:lnSpc>
+              <a:spcAft>
+                <a:spcPct val="0"/>
+              </a:spcAft>
+            </a:pPr>
+            <a:r>
+              <a:rPr lang="en-US" altLang="ko-KR" sz="1200" smtClean="0">
+                <a:solidFill>
+                  <a:schemeClr val="tx1">
+                    <a:lumMod val="50000"/>
+                    <a:lumOff val="50000"/>
+                  </a:schemeClr>
+                </a:solidFill>
+                <a:latin typeface="Arial" panose="020B0604020202020204" pitchFamily="34" charset="0"/>
+                <a:cs typeface="Arial" panose="020B0604020202020204" pitchFamily="34" charset="0"/>
+              </a:rPr>
+              <a:t>Up and Running with </a:t>
+            </a:r>
+            <a:r>
+              <a:rPr lang="en-US" altLang="ko-KR" sz="1200" err="1" smtClean="0">
+                <a:solidFill>
+                  <a:schemeClr val="tx1">
+                    <a:lumMod val="50000"/>
+                    <a:lumOff val="50000"/>
+                  </a:schemeClr>
+                </a:solidFill>
+                <a:latin typeface="Arial" panose="020B0604020202020204" pitchFamily="34" charset="0"/>
+                <a:cs typeface="Arial" panose="020B0604020202020204" pitchFamily="34" charset="0"/>
+              </a:rPr>
+              <a:t>TensorFlow</a:t>
+            </a:r>
+            <a:r>
+              <a:rPr lang="en-US" altLang="ko-KR" sz="1200" smtClean="0">
+                <a:solidFill>
+                  <a:schemeClr val="tx1">
+                    <a:lumMod val="50000"/>
+                    <a:lumOff val="50000"/>
+                  </a:schemeClr>
+                </a:solidFill>
+                <a:latin typeface="Arial" panose="020B0604020202020204" pitchFamily="34" charset="0"/>
+                <a:cs typeface="Arial" panose="020B0604020202020204" pitchFamily="34" charset="0"/>
+              </a:rPr>
+              <a:t> in Deep Learning Conference</a:t>
+            </a:r>
+            <a:endParaRPr lang="ko-KR" altLang="ko-KR" sz="1200">
+              <a:solidFill>
+                <a:schemeClr val="tx1">
+                  <a:lumMod val="50000"/>
+                  <a:lumOff val="50000"/>
+                </a:schemeClr>
+              </a:solidFill>
+              <a:latin typeface="Arial" panose="020B0604020202020204" pitchFamily="34" charset="0"/>
+              <a:cs typeface="Arial" panose="020B0604020202020204" pitchFamily="34" charset="0"/>
+            </a:endParaRPr>
+          </a:p>
+        </p:txBody>
+      </p:sp>
+    </p:spTree>
+    <p:extLst>
+      <p:ext uri="{BB962C8B-B14F-4D97-AF65-F5344CB8AC3E}">
+        <p14:creationId xmlns:p14="http://schemas.microsoft.com/office/powerpoint/2010/main" val="3904768234"/>
+      </p:ext>
+    </p:extLst>
+  </p:cSld>
+  <p:clrMapOvr>
+    <a:masterClrMapping/>
+  </p:clrMapOvr>
+  <p:timing>
+    <p:tnLst>
+      <p:par>
+        <p:cTn id="1" dur="indefinite" restart="never" nodeType="tmRoot"/>
+      </p:par>
+    </p:tnLst>
+  </p:timing>
+</p:sld>
+</file>
+
+<file path=ppt/slides/slide9.xml><?xml version="1.0" encoding="utf-8"?>
+<p:sld xmlns:a="http://schemas.openxmlformats.org/drawingml/2006/main" xmlns:r="http://schemas.openxmlformats.org/officeDocument/2006/relationships" xmlns:p="http://schemas.openxmlformats.org/presentationml/2006/main">
+  <p:cSld>
+    <p:spTree>
+      <p:nvGrpSpPr>
+        <p:cNvPr id="1" name=""/>
+        <p:cNvGrpSpPr/>
+        <p:nvPr/>
+      </p:nvGrpSpPr>
+      <p:grpSpPr>
+        <a:xfrm>
+          <a:off x="0" y="0"/>
+          <a:ext cx="0" cy="0"/>
+          <a:chOff x="0" y="0"/>
+          <a:chExt cx="0" cy="0"/>
+        </a:xfrm>
+      </p:grpSpPr>
+      <p:sp>
+        <p:nvSpPr>
+          <p:cNvPr id="5" name="Rectangle 1"/>
+          <p:cNvSpPr txBox="1">
+            <a:spLocks noChangeArrowheads="1"/>
+          </p:cNvSpPr>
+          <p:nvPr/>
+        </p:nvSpPr>
+        <p:spPr bwMode="auto">
+          <a:xfrm>
+            <a:off x="515425" y="200413"/>
             <a:ext cx="966098" cy="338554"/>
           </a:xfrm>
           <a:prstGeom prst="rect">
@@ -21170,7 +25198,7 @@
           <a:p>
             <a:fld id="{9D5625A4-ACAF-42E4-A765-CDD0F5B0771F}" type="slidenum">
               <a:rPr lang="ko-KR" altLang="en-US" smtClean="0"/>
-              <a:t>8</a:t>
+              <a:t>9</a:t>
             </a:fld>
             <a:endParaRPr lang="ko-KR" altLang="en-US"/>
           </a:p>
@@ -21537,430 +25565,6 @@
       <p:bldP spid="8" grpId="0"/>
       <p:bldP spid="10" grpId="0"/>
     </p:bldLst>
-  </p:timing>
-</p:sld>
-</file>
-
-<file path=ppt/slides/slide9.xml><?xml version="1.0" encoding="utf-8"?>
-<p:sld xmlns:a="http://schemas.openxmlformats.org/drawingml/2006/main" xmlns:r="http://schemas.openxmlformats.org/officeDocument/2006/relationships" xmlns:p="http://schemas.openxmlformats.org/presentationml/2006/main">
-  <p:cSld>
-    <p:spTree>
-      <p:nvGrpSpPr>
-        <p:cNvPr id="1" name=""/>
-        <p:cNvGrpSpPr/>
-        <p:nvPr/>
-      </p:nvGrpSpPr>
-      <p:grpSpPr>
-        <a:xfrm>
-          <a:off x="0" y="0"/>
-          <a:ext cx="0" cy="0"/>
-          <a:chOff x="0" y="0"/>
-          <a:chExt cx="0" cy="0"/>
-        </a:xfrm>
-      </p:grpSpPr>
-      <p:sp>
-        <p:nvSpPr>
-          <p:cNvPr id="5" name="Rectangle 1"/>
-          <p:cNvSpPr txBox="1">
-            <a:spLocks noChangeArrowheads="1"/>
-          </p:cNvSpPr>
-          <p:nvPr/>
-        </p:nvSpPr>
-        <p:spPr bwMode="auto">
-          <a:xfrm>
-            <a:off x="515425" y="200413"/>
-            <a:ext cx="966098" cy="338554"/>
-          </a:xfrm>
-          <a:prstGeom prst="rect">
-            <a:avLst/>
-          </a:prstGeom>
-          <a:noFill/>
-          <a:ln>
-            <a:noFill/>
-          </a:ln>
-          <a:effectLst/>
-          <a:extLst>
-            <a:ext uri="{909E8E84-426E-40DD-AFC4-6F175D3DCCD1}">
-              <a14:hiddenFill xmlns:a14="http://schemas.microsoft.com/office/drawing/2010/main">
-                <a:solidFill>
-                  <a:schemeClr val="accent1"/>
-                </a:solidFill>
-              </a14:hiddenFill>
-            </a:ext>
-            <a:ext uri="{91240B29-F687-4F45-9708-019B960494DF}">
-              <a14:hiddenLine xmlns:a14="http://schemas.microsoft.com/office/drawing/2010/main" w="9525">
-                <a:solidFill>
-                  <a:schemeClr val="tx1"/>
-                </a:solidFill>
-                <a:miter lim="800000"/>
-                <a:headEnd/>
-                <a:tailEnd/>
-              </a14:hiddenLine>
-            </a:ext>
-            <a:ext uri="{AF507438-7753-43E0-B8FC-AC1667EBCBE1}">
-              <a14:hiddenEffects xmlns:a14="http://schemas.microsoft.com/office/drawing/2010/main">
-                <a:effectLst>
-                  <a:outerShdw dist="35921" dir="2700000" algn="ctr" rotWithShape="0">
-                    <a:schemeClr val="bg2"/>
-                  </a:outerShdw>
-                </a:effectLst>
-              </a14:hiddenEffects>
-            </a:ext>
-          </a:extLst>
-        </p:spPr>
-        <p:txBody>
-          <a:bodyPr vert="horz" wrap="none" lIns="91440" tIns="45720" rIns="91440" bIns="45720" numCol="1" rtlCol="0" anchor="ctr" anchorCtr="0" compatLnSpc="1">
-            <a:prstTxWarp prst="textNoShape">
-              <a:avLst/>
-            </a:prstTxWarp>
-            <a:spAutoFit/>
-          </a:bodyPr>
-          <a:lstStyle>
-            <a:lvl1pPr algn="ctr" defTabSz="914400" rtl="0" eaLnBrk="1" latinLnBrk="1" hangingPunct="1">
-              <a:lnSpc>
-                <a:spcPct val="90000"/>
-              </a:lnSpc>
-              <a:spcBef>
-                <a:spcPct val="0"/>
-              </a:spcBef>
-              <a:buNone/>
-              <a:defRPr sz="6000" kern="1200">
-                <a:solidFill>
-                  <a:schemeClr val="tx1"/>
-                </a:solidFill>
-                <a:latin typeface="+mj-lt"/>
-                <a:ea typeface="+mj-ea"/>
-                <a:cs typeface="+mj-cs"/>
-              </a:defRPr>
-            </a:lvl1pPr>
-          </a:lstStyle>
-          <a:p>
-            <a:pPr algn="l" eaLnBrk="0" fontAlgn="base" latinLnBrk="0" hangingPunct="0">
-              <a:lnSpc>
-                <a:spcPct val="100000"/>
-              </a:lnSpc>
-              <a:spcAft>
-                <a:spcPct val="0"/>
-              </a:spcAft>
-            </a:pPr>
-            <a:r>
-              <a:rPr lang="en-US" altLang="ko-KR" sz="1600" b="1" smtClean="0">
-                <a:solidFill>
-                  <a:schemeClr val="tx1">
-                    <a:lumMod val="50000"/>
-                    <a:lumOff val="50000"/>
-                  </a:schemeClr>
-                </a:solidFill>
-                <a:latin typeface="Arial" panose="020B0604020202020204" pitchFamily="34" charset="0"/>
-                <a:cs typeface="Arial" panose="020B0604020202020204" pitchFamily="34" charset="0"/>
-              </a:rPr>
-              <a:t>Tensors</a:t>
-            </a:r>
-            <a:endParaRPr lang="ko-KR" altLang="ko-KR" sz="1600">
-              <a:solidFill>
-                <a:schemeClr val="tx1">
-                  <a:lumMod val="50000"/>
-                  <a:lumOff val="50000"/>
-                </a:schemeClr>
-              </a:solidFill>
-              <a:latin typeface="Arial" panose="020B0604020202020204" pitchFamily="34" charset="0"/>
-              <a:cs typeface="Arial" panose="020B0604020202020204" pitchFamily="34" charset="0"/>
-            </a:endParaRPr>
-          </a:p>
-        </p:txBody>
-      </p:sp>
-      <p:sp>
-        <p:nvSpPr>
-          <p:cNvPr id="9" name="Rectangle 4"/>
-          <p:cNvSpPr>
-            <a:spLocks noGrp="1" noChangeArrowheads="1"/>
-          </p:cNvSpPr>
-          <p:nvPr>
-            <p:ph type="ctrTitle"/>
-          </p:nvPr>
-        </p:nvSpPr>
-        <p:spPr bwMode="auto">
-          <a:xfrm>
-            <a:off x="1033703" y="958987"/>
-            <a:ext cx="10255355" cy="611115"/>
-          </a:xfrm>
-          <a:prstGeom prst="rect">
-            <a:avLst/>
-          </a:prstGeom>
-          <a:noFill/>
-          <a:ln>
-            <a:noFill/>
-          </a:ln>
-          <a:effectLst/>
-          <a:extLst>
-            <a:ext uri="{909E8E84-426E-40DD-AFC4-6F175D3DCCD1}">
-              <a14:hiddenFill xmlns:a14="http://schemas.microsoft.com/office/drawing/2010/main">
-                <a:solidFill>
-                  <a:schemeClr val="accent1"/>
-                </a:solidFill>
-              </a14:hiddenFill>
-            </a:ext>
-            <a:ext uri="{91240B29-F687-4F45-9708-019B960494DF}">
-              <a14:hiddenLine xmlns:a14="http://schemas.microsoft.com/office/drawing/2010/main" w="9525">
-                <a:solidFill>
-                  <a:schemeClr val="tx1"/>
-                </a:solidFill>
-                <a:miter lim="800000"/>
-                <a:headEnd/>
-                <a:tailEnd/>
-              </a14:hiddenLine>
-            </a:ext>
-            <a:ext uri="{AF507438-7753-43E0-B8FC-AC1667EBCBE1}">
-              <a14:hiddenEffects xmlns:a14="http://schemas.microsoft.com/office/drawing/2010/main">
-                <a:effectLst>
-                  <a:outerShdw dist="35921" dir="2700000" algn="ctr" rotWithShape="0">
-                    <a:schemeClr val="bg2"/>
-                  </a:outerShdw>
-                </a:effectLst>
-              </a14:hiddenEffects>
-            </a:ext>
-          </a:extLst>
-        </p:spPr>
-        <p:txBody>
-          <a:bodyPr vert="horz" wrap="square" lIns="91440" tIns="45720" rIns="91440" bIns="45720" numCol="1" anchor="ctr" anchorCtr="0" compatLnSpc="1">
-            <a:prstTxWarp prst="textNoShape">
-              <a:avLst/>
-            </a:prstTxWarp>
-            <a:noAutofit/>
-          </a:bodyPr>
-          <a:lstStyle/>
-          <a:p>
-            <a:pPr marL="285750" lvl="0" indent="-285750" algn="l" eaLnBrk="0" fontAlgn="base" latinLnBrk="0" hangingPunct="0">
-              <a:lnSpc>
-                <a:spcPct val="100000"/>
-              </a:lnSpc>
-              <a:spcAft>
-                <a:spcPct val="0"/>
-              </a:spcAft>
-              <a:buFont typeface="Arial" panose="020B0604020202020204" pitchFamily="34" charset="0"/>
-              <a:buChar char="•"/>
-            </a:pPr>
-            <a:r>
-              <a:rPr lang="en-US" altLang="ko-KR" sz="1800" smtClean="0">
-                <a:latin typeface="Arial" panose="020B0604020202020204" pitchFamily="34" charset="0"/>
-                <a:cs typeface="Arial" panose="020B0604020202020204" pitchFamily="34" charset="0"/>
-              </a:rPr>
-              <a:t>Tensors have a data type.</a:t>
-            </a:r>
-            <a:endParaRPr kumimoji="0" lang="ko-KR" altLang="ko-KR" sz="1800" b="0" i="0" u="none" strike="noStrike" cap="none" normalizeH="0" baseline="0" smtClean="0">
-              <a:ln>
-                <a:noFill/>
-              </a:ln>
-              <a:solidFill>
-                <a:schemeClr val="tx1"/>
-              </a:solidFill>
-              <a:effectLst/>
-              <a:latin typeface="Arial" panose="020B0604020202020204" pitchFamily="34" charset="0"/>
-              <a:cs typeface="Arial" panose="020B0604020202020204" pitchFamily="34" charset="0"/>
-            </a:endParaRPr>
-          </a:p>
-        </p:txBody>
-      </p:sp>
-      <p:pic>
-        <p:nvPicPr>
-          <p:cNvPr id="3" name="그림 2"/>
-          <p:cNvPicPr>
-            <a:picLocks noChangeAspect="1"/>
-          </p:cNvPicPr>
-          <p:nvPr/>
-        </p:nvPicPr>
-        <p:blipFill>
-          <a:blip r:embed="rId2"/>
-          <a:stretch>
-            <a:fillRect/>
-          </a:stretch>
-        </p:blipFill>
-        <p:spPr>
-          <a:xfrm>
-            <a:off x="1303833" y="1471441"/>
-            <a:ext cx="6063011" cy="4197469"/>
-          </a:xfrm>
-          <a:prstGeom prst="rect">
-            <a:avLst/>
-          </a:prstGeom>
-        </p:spPr>
-      </p:pic>
-      <p:sp>
-        <p:nvSpPr>
-          <p:cNvPr id="2" name="슬라이드 번호 개체 틀 1"/>
-          <p:cNvSpPr>
-            <a:spLocks noGrp="1"/>
-          </p:cNvSpPr>
-          <p:nvPr>
-            <p:ph type="sldNum" sz="quarter" idx="12"/>
-          </p:nvPr>
-        </p:nvSpPr>
-        <p:spPr/>
-        <p:txBody>
-          <a:bodyPr/>
-          <a:lstStyle/>
-          <a:p>
-            <a:fld id="{9D5625A4-ACAF-42E4-A765-CDD0F5B0771F}" type="slidenum">
-              <a:rPr lang="ko-KR" altLang="en-US" smtClean="0"/>
-              <a:t>9</a:t>
-            </a:fld>
-            <a:endParaRPr lang="ko-KR" altLang="en-US"/>
-          </a:p>
-        </p:txBody>
-      </p:sp>
-      <p:sp>
-        <p:nvSpPr>
-          <p:cNvPr id="8" name="Rectangle 1"/>
-          <p:cNvSpPr txBox="1">
-            <a:spLocks noChangeArrowheads="1"/>
-          </p:cNvSpPr>
-          <p:nvPr/>
-        </p:nvSpPr>
-        <p:spPr bwMode="auto">
-          <a:xfrm>
-            <a:off x="6477844" y="6400412"/>
-            <a:ext cx="4475328" cy="276999"/>
-          </a:xfrm>
-          <a:prstGeom prst="rect">
-            <a:avLst/>
-          </a:prstGeom>
-          <a:noFill/>
-          <a:ln>
-            <a:noFill/>
-          </a:ln>
-          <a:effectLst/>
-          <a:extLst>
-            <a:ext uri="{909E8E84-426E-40DD-AFC4-6F175D3DCCD1}">
-              <a14:hiddenFill xmlns:a14="http://schemas.microsoft.com/office/drawing/2010/main">
-                <a:solidFill>
-                  <a:schemeClr val="accent1"/>
-                </a:solidFill>
-              </a14:hiddenFill>
-            </a:ext>
-            <a:ext uri="{91240B29-F687-4F45-9708-019B960494DF}">
-              <a14:hiddenLine xmlns:a14="http://schemas.microsoft.com/office/drawing/2010/main" w="9525">
-                <a:solidFill>
-                  <a:schemeClr val="tx1"/>
-                </a:solidFill>
-                <a:miter lim="800000"/>
-                <a:headEnd/>
-                <a:tailEnd/>
-              </a14:hiddenLine>
-            </a:ext>
-            <a:ext uri="{AF507438-7753-43E0-B8FC-AC1667EBCBE1}">
-              <a14:hiddenEffects xmlns:a14="http://schemas.microsoft.com/office/drawing/2010/main">
-                <a:effectLst>
-                  <a:outerShdw dist="35921" dir="2700000" algn="ctr" rotWithShape="0">
-                    <a:schemeClr val="bg2"/>
-                  </a:outerShdw>
-                </a:effectLst>
-              </a14:hiddenEffects>
-            </a:ext>
-          </a:extLst>
-        </p:spPr>
-        <p:txBody>
-          <a:bodyPr vert="horz" wrap="none" lIns="91440" tIns="45720" rIns="91440" bIns="45720" numCol="1" rtlCol="0" anchor="ctr" anchorCtr="0" compatLnSpc="1">
-            <a:prstTxWarp prst="textNoShape">
-              <a:avLst/>
-            </a:prstTxWarp>
-            <a:spAutoFit/>
-          </a:bodyPr>
-          <a:lstStyle>
-            <a:lvl1pPr algn="ctr" defTabSz="914400" rtl="0" eaLnBrk="1" latinLnBrk="1" hangingPunct="1">
-              <a:lnSpc>
-                <a:spcPct val="90000"/>
-              </a:lnSpc>
-              <a:spcBef>
-                <a:spcPct val="0"/>
-              </a:spcBef>
-              <a:buNone/>
-              <a:defRPr sz="6000" kern="1200">
-                <a:solidFill>
-                  <a:schemeClr val="tx1"/>
-                </a:solidFill>
-                <a:latin typeface="+mj-lt"/>
-                <a:ea typeface="+mj-ea"/>
-                <a:cs typeface="+mj-cs"/>
-              </a:defRPr>
-            </a:lvl1pPr>
-          </a:lstStyle>
-          <a:p>
-            <a:pPr algn="l" eaLnBrk="0" fontAlgn="base" latinLnBrk="0" hangingPunct="0">
-              <a:lnSpc>
-                <a:spcPct val="100000"/>
-              </a:lnSpc>
-              <a:spcAft>
-                <a:spcPct val="0"/>
-              </a:spcAft>
-            </a:pPr>
-            <a:r>
-              <a:rPr lang="en-US" altLang="ko-KR" sz="1200" smtClean="0">
-                <a:solidFill>
-                  <a:schemeClr val="tx1">
-                    <a:lumMod val="50000"/>
-                    <a:lumOff val="50000"/>
-                  </a:schemeClr>
-                </a:solidFill>
-                <a:latin typeface="Arial" panose="020B0604020202020204" pitchFamily="34" charset="0"/>
-                <a:cs typeface="Arial" panose="020B0604020202020204" pitchFamily="34" charset="0"/>
-              </a:rPr>
-              <a:t>Up and Running with </a:t>
-            </a:r>
-            <a:r>
-              <a:rPr lang="en-US" altLang="ko-KR" sz="1200" err="1" smtClean="0">
-                <a:solidFill>
-                  <a:schemeClr val="tx1">
-                    <a:lumMod val="50000"/>
-                    <a:lumOff val="50000"/>
-                  </a:schemeClr>
-                </a:solidFill>
-                <a:latin typeface="Arial" panose="020B0604020202020204" pitchFamily="34" charset="0"/>
-                <a:cs typeface="Arial" panose="020B0604020202020204" pitchFamily="34" charset="0"/>
-              </a:rPr>
-              <a:t>TensorFlow</a:t>
-            </a:r>
-            <a:r>
-              <a:rPr lang="en-US" altLang="ko-KR" sz="1200" smtClean="0">
-                <a:solidFill>
-                  <a:schemeClr val="tx1">
-                    <a:lumMod val="50000"/>
-                    <a:lumOff val="50000"/>
-                  </a:schemeClr>
-                </a:solidFill>
-                <a:latin typeface="Arial" panose="020B0604020202020204" pitchFamily="34" charset="0"/>
-                <a:cs typeface="Arial" panose="020B0604020202020204" pitchFamily="34" charset="0"/>
-              </a:rPr>
-              <a:t> in Deep Learning Conference</a:t>
-            </a:r>
-            <a:endParaRPr lang="ko-KR" altLang="ko-KR" sz="1200">
-              <a:solidFill>
-                <a:schemeClr val="tx1">
-                  <a:lumMod val="50000"/>
-                  <a:lumOff val="50000"/>
-                </a:schemeClr>
-              </a:solidFill>
-              <a:latin typeface="Arial" panose="020B0604020202020204" pitchFamily="34" charset="0"/>
-              <a:cs typeface="Arial" panose="020B0604020202020204" pitchFamily="34" charset="0"/>
-            </a:endParaRPr>
-          </a:p>
-        </p:txBody>
-      </p:sp>
-    </p:spTree>
-    <p:extLst>
-      <p:ext uri="{BB962C8B-B14F-4D97-AF65-F5344CB8AC3E}">
-        <p14:creationId xmlns:p14="http://schemas.microsoft.com/office/powerpoint/2010/main" val="1356362872"/>
-      </p:ext>
-    </p:extLst>
-  </p:cSld>
-  <p:clrMapOvr>
-    <a:masterClrMapping/>
-  </p:clrMapOvr>
-  <p:timing>
-    <p:tnLst>
-      <p:par>
-        <p:cTn id="1" dur="indefinite" restart="never" nodeType="tmRoot"/>
-      </p:par>
-    </p:tnLst>
   </p:timing>
 </p:sld>
 </file>
